--- a/Notes/02_2_IndexedTriangle.pptx
+++ b/Notes/02_2_IndexedTriangle.pptx
@@ -215,7 +215,7 @@
           <a:p>
             <a:fld id="{1558EF9E-F90D-3644-932C-1F90C8EF183B}" type="datetimeFigureOut">
               <a:rPr kumimoji="1" lang="ko-KR" altLang="en-US" smtClean="0"/>
-              <a:t>2025. 2. 16.</a:t>
+              <a:t>2025. 2. 20.</a:t>
             </a:fld>
             <a:endParaRPr kumimoji="1" lang="ko-KR" altLang="en-US"/>
           </a:p>
@@ -507,14 +507,14 @@
           <a:ln/>
           <a:extLst>
             <a:ext uri="{909E8E84-426E-40dd-AFC4-6F175D3DCCD1}">
-              <a14:hiddenFill xmlns:a14="http://schemas.microsoft.com/office/drawing/2010/main" xmlns="">
+              <a14:hiddenFill xmlns="" xmlns:a14="http://schemas.microsoft.com/office/drawing/2010/main">
                 <a:solidFill>
                   <a:srgbClr val="FFFFFF"/>
                 </a:solidFill>
               </a14:hiddenFill>
             </a:ext>
             <a:ext uri="{91240B29-F687-4f45-9708-019B960494DF}">
-              <a14:hiddenLine xmlns:a14="http://schemas.microsoft.com/office/drawing/2010/main" xmlns="" w="9525">
+              <a14:hiddenLine xmlns="" xmlns:a14="http://schemas.microsoft.com/office/drawing/2010/main" w="9525">
                 <a:solidFill>
                   <a:srgbClr val="000000"/>
                 </a:solidFill>
@@ -565,14 +565,14 @@
           <a:ln/>
           <a:extLst>
             <a:ext uri="{909E8E84-426E-40dd-AFC4-6F175D3DCCD1}">
-              <a14:hiddenFill xmlns:a14="http://schemas.microsoft.com/office/drawing/2010/main" xmlns="">
+              <a14:hiddenFill xmlns="" xmlns:a14="http://schemas.microsoft.com/office/drawing/2010/main">
                 <a:solidFill>
                   <a:srgbClr val="FFFFFF"/>
                 </a:solidFill>
               </a14:hiddenFill>
             </a:ext>
             <a:ext uri="{91240B29-F687-4f45-9708-019B960494DF}">
-              <a14:hiddenLine xmlns:a14="http://schemas.microsoft.com/office/drawing/2010/main" xmlns="" w="9525">
+              <a14:hiddenLine xmlns="" xmlns:a14="http://schemas.microsoft.com/office/drawing/2010/main" w="9525">
                 <a:solidFill>
                   <a:srgbClr val="000000"/>
                 </a:solidFill>
@@ -6323,7 +6323,7 @@
                                 </p:cTn>
                               </p:par>
                               <p:par>
-                                <p:cTn id="7" presetID="1" presetClass="entr" presetSubtype="0" fill="hold" nodeType="withEffect">
+                                <p:cTn id="7" presetID="1" presetClass="entr" presetSubtype="0" fill="hold" grpId="0" nodeType="withEffect">
                                   <p:stCondLst>
                                     <p:cond delay="0"/>
                                   </p:stCondLst>
@@ -6337,9 +6337,7 @@
                                         </p:cTn>
                                         <p:tgtEl>
                                           <p:spTgt spid="6">
-                                            <p:txEl>
-                                              <p:pRg st="1" end="1"/>
-                                            </p:txEl>
+                                            <p:bg/>
                                           </p:spTgt>
                                         </p:tgtEl>
                                         <p:attrNameLst>
@@ -6369,6 +6367,37 @@
                                         <p:tgtEl>
                                           <p:spTgt spid="6">
                                             <p:txEl>
+                                              <p:pRg st="1" end="1"/>
+                                            </p:txEl>
+                                          </p:spTgt>
+                                        </p:tgtEl>
+                                        <p:attrNameLst>
+                                          <p:attrName>style.visibility</p:attrName>
+                                        </p:attrNameLst>
+                                      </p:cBhvr>
+                                      <p:to>
+                                        <p:strVal val="visible"/>
+                                      </p:to>
+                                    </p:set>
+                                  </p:childTnLst>
+                                </p:cTn>
+                              </p:par>
+                              <p:par>
+                                <p:cTn id="11" presetID="1" presetClass="entr" presetSubtype="0" fill="hold" nodeType="withEffect">
+                                  <p:stCondLst>
+                                    <p:cond delay="0"/>
+                                  </p:stCondLst>
+                                  <p:childTnLst>
+                                    <p:set>
+                                      <p:cBhvr>
+                                        <p:cTn id="12" dur="1" fill="hold">
+                                          <p:stCondLst>
+                                            <p:cond delay="0"/>
+                                          </p:stCondLst>
+                                        </p:cTn>
+                                        <p:tgtEl>
+                                          <p:spTgt spid="6">
+                                            <p:txEl>
                                               <p:pRg st="2" end="2"/>
                                             </p:txEl>
                                           </p:spTgt>
@@ -6391,50 +6420,19 @@
                     </p:cTn>
                   </p:par>
                   <p:par>
-                    <p:cTn id="11" fill="hold">
+                    <p:cTn id="13" fill="hold">
                       <p:stCondLst>
                         <p:cond delay="indefinite"/>
                       </p:stCondLst>
                       <p:childTnLst>
                         <p:par>
-                          <p:cTn id="12" fill="hold">
+                          <p:cTn id="14" fill="hold">
                             <p:stCondLst>
                               <p:cond delay="0"/>
                             </p:stCondLst>
                             <p:childTnLst>
                               <p:par>
-                                <p:cTn id="13" presetID="1" presetClass="entr" presetSubtype="0" fill="hold" nodeType="clickEffect">
-                                  <p:stCondLst>
-                                    <p:cond delay="0"/>
-                                  </p:stCondLst>
-                                  <p:childTnLst>
-                                    <p:set>
-                                      <p:cBhvr>
-                                        <p:cTn id="14" dur="1" fill="hold">
-                                          <p:stCondLst>
-                                            <p:cond delay="0"/>
-                                          </p:stCondLst>
-                                        </p:cTn>
-                                        <p:tgtEl>
-                                          <p:spTgt spid="6">
-                                            <p:txEl>
-                                              <p:pRg st="3" end="3"/>
-                                            </p:txEl>
-                                          </p:spTgt>
-                                        </p:tgtEl>
-                                        <p:attrNameLst>
-                                          <p:attrName>style.visibility</p:attrName>
-                                        </p:attrNameLst>
-                                      </p:cBhvr>
-                                      <p:to>
-                                        <p:strVal val="visible"/>
-                                      </p:to>
-                                    </p:set>
-                                  </p:childTnLst>
-                                </p:cTn>
-                              </p:par>
-                              <p:par>
-                                <p:cTn id="15" presetID="1" presetClass="entr" presetSubtype="0" fill="hold" nodeType="withEffect">
+                                <p:cTn id="15" presetID="1" presetClass="entr" presetSubtype="0" fill="hold" nodeType="clickEffect">
                                   <p:stCondLst>
                                     <p:cond delay="0"/>
                                   </p:stCondLst>
@@ -6449,7 +6447,7 @@
                                         <p:tgtEl>
                                           <p:spTgt spid="6">
                                             <p:txEl>
-                                              <p:pRg st="4" end="4"/>
+                                              <p:pRg st="3" end="3"/>
                                             </p:txEl>
                                           </p:spTgt>
                                         </p:tgtEl>
@@ -6480,7 +6478,7 @@
                                         <p:tgtEl>
                                           <p:spTgt spid="6">
                                             <p:txEl>
-                                              <p:pRg st="5" end="5"/>
+                                              <p:pRg st="4" end="4"/>
                                             </p:txEl>
                                           </p:spTgt>
                                         </p:tgtEl>
@@ -6511,6 +6509,37 @@
                                         <p:tgtEl>
                                           <p:spTgt spid="6">
                                             <p:txEl>
+                                              <p:pRg st="5" end="5"/>
+                                            </p:txEl>
+                                          </p:spTgt>
+                                        </p:tgtEl>
+                                        <p:attrNameLst>
+                                          <p:attrName>style.visibility</p:attrName>
+                                        </p:attrNameLst>
+                                      </p:cBhvr>
+                                      <p:to>
+                                        <p:strVal val="visible"/>
+                                      </p:to>
+                                    </p:set>
+                                  </p:childTnLst>
+                                </p:cTn>
+                              </p:par>
+                              <p:par>
+                                <p:cTn id="21" presetID="1" presetClass="entr" presetSubtype="0" fill="hold" nodeType="withEffect">
+                                  <p:stCondLst>
+                                    <p:cond delay="0"/>
+                                  </p:stCondLst>
+                                  <p:childTnLst>
+                                    <p:set>
+                                      <p:cBhvr>
+                                        <p:cTn id="22" dur="1" fill="hold">
+                                          <p:stCondLst>
+                                            <p:cond delay="0"/>
+                                          </p:stCondLst>
+                                        </p:cTn>
+                                        <p:tgtEl>
+                                          <p:spTgt spid="6">
+                                            <p:txEl>
                                               <p:pRg st="6" end="6"/>
                                             </p:txEl>
                                           </p:spTgt>
@@ -6533,50 +6562,19 @@
                     </p:cTn>
                   </p:par>
                   <p:par>
-                    <p:cTn id="21" fill="hold">
+                    <p:cTn id="23" fill="hold">
                       <p:stCondLst>
                         <p:cond delay="indefinite"/>
                       </p:stCondLst>
                       <p:childTnLst>
                         <p:par>
-                          <p:cTn id="22" fill="hold">
+                          <p:cTn id="24" fill="hold">
                             <p:stCondLst>
                               <p:cond delay="0"/>
                             </p:stCondLst>
                             <p:childTnLst>
                               <p:par>
-                                <p:cTn id="23" presetID="1" presetClass="entr" presetSubtype="0" fill="hold" nodeType="clickEffect">
-                                  <p:stCondLst>
-                                    <p:cond delay="0"/>
-                                  </p:stCondLst>
-                                  <p:childTnLst>
-                                    <p:set>
-                                      <p:cBhvr>
-                                        <p:cTn id="24" dur="1" fill="hold">
-                                          <p:stCondLst>
-                                            <p:cond delay="0"/>
-                                          </p:stCondLst>
-                                        </p:cTn>
-                                        <p:tgtEl>
-                                          <p:spTgt spid="6">
-                                            <p:txEl>
-                                              <p:pRg st="8" end="8"/>
-                                            </p:txEl>
-                                          </p:spTgt>
-                                        </p:tgtEl>
-                                        <p:attrNameLst>
-                                          <p:attrName>style.visibility</p:attrName>
-                                        </p:attrNameLst>
-                                      </p:cBhvr>
-                                      <p:to>
-                                        <p:strVal val="visible"/>
-                                      </p:to>
-                                    </p:set>
-                                  </p:childTnLst>
-                                </p:cTn>
-                              </p:par>
-                              <p:par>
-                                <p:cTn id="25" presetID="1" presetClass="entr" presetSubtype="0" fill="hold" nodeType="withEffect">
+                                <p:cTn id="25" presetID="1" presetClass="entr" presetSubtype="0" fill="hold" nodeType="clickEffect">
                                   <p:stCondLst>
                                     <p:cond delay="0"/>
                                   </p:stCondLst>
@@ -6591,7 +6589,7 @@
                                         <p:tgtEl>
                                           <p:spTgt spid="6">
                                             <p:txEl>
-                                              <p:pRg st="9" end="9"/>
+                                              <p:pRg st="8" end="8"/>
                                             </p:txEl>
                                           </p:spTgt>
                                         </p:tgtEl>
@@ -6622,6 +6620,37 @@
                                         <p:tgtEl>
                                           <p:spTgt spid="6">
                                             <p:txEl>
+                                              <p:pRg st="9" end="9"/>
+                                            </p:txEl>
+                                          </p:spTgt>
+                                        </p:tgtEl>
+                                        <p:attrNameLst>
+                                          <p:attrName>style.visibility</p:attrName>
+                                        </p:attrNameLst>
+                                      </p:cBhvr>
+                                      <p:to>
+                                        <p:strVal val="visible"/>
+                                      </p:to>
+                                    </p:set>
+                                  </p:childTnLst>
+                                </p:cTn>
+                              </p:par>
+                              <p:par>
+                                <p:cTn id="29" presetID="1" presetClass="entr" presetSubtype="0" fill="hold" nodeType="withEffect">
+                                  <p:stCondLst>
+                                    <p:cond delay="0"/>
+                                  </p:stCondLst>
+                                  <p:childTnLst>
+                                    <p:set>
+                                      <p:cBhvr>
+                                        <p:cTn id="30" dur="1" fill="hold">
+                                          <p:stCondLst>
+                                            <p:cond delay="0"/>
+                                          </p:stCondLst>
+                                        </p:cTn>
+                                        <p:tgtEl>
+                                          <p:spTgt spid="6">
+                                            <p:txEl>
                                               <p:pRg st="10" end="10"/>
                                             </p:txEl>
                                           </p:spTgt>
@@ -6644,50 +6673,19 @@
                     </p:cTn>
                   </p:par>
                   <p:par>
-                    <p:cTn id="29" fill="hold">
+                    <p:cTn id="31" fill="hold">
                       <p:stCondLst>
                         <p:cond delay="indefinite"/>
                       </p:stCondLst>
                       <p:childTnLst>
                         <p:par>
-                          <p:cTn id="30" fill="hold">
+                          <p:cTn id="32" fill="hold">
                             <p:stCondLst>
                               <p:cond delay="0"/>
                             </p:stCondLst>
                             <p:childTnLst>
                               <p:par>
-                                <p:cTn id="31" presetID="1" presetClass="entr" presetSubtype="0" fill="hold" nodeType="clickEffect">
-                                  <p:stCondLst>
-                                    <p:cond delay="0"/>
-                                  </p:stCondLst>
-                                  <p:childTnLst>
-                                    <p:set>
-                                      <p:cBhvr>
-                                        <p:cTn id="32" dur="1" fill="hold">
-                                          <p:stCondLst>
-                                            <p:cond delay="0"/>
-                                          </p:stCondLst>
-                                        </p:cTn>
-                                        <p:tgtEl>
-                                          <p:spTgt spid="6">
-                                            <p:txEl>
-                                              <p:pRg st="12" end="12"/>
-                                            </p:txEl>
-                                          </p:spTgt>
-                                        </p:tgtEl>
-                                        <p:attrNameLst>
-                                          <p:attrName>style.visibility</p:attrName>
-                                        </p:attrNameLst>
-                                      </p:cBhvr>
-                                      <p:to>
-                                        <p:strVal val="visible"/>
-                                      </p:to>
-                                    </p:set>
-                                  </p:childTnLst>
-                                </p:cTn>
-                              </p:par>
-                              <p:par>
-                                <p:cTn id="33" presetID="1" presetClass="entr" presetSubtype="0" fill="hold" nodeType="withEffect">
+                                <p:cTn id="33" presetID="1" presetClass="entr" presetSubtype="0" fill="hold" nodeType="clickEffect">
                                   <p:stCondLst>
                                     <p:cond delay="0"/>
                                   </p:stCondLst>
@@ -6702,7 +6700,7 @@
                                         <p:tgtEl>
                                           <p:spTgt spid="6">
                                             <p:txEl>
-                                              <p:pRg st="13" end="13"/>
+                                              <p:pRg st="12" end="12"/>
                                             </p:txEl>
                                           </p:spTgt>
                                         </p:tgtEl>
@@ -6733,7 +6731,7 @@
                                         <p:tgtEl>
                                           <p:spTgt spid="6">
                                             <p:txEl>
-                                              <p:pRg st="14" end="14"/>
+                                              <p:pRg st="13" end="13"/>
                                             </p:txEl>
                                           </p:spTgt>
                                         </p:tgtEl>
@@ -6757,6 +6755,37 @@
                                     <p:set>
                                       <p:cBhvr>
                                         <p:cTn id="38" dur="1" fill="hold">
+                                          <p:stCondLst>
+                                            <p:cond delay="0"/>
+                                          </p:stCondLst>
+                                        </p:cTn>
+                                        <p:tgtEl>
+                                          <p:spTgt spid="6">
+                                            <p:txEl>
+                                              <p:pRg st="14" end="14"/>
+                                            </p:txEl>
+                                          </p:spTgt>
+                                        </p:tgtEl>
+                                        <p:attrNameLst>
+                                          <p:attrName>style.visibility</p:attrName>
+                                        </p:attrNameLst>
+                                      </p:cBhvr>
+                                      <p:to>
+                                        <p:strVal val="visible"/>
+                                      </p:to>
+                                    </p:set>
+                                  </p:childTnLst>
+                                </p:cTn>
+                              </p:par>
+                              <p:par>
+                                <p:cTn id="39" presetID="1" presetClass="entr" presetSubtype="0" fill="hold" nodeType="withEffect">
+                                  <p:stCondLst>
+                                    <p:cond delay="0"/>
+                                  </p:stCondLst>
+                                  <p:childTnLst>
+                                    <p:set>
+                                      <p:cBhvr>
+                                        <p:cTn id="40" dur="1" fill="hold">
                                           <p:stCondLst>
                                             <p:cond delay="0"/>
                                           </p:stCondLst>
@@ -6806,6 +6835,9 @@
         </p:cTn>
       </p:par>
     </p:tnLst>
+    <p:bldLst>
+      <p:bldP spid="6" grpId="0" uiExpand="1" build="allAtOnce" animBg="1"/>
+    </p:bldLst>
   </p:timing>
 </p:sld>
 </file>
@@ -8016,42 +8048,22 @@
                                   </p:childTnLst>
                                 </p:cTn>
                               </p:par>
-                            </p:childTnLst>
-                          </p:cTn>
-                        </p:par>
-                      </p:childTnLst>
-                    </p:cTn>
-                  </p:par>
-                  <p:par>
-                    <p:cTn id="21" fill="hold">
-                      <p:stCondLst>
-                        <p:cond delay="indefinite"/>
-                      </p:stCondLst>
-                      <p:childTnLst>
-                        <p:par>
-                          <p:cTn id="22" fill="hold">
-                            <p:stCondLst>
-                              <p:cond delay="0"/>
-                            </p:stCondLst>
-                            <p:childTnLst>
                               <p:par>
-                                <p:cTn id="23" presetID="1" presetClass="entr" presetSubtype="0" fill="hold" nodeType="clickEffect">
+                                <p:cTn id="21" presetID="1" presetClass="entr" presetSubtype="0" fill="hold" grpId="0" nodeType="withEffect">
                                   <p:stCondLst>
                                     <p:cond delay="0"/>
                                   </p:stCondLst>
                                   <p:childTnLst>
                                     <p:set>
                                       <p:cBhvr>
-                                        <p:cTn id="24" dur="1" fill="hold">
+                                        <p:cTn id="22" dur="1" fill="hold">
                                           <p:stCondLst>
                                             <p:cond delay="0"/>
                                           </p:stCondLst>
                                         </p:cTn>
                                         <p:tgtEl>
                                           <p:spTgt spid="7">
-                                            <p:txEl>
-                                              <p:pRg st="9" end="9"/>
-                                            </p:txEl>
+                                            <p:bg/>
                                           </p:spTgt>
                                         </p:tgtEl>
                                         <p:attrNameLst>
@@ -8065,8 +8077,26 @@
                                   </p:childTnLst>
                                 </p:cTn>
                               </p:par>
+                            </p:childTnLst>
+                          </p:cTn>
+                        </p:par>
+                      </p:childTnLst>
+                    </p:cTn>
+                  </p:par>
+                  <p:par>
+                    <p:cTn id="23" fill="hold">
+                      <p:stCondLst>
+                        <p:cond delay="indefinite"/>
+                      </p:stCondLst>
+                      <p:childTnLst>
+                        <p:par>
+                          <p:cTn id="24" fill="hold">
+                            <p:stCondLst>
+                              <p:cond delay="0"/>
+                            </p:stCondLst>
+                            <p:childTnLst>
                               <p:par>
-                                <p:cTn id="25" presetID="1" presetClass="entr" presetSubtype="0" fill="hold" nodeType="withEffect">
+                                <p:cTn id="25" presetID="1" presetClass="entr" presetSubtype="0" fill="hold" nodeType="clickEffect">
                                   <p:stCondLst>
                                     <p:cond delay="0"/>
                                   </p:stCondLst>
@@ -8081,7 +8111,7 @@
                                         <p:tgtEl>
                                           <p:spTgt spid="7">
                                             <p:txEl>
-                                              <p:pRg st="10" end="10"/>
+                                              <p:pRg st="9" end="9"/>
                                             </p:txEl>
                                           </p:spTgt>
                                         </p:tgtEl>
@@ -8112,7 +8142,7 @@
                                         <p:tgtEl>
                                           <p:spTgt spid="7">
                                             <p:txEl>
-                                              <p:pRg st="11" end="11"/>
+                                              <p:pRg st="10" end="10"/>
                                             </p:txEl>
                                           </p:spTgt>
                                         </p:tgtEl>
@@ -8143,7 +8173,7 @@
                                         <p:tgtEl>
                                           <p:spTgt spid="7">
                                             <p:txEl>
-                                              <p:pRg st="12" end="12"/>
+                                              <p:pRg st="11" end="11"/>
                                             </p:txEl>
                                           </p:spTgt>
                                         </p:tgtEl>
@@ -8174,7 +8204,7 @@
                                         <p:tgtEl>
                                           <p:spTgt spid="7">
                                             <p:txEl>
-                                              <p:pRg st="13" end="13"/>
+                                              <p:pRg st="12" end="12"/>
                                             </p:txEl>
                                           </p:spTgt>
                                         </p:tgtEl>
@@ -8205,7 +8235,7 @@
                                         <p:tgtEl>
                                           <p:spTgt spid="7">
                                             <p:txEl>
-                                              <p:pRg st="14" end="14"/>
+                                              <p:pRg st="13" end="13"/>
                                             </p:txEl>
                                           </p:spTgt>
                                         </p:tgtEl>
@@ -8229,6 +8259,37 @@
                                     <p:set>
                                       <p:cBhvr>
                                         <p:cTn id="36" dur="1" fill="hold">
+                                          <p:stCondLst>
+                                            <p:cond delay="0"/>
+                                          </p:stCondLst>
+                                        </p:cTn>
+                                        <p:tgtEl>
+                                          <p:spTgt spid="7">
+                                            <p:txEl>
+                                              <p:pRg st="14" end="14"/>
+                                            </p:txEl>
+                                          </p:spTgt>
+                                        </p:tgtEl>
+                                        <p:attrNameLst>
+                                          <p:attrName>style.visibility</p:attrName>
+                                        </p:attrNameLst>
+                                      </p:cBhvr>
+                                      <p:to>
+                                        <p:strVal val="visible"/>
+                                      </p:to>
+                                    </p:set>
+                                  </p:childTnLst>
+                                </p:cTn>
+                              </p:par>
+                              <p:par>
+                                <p:cTn id="37" presetID="1" presetClass="entr" presetSubtype="0" fill="hold" nodeType="withEffect">
+                                  <p:stCondLst>
+                                    <p:cond delay="0"/>
+                                  </p:stCondLst>
+                                  <p:childTnLst>
+                                    <p:set>
+                                      <p:cBhvr>
+                                        <p:cTn id="38" dur="1" fill="hold">
                                           <p:stCondLst>
                                             <p:cond delay="0"/>
                                           </p:stCondLst>
@@ -8278,6 +8339,9 @@
         </p:cTn>
       </p:par>
     </p:tnLst>
+    <p:bldLst>
+      <p:bldP spid="7" grpId="0" uiExpand="1" build="allAtOnce" animBg="1"/>
+    </p:bldLst>
   </p:timing>
 </p:sld>
 </file>
@@ -9498,42 +9562,22 @@
                                   </p:childTnLst>
                                 </p:cTn>
                               </p:par>
-                            </p:childTnLst>
-                          </p:cTn>
-                        </p:par>
-                      </p:childTnLst>
-                    </p:cTn>
-                  </p:par>
-                  <p:par>
-                    <p:cTn id="15" fill="hold">
-                      <p:stCondLst>
-                        <p:cond delay="indefinite"/>
-                      </p:stCondLst>
-                      <p:childTnLst>
-                        <p:par>
-                          <p:cTn id="16" fill="hold">
-                            <p:stCondLst>
-                              <p:cond delay="0"/>
-                            </p:stCondLst>
-                            <p:childTnLst>
                               <p:par>
-                                <p:cTn id="17" presetID="1" presetClass="entr" presetSubtype="0" fill="hold" nodeType="clickEffect">
+                                <p:cTn id="15" presetID="1" presetClass="entr" presetSubtype="0" fill="hold" grpId="0" nodeType="withEffect">
                                   <p:stCondLst>
                                     <p:cond delay="0"/>
                                   </p:stCondLst>
                                   <p:childTnLst>
                                     <p:set>
                                       <p:cBhvr>
-                                        <p:cTn id="18" dur="1" fill="hold">
+                                        <p:cTn id="16" dur="1" fill="hold">
                                           <p:stCondLst>
                                             <p:cond delay="0"/>
                                           </p:stCondLst>
                                         </p:cTn>
                                         <p:tgtEl>
                                           <p:spTgt spid="6">
-                                            <p:txEl>
-                                              <p:pRg st="6" end="6"/>
-                                            </p:txEl>
+                                            <p:bg/>
                                           </p:spTgt>
                                         </p:tgtEl>
                                         <p:attrNameLst>
@@ -9547,8 +9591,26 @@
                                   </p:childTnLst>
                                 </p:cTn>
                               </p:par>
+                            </p:childTnLst>
+                          </p:cTn>
+                        </p:par>
+                      </p:childTnLst>
+                    </p:cTn>
+                  </p:par>
+                  <p:par>
+                    <p:cTn id="17" fill="hold">
+                      <p:stCondLst>
+                        <p:cond delay="indefinite"/>
+                      </p:stCondLst>
+                      <p:childTnLst>
+                        <p:par>
+                          <p:cTn id="18" fill="hold">
+                            <p:stCondLst>
+                              <p:cond delay="0"/>
+                            </p:stCondLst>
+                            <p:childTnLst>
                               <p:par>
-                                <p:cTn id="19" presetID="1" presetClass="entr" presetSubtype="0" fill="hold" nodeType="withEffect">
+                                <p:cTn id="19" presetID="1" presetClass="entr" presetSubtype="0" fill="hold" nodeType="clickEffect">
                                   <p:stCondLst>
                                     <p:cond delay="0"/>
                                   </p:stCondLst>
@@ -9563,7 +9625,7 @@
                                         <p:tgtEl>
                                           <p:spTgt spid="6">
                                             <p:txEl>
-                                              <p:pRg st="7" end="7"/>
+                                              <p:pRg st="6" end="6"/>
                                             </p:txEl>
                                           </p:spTgt>
                                         </p:tgtEl>
@@ -9594,7 +9656,7 @@
                                         <p:tgtEl>
                                           <p:spTgt spid="6">
                                             <p:txEl>
-                                              <p:pRg st="8" end="8"/>
+                                              <p:pRg st="7" end="7"/>
                                             </p:txEl>
                                           </p:spTgt>
                                         </p:tgtEl>
@@ -9625,7 +9687,7 @@
                                         <p:tgtEl>
                                           <p:spTgt spid="6">
                                             <p:txEl>
-                                              <p:pRg st="9" end="9"/>
+                                              <p:pRg st="8" end="8"/>
                                             </p:txEl>
                                           </p:spTgt>
                                         </p:tgtEl>
@@ -9656,6 +9718,37 @@
                                         <p:tgtEl>
                                           <p:spTgt spid="6">
                                             <p:txEl>
+                                              <p:pRg st="9" end="9"/>
+                                            </p:txEl>
+                                          </p:spTgt>
+                                        </p:tgtEl>
+                                        <p:attrNameLst>
+                                          <p:attrName>style.visibility</p:attrName>
+                                        </p:attrNameLst>
+                                      </p:cBhvr>
+                                      <p:to>
+                                        <p:strVal val="visible"/>
+                                      </p:to>
+                                    </p:set>
+                                  </p:childTnLst>
+                                </p:cTn>
+                              </p:par>
+                              <p:par>
+                                <p:cTn id="27" presetID="1" presetClass="entr" presetSubtype="0" fill="hold" nodeType="withEffect">
+                                  <p:stCondLst>
+                                    <p:cond delay="0"/>
+                                  </p:stCondLst>
+                                  <p:childTnLst>
+                                    <p:set>
+                                      <p:cBhvr>
+                                        <p:cTn id="28" dur="1" fill="hold">
+                                          <p:stCondLst>
+                                            <p:cond delay="0"/>
+                                          </p:stCondLst>
+                                        </p:cTn>
+                                        <p:tgtEl>
+                                          <p:spTgt spid="6">
+                                            <p:txEl>
                                               <p:pRg st="10" end="10"/>
                                             </p:txEl>
                                           </p:spTgt>
@@ -9678,50 +9771,19 @@
                     </p:cTn>
                   </p:par>
                   <p:par>
-                    <p:cTn id="27" fill="hold">
+                    <p:cTn id="29" fill="hold">
                       <p:stCondLst>
                         <p:cond delay="indefinite"/>
                       </p:stCondLst>
                       <p:childTnLst>
                         <p:par>
-                          <p:cTn id="28" fill="hold">
+                          <p:cTn id="30" fill="hold">
                             <p:stCondLst>
                               <p:cond delay="0"/>
                             </p:stCondLst>
                             <p:childTnLst>
                               <p:par>
-                                <p:cTn id="29" presetID="1" presetClass="entr" presetSubtype="0" fill="hold" nodeType="clickEffect">
-                                  <p:stCondLst>
-                                    <p:cond delay="0"/>
-                                  </p:stCondLst>
-                                  <p:childTnLst>
-                                    <p:set>
-                                      <p:cBhvr>
-                                        <p:cTn id="30" dur="1" fill="hold">
-                                          <p:stCondLst>
-                                            <p:cond delay="0"/>
-                                          </p:stCondLst>
-                                        </p:cTn>
-                                        <p:tgtEl>
-                                          <p:spTgt spid="6">
-                                            <p:txEl>
-                                              <p:pRg st="12" end="12"/>
-                                            </p:txEl>
-                                          </p:spTgt>
-                                        </p:tgtEl>
-                                        <p:attrNameLst>
-                                          <p:attrName>style.visibility</p:attrName>
-                                        </p:attrNameLst>
-                                      </p:cBhvr>
-                                      <p:to>
-                                        <p:strVal val="visible"/>
-                                      </p:to>
-                                    </p:set>
-                                  </p:childTnLst>
-                                </p:cTn>
-                              </p:par>
-                              <p:par>
-                                <p:cTn id="31" presetID="1" presetClass="entr" presetSubtype="0" fill="hold" nodeType="withEffect">
+                                <p:cTn id="31" presetID="1" presetClass="entr" presetSubtype="0" fill="hold" nodeType="clickEffect">
                                   <p:stCondLst>
                                     <p:cond delay="0"/>
                                   </p:stCondLst>
@@ -9736,7 +9798,7 @@
                                         <p:tgtEl>
                                           <p:spTgt spid="6">
                                             <p:txEl>
-                                              <p:pRg st="13" end="13"/>
+                                              <p:pRg st="12" end="12"/>
                                             </p:txEl>
                                           </p:spTgt>
                                         </p:tgtEl>
@@ -9767,7 +9829,7 @@
                                         <p:tgtEl>
                                           <p:spTgt spid="6">
                                             <p:txEl>
-                                              <p:pRg st="14" end="14"/>
+                                              <p:pRg st="13" end="13"/>
                                             </p:txEl>
                                           </p:spTgt>
                                         </p:tgtEl>
@@ -9798,7 +9860,7 @@
                                         <p:tgtEl>
                                           <p:spTgt spid="6">
                                             <p:txEl>
-                                              <p:pRg st="15" end="15"/>
+                                              <p:pRg st="14" end="14"/>
                                             </p:txEl>
                                           </p:spTgt>
                                         </p:tgtEl>
@@ -9822,6 +9884,37 @@
                                     <p:set>
                                       <p:cBhvr>
                                         <p:cTn id="38" dur="1" fill="hold">
+                                          <p:stCondLst>
+                                            <p:cond delay="0"/>
+                                          </p:stCondLst>
+                                        </p:cTn>
+                                        <p:tgtEl>
+                                          <p:spTgt spid="6">
+                                            <p:txEl>
+                                              <p:pRg st="15" end="15"/>
+                                            </p:txEl>
+                                          </p:spTgt>
+                                        </p:tgtEl>
+                                        <p:attrNameLst>
+                                          <p:attrName>style.visibility</p:attrName>
+                                        </p:attrNameLst>
+                                      </p:cBhvr>
+                                      <p:to>
+                                        <p:strVal val="visible"/>
+                                      </p:to>
+                                    </p:set>
+                                  </p:childTnLst>
+                                </p:cTn>
+                              </p:par>
+                              <p:par>
+                                <p:cTn id="39" presetID="1" presetClass="entr" presetSubtype="0" fill="hold" nodeType="withEffect">
+                                  <p:stCondLst>
+                                    <p:cond delay="0"/>
+                                  </p:stCondLst>
+                                  <p:childTnLst>
+                                    <p:set>
+                                      <p:cBhvr>
+                                        <p:cTn id="40" dur="1" fill="hold">
                                           <p:stCondLst>
                                             <p:cond delay="0"/>
                                           </p:stCondLst>
@@ -9871,6 +9964,9 @@
         </p:cTn>
       </p:par>
     </p:tnLst>
+    <p:bldLst>
+      <p:bldP spid="6" grpId="0" uiExpand="1" build="allAtOnce" animBg="1"/>
+    </p:bldLst>
   </p:timing>
 </p:sld>
 </file>

--- a/Notes/02_2_IndexedTriangle.pptx
+++ b/Notes/02_2_IndexedTriangle.pptx
@@ -5,17 +5,16 @@
     <p:sldMasterId id="2147483656" r:id="rId1"/>
   </p:sldMasterIdLst>
   <p:notesMasterIdLst>
-    <p:notesMasterId r:id="rId10"/>
+    <p:notesMasterId r:id="rId9"/>
   </p:notesMasterIdLst>
   <p:sldIdLst>
     <p:sldId id="257" r:id="rId2"/>
-    <p:sldId id="294" r:id="rId3"/>
-    <p:sldId id="297" r:id="rId4"/>
-    <p:sldId id="313" r:id="rId5"/>
-    <p:sldId id="316" r:id="rId6"/>
-    <p:sldId id="317" r:id="rId7"/>
-    <p:sldId id="315" r:id="rId8"/>
-    <p:sldId id="318" r:id="rId9"/>
+    <p:sldId id="297" r:id="rId3"/>
+    <p:sldId id="313" r:id="rId4"/>
+    <p:sldId id="316" r:id="rId5"/>
+    <p:sldId id="317" r:id="rId6"/>
+    <p:sldId id="315" r:id="rId7"/>
+    <p:sldId id="294" r:id="rId8"/>
   </p:sldIdLst>
   <p:sldSz cx="12192000" cy="6858000"/>
   <p:notesSz cx="6858000" cy="9144000"/>
@@ -215,7 +214,7 @@
           <a:p>
             <a:fld id="{1558EF9E-F90D-3644-932C-1F90C8EF183B}" type="datetimeFigureOut">
               <a:rPr kumimoji="1" lang="ko-KR" altLang="en-US" smtClean="0"/>
-              <a:t>2025. 2. 20.</a:t>
+              <a:t>2025. 2. 22.</a:t>
             </a:fld>
             <a:endParaRPr kumimoji="1" lang="ko-KR" altLang="en-US"/>
           </a:p>
@@ -507,14 +506,14 @@
           <a:ln/>
           <a:extLst>
             <a:ext uri="{909E8E84-426E-40dd-AFC4-6F175D3DCCD1}">
-              <a14:hiddenFill xmlns="" xmlns:a14="http://schemas.microsoft.com/office/drawing/2010/main">
+              <a14:hiddenFill xmlns:a14="http://schemas.microsoft.com/office/drawing/2010/main" xmlns="">
                 <a:solidFill>
                   <a:srgbClr val="FFFFFF"/>
                 </a:solidFill>
               </a14:hiddenFill>
             </a:ext>
             <a:ext uri="{91240B29-F687-4f45-9708-019B960494DF}">
-              <a14:hiddenLine xmlns="" xmlns:a14="http://schemas.microsoft.com/office/drawing/2010/main" w="9525">
+              <a14:hiddenLine xmlns:a14="http://schemas.microsoft.com/office/drawing/2010/main" xmlns="" w="9525">
                 <a:solidFill>
                   <a:srgbClr val="000000"/>
                 </a:solidFill>
@@ -565,14 +564,14 @@
           <a:ln/>
           <a:extLst>
             <a:ext uri="{909E8E84-426E-40dd-AFC4-6F175D3DCCD1}">
-              <a14:hiddenFill xmlns="" xmlns:a14="http://schemas.microsoft.com/office/drawing/2010/main">
+              <a14:hiddenFill xmlns:a14="http://schemas.microsoft.com/office/drawing/2010/main" xmlns="">
                 <a:solidFill>
                   <a:srgbClr val="FFFFFF"/>
                 </a:solidFill>
               </a14:hiddenFill>
             </a:ext>
             <a:ext uri="{91240B29-F687-4f45-9708-019B960494DF}">
-              <a14:hiddenLine xmlns="" xmlns:a14="http://schemas.microsoft.com/office/drawing/2010/main" w="9525">
+              <a14:hiddenLine xmlns:a14="http://schemas.microsoft.com/office/drawing/2010/main" xmlns="" w="9525">
                 <a:solidFill>
                   <a:srgbClr val="000000"/>
                 </a:solidFill>
@@ -753,79 +752,346 @@
           <a:p>
             <a:r>
               <a:rPr kumimoji="1" lang="ko-KR" altLang="en-US" dirty="0"/>
-              <a:t>이 프로그램에서는 두 개의 삼각형을 이용하여 하나의 사각형을 그려 볼 것입니다</a:t>
+              <a:t>삼각형을 그릴 때</a:t>
+            </a:r>
+            <a:r>
+              <a:rPr kumimoji="1" lang="en-US" altLang="ko-KR" dirty="0"/>
+              <a:t>,</a:t>
+            </a:r>
+            <a:r>
+              <a:rPr kumimoji="1" lang="ko-KR" altLang="en-US" dirty="0"/>
+              <a:t> </a:t>
+            </a:r>
+            <a:r>
+              <a:rPr kumimoji="1" lang="en-US" altLang="ko-KR" dirty="0"/>
+              <a:t>index</a:t>
+            </a:r>
+            <a:r>
+              <a:rPr kumimoji="1" lang="ko-KR" altLang="en-US" dirty="0"/>
+              <a:t>들을 이용하는 방법이 있습니다</a:t>
             </a:r>
             <a:r>
               <a:rPr kumimoji="1" lang="en-US" altLang="ko-KR" dirty="0"/>
               <a:t>. </a:t>
             </a:r>
-            <a:r>
-              <a:rPr kumimoji="1" lang="ko-KR" altLang="en-US" dirty="0"/>
-              <a:t>이 과정에서 앞의 예제와는 달리 </a:t>
+          </a:p>
+          <a:p>
+            <a:r>
+              <a:rPr kumimoji="1" lang="en" altLang="ko-KR" dirty="0"/>
+              <a:t>vertex data</a:t>
+            </a:r>
+            <a:r>
+              <a:rPr kumimoji="1" lang="ko-KR" altLang="en-US" dirty="0"/>
+              <a:t>에는 중복된</a:t>
+            </a:r>
+            <a:r>
+              <a:rPr kumimoji="1" lang="en-US" altLang="ko-KR" dirty="0"/>
+              <a:t> vertex</a:t>
+            </a:r>
+            <a:r>
+              <a:rPr kumimoji="1" lang="ko-KR" altLang="en-US" dirty="0"/>
+              <a:t>들을 없게 하고</a:t>
+            </a:r>
+            <a:r>
+              <a:rPr kumimoji="1" lang="en-US" altLang="ko-KR" dirty="0"/>
+              <a:t>,</a:t>
+            </a:r>
+            <a:r>
+              <a:rPr kumimoji="1" lang="ko-KR" altLang="en-US" dirty="0"/>
+              <a:t> 삼각형과 같은 </a:t>
+            </a:r>
+            <a:r>
+              <a:rPr kumimoji="1" lang="en-US" altLang="ko-KR" dirty="0"/>
+              <a:t>primitive</a:t>
+            </a:r>
+            <a:r>
+              <a:rPr kumimoji="1" lang="ko-KR" altLang="en-US" dirty="0"/>
+              <a:t>를 위한 연결 </a:t>
+            </a:r>
+            <a:r>
+              <a:rPr kumimoji="1" lang="en-US" altLang="ko-KR" dirty="0"/>
+              <a:t>(</a:t>
+            </a:r>
+            <a:r>
+              <a:rPr kumimoji="1" lang="ko-KR" altLang="en-US" dirty="0"/>
+              <a:t>위상</a:t>
+            </a:r>
+            <a:r>
+              <a:rPr kumimoji="1" lang="en-US" altLang="ko-KR" dirty="0"/>
+              <a:t>, </a:t>
+            </a:r>
+            <a:r>
+              <a:rPr kumimoji="1" lang="en" altLang="ko-KR" dirty="0"/>
+              <a:t>topology) </a:t>
+            </a:r>
+            <a:r>
+              <a:rPr kumimoji="1" lang="ko-KR" altLang="en-US" dirty="0"/>
+              <a:t>정보를 </a:t>
+            </a:r>
+            <a:r>
+              <a:rPr kumimoji="1" lang="en" altLang="ko-KR" dirty="0"/>
+              <a:t>index array</a:t>
+            </a:r>
+            <a:r>
+              <a:rPr kumimoji="1" lang="ko-KR" altLang="en-US" dirty="0"/>
+              <a:t>로 따로 저장하는 것입니다</a:t>
+            </a:r>
+            <a:r>
+              <a:rPr kumimoji="1" lang="en-US" altLang="ko-KR" dirty="0"/>
+              <a:t>. </a:t>
+            </a:r>
+          </a:p>
+          <a:p>
+            <a:pPr marL="228600" indent="-228600">
+              <a:buFont typeface="+mj-lt"/>
+              <a:buAutoNum type="arabicPeriod"/>
+            </a:pPr>
+            <a:r>
+              <a:rPr kumimoji="1" lang="en-US" altLang="ko-KR" dirty="0"/>
+              <a:t>vertices array</a:t>
+            </a:r>
+            <a:r>
+              <a:rPr kumimoji="1" lang="ko-KR" altLang="en-US" dirty="0"/>
+              <a:t>는 </a:t>
+            </a:r>
+            <a:r>
+              <a:rPr kumimoji="1" lang="en-US" altLang="ko-KR" dirty="0"/>
+              <a:t>4</a:t>
+            </a:r>
+            <a:r>
+              <a:rPr kumimoji="1" lang="ko-KR" altLang="en-US" dirty="0"/>
+              <a:t>개의 </a:t>
+            </a:r>
+            <a:r>
+              <a:rPr kumimoji="1" lang="en" altLang="ko-KR" dirty="0"/>
+              <a:t>vertex coordinates </a:t>
+            </a:r>
+            <a:r>
+              <a:rPr kumimoji="1" lang="ko-KR" altLang="en-US" dirty="0"/>
+              <a:t>만을 포함하고 있습니다</a:t>
+            </a:r>
+            <a:r>
+              <a:rPr kumimoji="1" lang="en-US" altLang="ko-KR" dirty="0"/>
+              <a:t>.</a:t>
+            </a:r>
+            <a:r>
+              <a:rPr kumimoji="1" lang="ko-KR" altLang="en-US" dirty="0"/>
+              <a:t> </a:t>
+            </a:r>
+            <a:r>
+              <a:rPr kumimoji="1" lang="en-US" altLang="ko-KR" dirty="0"/>
+              <a:t>vertex</a:t>
+            </a:r>
+            <a:r>
+              <a:rPr kumimoji="1" lang="ko-KR" altLang="en-US" dirty="0"/>
+              <a:t>들의 출현 순서에 따라 </a:t>
             </a:r>
             <a:r>
               <a:rPr kumimoji="1" lang="en-US" altLang="ko-KR" dirty="0"/>
               <a:t>index</a:t>
             </a:r>
             <a:r>
-              <a:rPr kumimoji="1" lang="ko-KR" altLang="en-US" dirty="0" err="1"/>
-              <a:t>를</a:t>
-            </a:r>
-            <a:r>
-              <a:rPr kumimoji="1" lang="ko-KR" altLang="en-US" dirty="0"/>
-              <a:t> 이용하여 </a:t>
-            </a:r>
-            <a:r>
-              <a:rPr kumimoji="1" lang="en-US" altLang="ko-KR" dirty="0"/>
-              <a:t>vertex data</a:t>
-            </a:r>
-            <a:r>
-              <a:rPr kumimoji="1" lang="ko-KR" altLang="en-US" dirty="0" err="1"/>
-              <a:t>를</a:t>
-            </a:r>
-            <a:r>
-              <a:rPr kumimoji="1" lang="ko-KR" altLang="en-US" dirty="0"/>
-              <a:t> 지정하는 방식을 사용합니다</a:t>
-            </a:r>
-            <a:r>
-              <a:rPr kumimoji="1" lang="en-US" altLang="ko-KR" dirty="0"/>
-              <a:t>. ‘f' key</a:t>
-            </a:r>
-            <a:r>
-              <a:rPr kumimoji="1" lang="ko-KR" altLang="en-US" dirty="0" err="1"/>
-              <a:t>를</a:t>
-            </a:r>
-            <a:r>
-              <a:rPr kumimoji="1" lang="ko-KR" altLang="en-US" dirty="0"/>
-              <a:t> 누르면 삼각형</a:t>
-            </a:r>
-            <a:r>
-              <a:rPr kumimoji="1" lang="en-US" altLang="ko-KR" dirty="0"/>
+              <a:rPr kumimoji="1" lang="ko-KR" altLang="en-US" dirty="0"/>
+              <a:t>는 </a:t>
+            </a:r>
+            <a:r>
+              <a:rPr kumimoji="1" lang="en-US" altLang="ko-KR" dirty="0"/>
+              <a:t>0,</a:t>
+            </a:r>
+            <a:r>
+              <a:rPr kumimoji="1" lang="ko-KR" altLang="en-US" dirty="0"/>
               <a:t> </a:t>
             </a:r>
             <a:r>
-              <a:rPr kumimoji="1" lang="ko-KR" altLang="en-US" dirty="0"/>
-              <a:t>내부를 칠하거나 </a:t>
-            </a:r>
-            <a:r>
-              <a:rPr kumimoji="1" lang="en-US" altLang="ko-KR" dirty="0"/>
-              <a:t>edge</a:t>
-            </a:r>
-            <a:r>
-              <a:rPr kumimoji="1" lang="ko-KR" altLang="en-US" dirty="0"/>
-              <a:t>만을 보여주는 방식 사이를 </a:t>
-            </a:r>
-            <a:r>
-              <a:rPr kumimoji="1" lang="en-US" altLang="ko-KR" dirty="0"/>
-              <a:t>toggle</a:t>
-            </a:r>
-            <a:r>
-              <a:rPr kumimoji="1" lang="ko-KR" altLang="en-US" dirty="0"/>
-              <a:t>로 선택할 수 있습니다</a:t>
-            </a:r>
-            <a:r>
-              <a:rPr kumimoji="1" lang="en-US" altLang="ko-KR" dirty="0"/>
-              <a:t>. </a:t>
+              <a:rPr kumimoji="1" lang="en-US" altLang="ko-KR" dirty="0"/>
+              <a:t>1,</a:t>
+            </a:r>
+            <a:r>
+              <a:rPr kumimoji="1" lang="ko-KR" altLang="en-US" dirty="0"/>
+              <a:t> </a:t>
+            </a:r>
+            <a:r>
+              <a:rPr kumimoji="1" lang="en-US" altLang="ko-KR" dirty="0"/>
+              <a:t>2,</a:t>
+            </a:r>
+            <a:r>
+              <a:rPr kumimoji="1" lang="ko-KR" altLang="en-US" dirty="0"/>
+              <a:t> </a:t>
+            </a:r>
+            <a:r>
+              <a:rPr kumimoji="1" lang="en-US" altLang="ko-KR" dirty="0"/>
+              <a:t>3 </a:t>
+            </a:r>
+            <a:r>
+              <a:rPr kumimoji="1" lang="ko-KR" altLang="en-US" dirty="0"/>
+              <a:t>으로 나타낼 수 있습니다</a:t>
+            </a:r>
+            <a:r>
+              <a:rPr kumimoji="1" lang="en-US" altLang="ko-KR" dirty="0"/>
+              <a:t>.</a:t>
+            </a:r>
+            <a:r>
+              <a:rPr kumimoji="1" lang="ko-KR" altLang="en-US" dirty="0"/>
+              <a:t> </a:t>
+            </a:r>
+            <a:endParaRPr kumimoji="1" lang="en-US" altLang="ko-KR" dirty="0"/>
+          </a:p>
+          <a:p>
+            <a:pPr marL="228600" indent="-228600">
+              <a:buFont typeface="+mj-lt"/>
+              <a:buAutoNum type="arabicPeriod"/>
+            </a:pPr>
+            <a:r>
+              <a:rPr kumimoji="1" lang="ko-KR" altLang="en-US" dirty="0"/>
+              <a:t>이제 두 개의 삼각형의 위상을 정의하는 </a:t>
+            </a:r>
+            <a:r>
+              <a:rPr kumimoji="1" lang="en-US" altLang="ko-KR" dirty="0"/>
+              <a:t>fillIndices array</a:t>
+            </a:r>
+            <a:r>
+              <a:rPr kumimoji="1" lang="ko-KR" altLang="en-US" dirty="0"/>
+              <a:t>에는 </a:t>
+            </a:r>
+            <a:r>
+              <a:rPr kumimoji="1" lang="en-US" altLang="ko-KR" dirty="0"/>
+              <a:t>index</a:t>
+            </a:r>
+            <a:r>
+              <a:rPr kumimoji="1" lang="ko-KR" altLang="en-US" dirty="0"/>
+              <a:t>들로서 삼각형의 </a:t>
+            </a:r>
+            <a:r>
+              <a:rPr kumimoji="1" lang="en-US" altLang="ko-KR" dirty="0"/>
+              <a:t>vertex</a:t>
+            </a:r>
+            <a:r>
+              <a:rPr kumimoji="1" lang="ko-KR" altLang="en-US" dirty="0"/>
+              <a:t>들을 정의하였습니다</a:t>
+            </a:r>
+            <a:r>
+              <a:rPr kumimoji="1" lang="en-US" altLang="ko-KR" dirty="0"/>
+              <a:t>.</a:t>
+            </a:r>
+            <a:r>
+              <a:rPr kumimoji="1" lang="ko-KR" altLang="en-US" dirty="0"/>
+              <a:t> 첫번째 삼각형을 나타내는 </a:t>
+            </a:r>
+            <a:r>
+              <a:rPr kumimoji="1" lang="en-US" altLang="ko-KR" dirty="0"/>
+              <a:t>vertex</a:t>
+            </a:r>
+            <a:r>
+              <a:rPr kumimoji="1" lang="ko-KR" altLang="en-US" dirty="0"/>
+              <a:t>들의 </a:t>
+            </a:r>
+            <a:r>
+              <a:rPr kumimoji="1" lang="en-US" altLang="ko-KR" dirty="0"/>
+              <a:t>index </a:t>
+            </a:r>
+            <a:r>
+              <a:rPr kumimoji="1" lang="ko-KR" altLang="en-US" dirty="0"/>
+              <a:t>순서는 </a:t>
+            </a:r>
+            <a:r>
+              <a:rPr kumimoji="1" lang="en-US" altLang="ko-KR" dirty="0"/>
+              <a:t>(0,</a:t>
+            </a:r>
+            <a:r>
+              <a:rPr kumimoji="1" lang="ko-KR" altLang="en-US" dirty="0"/>
+              <a:t> </a:t>
+            </a:r>
+            <a:r>
+              <a:rPr kumimoji="1" lang="en-US" altLang="ko-KR" dirty="0"/>
+              <a:t>1,</a:t>
+            </a:r>
+            <a:r>
+              <a:rPr kumimoji="1" lang="ko-KR" altLang="en-US" dirty="0"/>
+              <a:t> </a:t>
+            </a:r>
+            <a:r>
+              <a:rPr kumimoji="1" lang="en-US" altLang="ko-KR" dirty="0"/>
+              <a:t>2)</a:t>
+            </a:r>
+            <a:r>
+              <a:rPr kumimoji="1" lang="ko-KR" altLang="en-US" dirty="0"/>
+              <a:t> 이고</a:t>
+            </a:r>
+            <a:r>
+              <a:rPr kumimoji="1" lang="en-US" altLang="ko-KR" dirty="0"/>
+              <a:t>,</a:t>
+            </a:r>
+            <a:r>
+              <a:rPr kumimoji="1" lang="ko-KR" altLang="en-US" dirty="0"/>
+              <a:t> 두번째 삼각형은 </a:t>
+            </a:r>
+            <a:r>
+              <a:rPr kumimoji="1" lang="en-US" altLang="ko-KR" dirty="0"/>
+              <a:t>(2, 3, 0) </a:t>
+            </a:r>
+            <a:r>
+              <a:rPr kumimoji="1" lang="ko-KR" altLang="en-US" dirty="0"/>
+              <a:t>입니다</a:t>
+            </a:r>
+            <a:r>
+              <a:rPr kumimoji="1" lang="en-US" altLang="ko-KR" dirty="0"/>
+              <a:t>.</a:t>
+            </a:r>
+            <a:r>
+              <a:rPr kumimoji="1" lang="ko-KR" altLang="en-US" dirty="0"/>
+              <a:t> 이와 같이 하면 </a:t>
+            </a:r>
+            <a:r>
+              <a:rPr kumimoji="1" lang="en-US" altLang="ko-KR" dirty="0"/>
+              <a:t>index 0</a:t>
+            </a:r>
+            <a:r>
+              <a:rPr kumimoji="1" lang="ko-KR" altLang="en-US" dirty="0"/>
+              <a:t>과 </a:t>
+            </a:r>
+            <a:r>
+              <a:rPr kumimoji="1" lang="en-US" altLang="ko-KR" dirty="0"/>
+              <a:t>2</a:t>
+            </a:r>
+            <a:r>
+              <a:rPr kumimoji="1" lang="ko-KR" altLang="en-US" dirty="0"/>
+              <a:t>번의 </a:t>
+            </a:r>
+            <a:r>
+              <a:rPr kumimoji="1" lang="en-US" altLang="ko-KR" dirty="0"/>
+              <a:t>vertex</a:t>
+            </a:r>
+            <a:r>
+              <a:rPr kumimoji="1" lang="ko-KR" altLang="en-US" dirty="0"/>
+              <a:t>들의 </a:t>
+            </a:r>
+            <a:r>
+              <a:rPr kumimoji="1" lang="en-US" altLang="ko-KR" dirty="0"/>
+              <a:t>coordinates</a:t>
+            </a:r>
+            <a:r>
+              <a:rPr kumimoji="1" lang="ko-KR" altLang="en-US" dirty="0"/>
+              <a:t>를 두번씩 사용하지 않고도 두 개의 삼각형을 나타낼 수 있습니다</a:t>
+            </a:r>
+            <a:r>
+              <a:rPr kumimoji="1" lang="en-US" altLang="ko-KR" dirty="0"/>
+              <a:t>.</a:t>
+            </a:r>
+            <a:r>
+              <a:rPr kumimoji="1" lang="ko-KR" altLang="en-US" dirty="0"/>
+              <a:t> 지금의 예에서는 인덱스를 이용하는 방식의 장점이 두드러져 보이지 않으나</a:t>
+            </a:r>
+            <a:r>
+              <a:rPr kumimoji="1" lang="en-US" altLang="ko-KR" dirty="0"/>
+              <a:t>, </a:t>
+            </a:r>
+            <a:r>
+              <a:rPr kumimoji="1" lang="ko-KR" altLang="en-US" dirty="0"/>
+              <a:t>수 만개의 삼각형들로 복잡한 모델을 만드는 경우에 데이터 양이 줄어드는 효과는 매우 클 수 있을 것입니다</a:t>
+            </a:r>
+            <a:r>
+              <a:rPr kumimoji="1" lang="en-US" altLang="ko-KR" dirty="0"/>
+              <a:t>.</a:t>
             </a:r>
           </a:p>
         </p:txBody>
@@ -856,7 +1122,7 @@
     </p:spTree>
     <p:extLst>
       <p:ext uri="{BB962C8B-B14F-4D97-AF65-F5344CB8AC3E}">
-        <p14:creationId xmlns:p14="http://schemas.microsoft.com/office/powerpoint/2010/main" val="3462987011"/>
+        <p14:creationId xmlns:p14="http://schemas.microsoft.com/office/powerpoint/2010/main" val="1714041131"/>
       </p:ext>
     </p:extLst>
   </p:cSld>
@@ -910,181 +1176,41 @@
           <a:bodyPr/>
           <a:lstStyle/>
           <a:p>
-            <a:r>
-              <a:rPr kumimoji="1" lang="ko-KR" altLang="en-US" dirty="0"/>
-              <a:t>삼각형을 그릴 때</a:t>
-            </a:r>
-            <a:r>
-              <a:rPr kumimoji="1" lang="en-US" altLang="ko-KR" dirty="0"/>
-              <a:t>,</a:t>
-            </a:r>
-            <a:r>
-              <a:rPr kumimoji="1" lang="ko-KR" altLang="en-US" dirty="0"/>
-              <a:t> </a:t>
-            </a:r>
-            <a:r>
-              <a:rPr kumimoji="1" lang="en-US" altLang="ko-KR" dirty="0"/>
-              <a:t>index</a:t>
-            </a:r>
-            <a:r>
-              <a:rPr kumimoji="1" lang="ko-KR" altLang="en-US" dirty="0"/>
-              <a:t>들을 이용하는 방법이 있습니다</a:t>
-            </a:r>
-            <a:r>
-              <a:rPr kumimoji="1" lang="en-US" altLang="ko-KR" dirty="0"/>
-              <a:t>. </a:t>
-            </a:r>
-          </a:p>
-          <a:p>
-            <a:r>
-              <a:rPr kumimoji="1" lang="en" altLang="ko-KR" dirty="0"/>
-              <a:t>vertex data</a:t>
-            </a:r>
-            <a:r>
-              <a:rPr kumimoji="1" lang="ko-KR" altLang="en-US" dirty="0"/>
-              <a:t>에는 중복된</a:t>
-            </a:r>
-            <a:r>
-              <a:rPr kumimoji="1" lang="en-US" altLang="ko-KR" dirty="0"/>
-              <a:t> vertex</a:t>
-            </a:r>
-            <a:r>
-              <a:rPr kumimoji="1" lang="ko-KR" altLang="en-US" dirty="0"/>
-              <a:t>들을 없게 하고</a:t>
-            </a:r>
-            <a:r>
-              <a:rPr kumimoji="1" lang="en-US" altLang="ko-KR" dirty="0"/>
-              <a:t>,</a:t>
-            </a:r>
-            <a:r>
-              <a:rPr kumimoji="1" lang="ko-KR" altLang="en-US" dirty="0"/>
-              <a:t> 삼각형과 같은 </a:t>
-            </a:r>
-            <a:r>
-              <a:rPr kumimoji="1" lang="en-US" altLang="ko-KR" dirty="0"/>
-              <a:t>primitive</a:t>
-            </a:r>
-            <a:r>
-              <a:rPr kumimoji="1" lang="ko-KR" altLang="en-US" dirty="0"/>
-              <a:t>를 위한 연결 </a:t>
-            </a:r>
-            <a:r>
-              <a:rPr kumimoji="1" lang="en-US" altLang="ko-KR" dirty="0"/>
-              <a:t>(</a:t>
-            </a:r>
-            <a:r>
-              <a:rPr kumimoji="1" lang="ko-KR" altLang="en-US" dirty="0"/>
-              <a:t>위상</a:t>
-            </a:r>
-            <a:r>
-              <a:rPr kumimoji="1" lang="en-US" altLang="ko-KR" dirty="0"/>
-              <a:t>, </a:t>
-            </a:r>
-            <a:r>
-              <a:rPr kumimoji="1" lang="en" altLang="ko-KR" dirty="0"/>
-              <a:t>topology) </a:t>
-            </a:r>
-            <a:r>
-              <a:rPr kumimoji="1" lang="ko-KR" altLang="en-US" dirty="0"/>
-              <a:t>정보를 </a:t>
-            </a:r>
-            <a:r>
-              <a:rPr kumimoji="1" lang="en" altLang="ko-KR" dirty="0"/>
-              <a:t>index array</a:t>
-            </a:r>
-            <a:r>
-              <a:rPr kumimoji="1" lang="ko-KR" altLang="en-US" dirty="0"/>
-              <a:t>로 따로 저장하는 것입니다</a:t>
-            </a:r>
-            <a:r>
-              <a:rPr kumimoji="1" lang="en-US" altLang="ko-KR" dirty="0"/>
-              <a:t>. </a:t>
-            </a:r>
-          </a:p>
-          <a:p>
             <a:pPr marL="228600" indent="-228600">
               <a:buFont typeface="+mj-lt"/>
               <a:buAutoNum type="arabicPeriod"/>
             </a:pPr>
             <a:r>
               <a:rPr kumimoji="1" lang="en-US" altLang="ko-KR" dirty="0"/>
-              <a:t>vertices array</a:t>
-            </a:r>
-            <a:r>
-              <a:rPr kumimoji="1" lang="ko-KR" altLang="en-US" dirty="0"/>
-              <a:t>는 </a:t>
-            </a:r>
-            <a:r>
-              <a:rPr kumimoji="1" lang="en-US" altLang="ko-KR" dirty="0"/>
-              <a:t>4</a:t>
-            </a:r>
-            <a:r>
-              <a:rPr kumimoji="1" lang="ko-KR" altLang="en-US" dirty="0"/>
-              <a:t>개의 </a:t>
-            </a:r>
-            <a:r>
-              <a:rPr kumimoji="1" lang="en" altLang="ko-KR" dirty="0"/>
-              <a:t>vertex coordinates </a:t>
-            </a:r>
-            <a:r>
-              <a:rPr kumimoji="1" lang="ko-KR" altLang="en-US" dirty="0"/>
-              <a:t>만을 포함하고 있습니다</a:t>
-            </a:r>
-            <a:r>
-              <a:rPr kumimoji="1" lang="en-US" altLang="ko-KR" dirty="0"/>
-              <a:t>.</a:t>
-            </a:r>
-            <a:r>
-              <a:rPr kumimoji="1" lang="ko-KR" altLang="en-US" dirty="0"/>
-              <a:t> </a:t>
-            </a:r>
-            <a:r>
-              <a:rPr kumimoji="1" lang="en-US" altLang="ko-KR" dirty="0"/>
-              <a:t>vertex</a:t>
-            </a:r>
-            <a:r>
-              <a:rPr kumimoji="1" lang="ko-KR" altLang="en-US" dirty="0"/>
-              <a:t>들의 출현 순서에 따라 </a:t>
-            </a:r>
-            <a:r>
-              <a:rPr kumimoji="1" lang="en-US" altLang="ko-KR" dirty="0"/>
-              <a:t>index</a:t>
-            </a:r>
-            <a:r>
-              <a:rPr kumimoji="1" lang="ko-KR" altLang="en-US" dirty="0"/>
-              <a:t>는 </a:t>
-            </a:r>
-            <a:r>
-              <a:rPr kumimoji="1" lang="en-US" altLang="ko-KR" dirty="0"/>
-              <a:t>0,</a:t>
-            </a:r>
-            <a:r>
-              <a:rPr kumimoji="1" lang="ko-KR" altLang="en-US" dirty="0"/>
-              <a:t> </a:t>
-            </a:r>
-            <a:r>
-              <a:rPr kumimoji="1" lang="en-US" altLang="ko-KR" dirty="0"/>
-              <a:t>1,</a:t>
-            </a:r>
-            <a:r>
-              <a:rPr kumimoji="1" lang="ko-KR" altLang="en-US" dirty="0"/>
-              <a:t> </a:t>
-            </a:r>
-            <a:r>
-              <a:rPr kumimoji="1" lang="en-US" altLang="ko-KR" dirty="0"/>
-              <a:t>2,</a:t>
-            </a:r>
-            <a:r>
-              <a:rPr kumimoji="1" lang="ko-KR" altLang="en-US" dirty="0"/>
-              <a:t> </a:t>
-            </a:r>
-            <a:r>
-              <a:rPr kumimoji="1" lang="en-US" altLang="ko-KR" dirty="0"/>
-              <a:t>3 </a:t>
-            </a:r>
-            <a:r>
-              <a:rPr kumimoji="1" lang="ko-KR" altLang="en-US" dirty="0"/>
-              <a:t>으로 나타낼 수 있습니다</a:t>
+              <a:t>Program 02_HelloTriangle</a:t>
+            </a:r>
+            <a:r>
+              <a:rPr kumimoji="1" lang="ko-KR" altLang="en-US" dirty="0"/>
+              <a:t>의 경우와 같이 </a:t>
+            </a:r>
+            <a:r>
+              <a:rPr kumimoji="1" lang="en-US" altLang="ko-KR" dirty="0"/>
+              <a:t>VAO</a:t>
+            </a:r>
+            <a:r>
+              <a:rPr kumimoji="1" lang="ko-KR" altLang="en-US" dirty="0"/>
+              <a:t>를 하나 생성하고 그 </a:t>
+            </a:r>
+            <a:r>
+              <a:rPr kumimoji="1" lang="en-US" altLang="ko-KR" dirty="0"/>
+              <a:t>VAO</a:t>
+            </a:r>
+            <a:r>
+              <a:rPr kumimoji="1" lang="ko-KR" altLang="en-US" dirty="0"/>
+              <a:t>를 </a:t>
+            </a:r>
+            <a:r>
+              <a:rPr kumimoji="1" lang="en-US" altLang="ko-KR" dirty="0"/>
+              <a:t>binding</a:t>
+            </a:r>
+            <a:r>
+              <a:rPr kumimoji="1" lang="ko-KR" altLang="en-US" dirty="0"/>
+              <a:t>합니다</a:t>
             </a:r>
             <a:r>
               <a:rPr kumimoji="1" lang="en-US" altLang="ko-KR" dirty="0"/>
@@ -1103,11 +1229,413 @@
             </a:pPr>
             <a:r>
               <a:rPr kumimoji="1" lang="ko-KR" altLang="en-US" dirty="0"/>
-              <a:t>이제 두 개의 삼각형의 위상을 정의하는 </a:t>
-            </a:r>
-            <a:r>
-              <a:rPr kumimoji="1" lang="en-US" altLang="ko-KR" dirty="0"/>
-              <a:t>fillIndices array</a:t>
+              <a:t>두번째 </a:t>
+            </a:r>
+            <a:r>
+              <a:rPr kumimoji="1" lang="en-US" altLang="ko-KR" dirty="0"/>
+              <a:t>part</a:t>
+            </a:r>
+            <a:r>
+              <a:rPr kumimoji="1" lang="ko-KR" altLang="en-US" dirty="0"/>
+              <a:t>에서는 </a:t>
+            </a:r>
+            <a:r>
+              <a:rPr kumimoji="1" lang="en-US" altLang="ko-KR" dirty="0"/>
+              <a:t>vertex coordinates</a:t>
+            </a:r>
+            <a:r>
+              <a:rPr kumimoji="1" lang="ko-KR" altLang="en-US" dirty="0"/>
+              <a:t>를 담을 </a:t>
+            </a:r>
+            <a:r>
+              <a:rPr kumimoji="1" lang="en-US" altLang="ko-KR" dirty="0"/>
+              <a:t>VBO</a:t>
+            </a:r>
+            <a:r>
+              <a:rPr kumimoji="1" lang="ko-KR" altLang="en-US" dirty="0"/>
+              <a:t>인 </a:t>
+            </a:r>
+            <a:r>
+              <a:rPr kumimoji="1" lang="en-US" altLang="ko-KR" dirty="0"/>
+              <a:t>vertexBuffer</a:t>
+            </a:r>
+            <a:r>
+              <a:rPr kumimoji="1" lang="ko-KR" altLang="en-US" dirty="0"/>
+              <a:t>를 생성하고</a:t>
+            </a:r>
+            <a:r>
+              <a:rPr kumimoji="1" lang="en-US" altLang="ko-KR" dirty="0"/>
+              <a:t>,</a:t>
+            </a:r>
+            <a:r>
+              <a:rPr kumimoji="1" lang="ko-KR" altLang="en-US" dirty="0"/>
+              <a:t> </a:t>
+            </a:r>
+            <a:r>
+              <a:rPr kumimoji="1" lang="en-US" altLang="ko-KR" dirty="0"/>
+              <a:t>binding</a:t>
+            </a:r>
+            <a:r>
+              <a:rPr kumimoji="1" lang="ko-KR" altLang="en-US" dirty="0"/>
+              <a:t>한 후</a:t>
+            </a:r>
+            <a:r>
+              <a:rPr kumimoji="1" lang="en-US" altLang="ko-KR" dirty="0"/>
+              <a:t>,</a:t>
+            </a:r>
+            <a:r>
+              <a:rPr kumimoji="1" lang="ko-KR" altLang="en-US" dirty="0"/>
+              <a:t> </a:t>
+            </a:r>
+            <a:r>
+              <a:rPr kumimoji="1" lang="en-US" altLang="ko-KR" dirty="0"/>
+              <a:t>vertices</a:t>
+            </a:r>
+            <a:r>
+              <a:rPr kumimoji="1" lang="ko-KR" altLang="en-US" dirty="0"/>
+              <a:t> </a:t>
+            </a:r>
+            <a:r>
+              <a:rPr kumimoji="1" lang="en-US" altLang="ko-KR" dirty="0"/>
+              <a:t>array</a:t>
+            </a:r>
+            <a:r>
+              <a:rPr kumimoji="1" lang="ko-KR" altLang="en-US" dirty="0"/>
+              <a:t> 안의 </a:t>
+            </a:r>
+            <a:r>
+              <a:rPr kumimoji="1" lang="en-US" altLang="ko-KR" dirty="0"/>
+              <a:t>vertex coordinates data</a:t>
+            </a:r>
+            <a:r>
+              <a:rPr kumimoji="1" lang="ko-KR" altLang="en-US" dirty="0"/>
+              <a:t>를 </a:t>
+            </a:r>
+            <a:r>
+              <a:rPr kumimoji="1" lang="en-US" altLang="ko-KR" dirty="0"/>
+              <a:t>VBO</a:t>
+            </a:r>
+            <a:r>
+              <a:rPr kumimoji="1" lang="ko-KR" altLang="en-US" dirty="0"/>
+              <a:t>에 </a:t>
+            </a:r>
+            <a:r>
+              <a:rPr kumimoji="1" lang="en-US" altLang="ko-KR" dirty="0"/>
+              <a:t>copy</a:t>
+            </a:r>
+            <a:r>
+              <a:rPr kumimoji="1" lang="ko-KR" altLang="en-US" dirty="0"/>
+              <a:t>합니다</a:t>
+            </a:r>
+            <a:r>
+              <a:rPr kumimoji="1" lang="en-US" altLang="ko-KR" dirty="0"/>
+              <a:t>.</a:t>
+            </a:r>
+            <a:r>
+              <a:rPr kumimoji="1" lang="ko-KR" altLang="en-US" dirty="0"/>
+              <a:t> </a:t>
+            </a:r>
+            <a:r>
+              <a:rPr kumimoji="1" lang="en-US" altLang="ko-KR" dirty="0"/>
+              <a:t>gl.bindBuffer</a:t>
+            </a:r>
+            <a:r>
+              <a:rPr kumimoji="1" lang="ko-KR" altLang="en-US" dirty="0"/>
+              <a:t>와 </a:t>
+            </a:r>
+            <a:r>
+              <a:rPr kumimoji="1" lang="en-US" altLang="ko-KR" dirty="0"/>
+              <a:t>gl.bufferData </a:t>
+            </a:r>
+            <a:r>
+              <a:rPr kumimoji="1" lang="ko-KR" altLang="en-US" dirty="0"/>
+              <a:t>함수에서 </a:t>
+            </a:r>
+            <a:r>
+              <a:rPr kumimoji="1" lang="en-US" altLang="ko-KR" dirty="0"/>
+              <a:t>gl.ARRAY_BUFFER flag</a:t>
+            </a:r>
+            <a:r>
+              <a:rPr kumimoji="1" lang="ko-KR" altLang="en-US" dirty="0"/>
+              <a:t>가 쓰여서 </a:t>
+            </a:r>
+            <a:r>
+              <a:rPr kumimoji="1" lang="en-US" altLang="ko-KR" dirty="0"/>
+              <a:t>VBO</a:t>
+            </a:r>
+            <a:r>
+              <a:rPr kumimoji="1" lang="ko-KR" altLang="en-US" dirty="0"/>
+              <a:t>의 </a:t>
+            </a:r>
+            <a:r>
+              <a:rPr kumimoji="1" lang="en-US" altLang="ko-KR" dirty="0"/>
+              <a:t>data</a:t>
+            </a:r>
+            <a:r>
+              <a:rPr kumimoji="1" lang="ko-KR" altLang="en-US" dirty="0"/>
+              <a:t>가 </a:t>
+            </a:r>
+            <a:r>
+              <a:rPr kumimoji="1" lang="en-US" altLang="ko-KR" dirty="0"/>
+              <a:t>vertex coordinates</a:t>
+            </a:r>
+            <a:r>
+              <a:rPr kumimoji="1" lang="ko-KR" altLang="en-US" dirty="0"/>
+              <a:t>임을 나타내고 있음에 유의합니다</a:t>
+            </a:r>
+            <a:r>
+              <a:rPr kumimoji="1" lang="en-US" altLang="ko-KR" dirty="0"/>
+              <a:t>.</a:t>
+            </a:r>
+            <a:r>
+              <a:rPr kumimoji="1" lang="ko-KR" altLang="en-US" dirty="0"/>
+              <a:t> </a:t>
+            </a:r>
+            <a:endParaRPr kumimoji="1" lang="en-US" altLang="ko-KR" dirty="0"/>
+          </a:p>
+          <a:p>
+            <a:pPr marL="228600" indent="-228600">
+              <a:buFont typeface="+mj-lt"/>
+              <a:buAutoNum type="arabicPeriod"/>
+            </a:pPr>
+            <a:r>
+              <a:rPr kumimoji="1" lang="en-US" altLang="ko-KR" dirty="0"/>
+              <a:t>VBO data</a:t>
+            </a:r>
+            <a:r>
+              <a:rPr kumimoji="1" lang="ko-KR" altLang="en-US" dirty="0"/>
+              <a:t>를 </a:t>
+            </a:r>
+            <a:r>
+              <a:rPr kumimoji="1" lang="en-US" altLang="ko-KR" dirty="0"/>
+              <a:t>shader</a:t>
+            </a:r>
+            <a:r>
+              <a:rPr kumimoji="1" lang="ko-KR" altLang="en-US" dirty="0"/>
+              <a:t>의 </a:t>
+            </a:r>
+            <a:r>
+              <a:rPr kumimoji="1" lang="en-US" altLang="ko-KR" dirty="0"/>
+              <a:t>vertex attribute </a:t>
+            </a:r>
+            <a:r>
+              <a:rPr kumimoji="1" lang="ko-KR" altLang="en-US" dirty="0"/>
+              <a:t>변수에 </a:t>
+            </a:r>
+            <a:r>
+              <a:rPr kumimoji="1" lang="en-US" altLang="ko-KR" dirty="0"/>
+              <a:t>mapping</a:t>
+            </a:r>
+            <a:r>
+              <a:rPr kumimoji="1" lang="ko-KR" altLang="en-US" dirty="0"/>
+              <a:t>해 주는 </a:t>
+            </a:r>
+            <a:r>
+              <a:rPr kumimoji="1" lang="en-US" altLang="ko-KR" dirty="0"/>
+              <a:t>part</a:t>
+            </a:r>
+            <a:r>
+              <a:rPr kumimoji="1" lang="ko-KR" altLang="en-US" dirty="0"/>
+              <a:t>는 </a:t>
+            </a:r>
+            <a:r>
+              <a:rPr kumimoji="1" lang="en-US" altLang="ko-KR" dirty="0"/>
+              <a:t>Program02</a:t>
+            </a:r>
+            <a:r>
+              <a:rPr kumimoji="1" lang="ko-KR" altLang="en-US" dirty="0"/>
+              <a:t>와 정확히 같습니다</a:t>
+            </a:r>
+            <a:r>
+              <a:rPr kumimoji="1" lang="en-US" altLang="ko-KR" dirty="0"/>
+              <a:t>.</a:t>
+            </a:r>
+            <a:r>
+              <a:rPr kumimoji="1" lang="ko-KR" altLang="en-US" dirty="0"/>
+              <a:t> </a:t>
+            </a:r>
+            <a:r>
+              <a:rPr kumimoji="1" lang="en-US" altLang="ko-KR" dirty="0"/>
+              <a:t>vertex coordinates</a:t>
+            </a:r>
+            <a:r>
+              <a:rPr kumimoji="1" lang="ko-KR" altLang="en-US" dirty="0"/>
+              <a:t>인 </a:t>
+            </a:r>
+            <a:r>
+              <a:rPr kumimoji="1" lang="en-US" altLang="ko-KR" dirty="0"/>
+              <a:t>attribute</a:t>
+            </a:r>
+            <a:r>
+              <a:rPr kumimoji="1" lang="ko-KR" altLang="en-US" dirty="0"/>
+              <a:t>는 </a:t>
+            </a:r>
+            <a:r>
+              <a:rPr kumimoji="1" lang="en-US" altLang="ko-KR" dirty="0"/>
+              <a:t>shader</a:t>
+            </a:r>
+            <a:r>
+              <a:rPr kumimoji="1" lang="ko-KR" altLang="en-US" dirty="0"/>
+              <a:t> 내의 </a:t>
+            </a:r>
+            <a:r>
+              <a:rPr kumimoji="1" lang="en-US" altLang="ko-KR" dirty="0"/>
+              <a:t>0</a:t>
+            </a:r>
+            <a:r>
+              <a:rPr kumimoji="1" lang="ko-KR" altLang="en-US" dirty="0"/>
+              <a:t>번 </a:t>
+            </a:r>
+            <a:r>
+              <a:rPr kumimoji="1" lang="en-US" altLang="ko-KR" dirty="0"/>
+              <a:t>index</a:t>
+            </a:r>
+            <a:r>
+              <a:rPr kumimoji="1" lang="ko-KR" altLang="en-US" dirty="0"/>
+              <a:t>로 </a:t>
+            </a:r>
+            <a:r>
+              <a:rPr kumimoji="1" lang="en-US" altLang="ko-KR" dirty="0"/>
+              <a:t>mapping</a:t>
+            </a:r>
+            <a:r>
+              <a:rPr kumimoji="1" lang="ko-KR" altLang="en-US" dirty="0"/>
+              <a:t>됩니다</a:t>
+            </a:r>
+            <a:r>
+              <a:rPr kumimoji="1" lang="en-US" altLang="ko-KR" dirty="0"/>
+              <a:t>.</a:t>
+            </a:r>
+            <a:r>
+              <a:rPr kumimoji="1" lang="ko-KR" altLang="en-US" dirty="0"/>
+              <a:t> </a:t>
+            </a:r>
+            <a:endParaRPr kumimoji="1" lang="en-US" altLang="ko-KR" dirty="0"/>
+          </a:p>
+          <a:p>
+            <a:pPr marL="228600" indent="-228600">
+              <a:buFont typeface="+mj-lt"/>
+              <a:buAutoNum type="arabicPeriod"/>
+            </a:pPr>
+            <a:r>
+              <a:rPr kumimoji="1" lang="ko-KR" altLang="en-US" dirty="0"/>
+              <a:t>이후에 하나의 </a:t>
+            </a:r>
+            <a:r>
+              <a:rPr kumimoji="1" lang="en-US" altLang="ko-KR" dirty="0"/>
+              <a:t>step</a:t>
+            </a:r>
+            <a:r>
+              <a:rPr kumimoji="1" lang="ko-KR" altLang="en-US" dirty="0"/>
+              <a:t>이 더 필요하게 되는데</a:t>
+            </a:r>
+            <a:r>
+              <a:rPr kumimoji="1" lang="en-US" altLang="ko-KR" dirty="0"/>
+              <a:t>,</a:t>
+            </a:r>
+            <a:r>
+              <a:rPr kumimoji="1" lang="ko-KR" altLang="en-US" dirty="0"/>
+              <a:t> </a:t>
+            </a:r>
+            <a:r>
+              <a:rPr kumimoji="1" lang="en-US" altLang="ko-KR" dirty="0"/>
+              <a:t>index</a:t>
+            </a:r>
+            <a:r>
+              <a:rPr kumimoji="1" lang="ko-KR" altLang="en-US" dirty="0"/>
+              <a:t>를 </a:t>
+            </a:r>
+            <a:r>
+              <a:rPr kumimoji="1" lang="en-US" altLang="ko-KR" dirty="0"/>
+              <a:t>GPU</a:t>
+            </a:r>
+            <a:r>
+              <a:rPr kumimoji="1" lang="ko-KR" altLang="en-US" dirty="0"/>
+              <a:t>의 </a:t>
+            </a:r>
+            <a:r>
+              <a:rPr kumimoji="1" lang="en-US" altLang="ko-KR" dirty="0"/>
+              <a:t>buffer</a:t>
+            </a:r>
+            <a:r>
+              <a:rPr kumimoji="1" lang="ko-KR" altLang="en-US" dirty="0"/>
+              <a:t>에 </a:t>
+            </a:r>
+            <a:r>
+              <a:rPr kumimoji="1" lang="en-US" altLang="ko-KR" dirty="0"/>
+              <a:t>copy</a:t>
+            </a:r>
+            <a:r>
+              <a:rPr kumimoji="1" lang="ko-KR" altLang="en-US" dirty="0"/>
+              <a:t>해 주는 과정입니다</a:t>
+            </a:r>
+            <a:r>
+              <a:rPr kumimoji="1" lang="en-US" altLang="ko-KR" dirty="0"/>
+              <a:t>.</a:t>
+            </a:r>
+            <a:r>
+              <a:rPr kumimoji="1" lang="ko-KR" altLang="en-US" dirty="0"/>
+              <a:t> </a:t>
+            </a:r>
+            <a:r>
+              <a:rPr kumimoji="1" lang="en-US" altLang="ko-KR" dirty="0"/>
+              <a:t>fillIndexBuffer</a:t>
+            </a:r>
+            <a:r>
+              <a:rPr kumimoji="1" lang="ko-KR" altLang="en-US" dirty="0"/>
+              <a:t>라는 </a:t>
+            </a:r>
+            <a:r>
+              <a:rPr kumimoji="1" lang="en-US" altLang="ko-KR" dirty="0"/>
+              <a:t>GPU</a:t>
+            </a:r>
+            <a:r>
+              <a:rPr kumimoji="1" lang="ko-KR" altLang="en-US" dirty="0"/>
+              <a:t>내의 </a:t>
+            </a:r>
+            <a:r>
+              <a:rPr kumimoji="1" lang="en-US" altLang="ko-KR" dirty="0"/>
+              <a:t>buffer</a:t>
+            </a:r>
+            <a:r>
+              <a:rPr kumimoji="1" lang="ko-KR" altLang="en-US" dirty="0"/>
+              <a:t>를 하나 생성하는데</a:t>
+            </a:r>
+            <a:r>
+              <a:rPr kumimoji="1" lang="en-US" altLang="ko-KR" dirty="0"/>
+              <a:t>,</a:t>
+            </a:r>
+            <a:r>
+              <a:rPr kumimoji="1" lang="ko-KR" altLang="en-US" dirty="0"/>
+              <a:t> 이 때에는 </a:t>
+            </a:r>
+            <a:r>
+              <a:rPr kumimoji="1" lang="en-US" altLang="ko-KR" dirty="0"/>
+              <a:t>VBO</a:t>
+            </a:r>
+            <a:r>
+              <a:rPr kumimoji="1" lang="ko-KR" altLang="en-US" dirty="0"/>
+              <a:t>를 생성할 때 사용하였던  </a:t>
+            </a:r>
+            <a:r>
+              <a:rPr kumimoji="1" lang="en-US" altLang="ko-KR" dirty="0"/>
+              <a:t>gl.createBuffer() </a:t>
+            </a:r>
+            <a:r>
+              <a:rPr kumimoji="1" lang="ko-KR" altLang="en-US" dirty="0"/>
+              <a:t>함수를 다시 사용합니다</a:t>
+            </a:r>
+            <a:r>
+              <a:rPr kumimoji="1" lang="en-US" altLang="ko-KR" dirty="0"/>
+              <a:t>.</a:t>
+            </a:r>
+            <a:r>
+              <a:rPr kumimoji="1" lang="ko-KR" altLang="en-US" dirty="0"/>
+              <a:t> 그런데 이 </a:t>
+            </a:r>
+            <a:r>
+              <a:rPr kumimoji="1" lang="en-US" altLang="ko-KR" dirty="0"/>
+              <a:t>buffer</a:t>
             </a:r>
             <a:r>
               <a:rPr kumimoji="1" lang="ko-KR" altLang="en-US" dirty="0"/>
@@ -1115,19 +1643,63 @@
             </a:r>
             <a:r>
               <a:rPr kumimoji="1" lang="en-US" altLang="ko-KR" dirty="0"/>
+              <a:t>coordinates</a:t>
+            </a:r>
+            <a:r>
+              <a:rPr kumimoji="1" lang="ko-KR" altLang="en-US" dirty="0"/>
+              <a:t>나 </a:t>
+            </a:r>
+            <a:r>
+              <a:rPr kumimoji="1" lang="en-US" altLang="ko-KR" dirty="0"/>
+              <a:t>attribute </a:t>
+            </a:r>
+            <a:r>
+              <a:rPr kumimoji="1" lang="ko-KR" altLang="en-US" dirty="0"/>
+              <a:t>값이 직접 </a:t>
+            </a:r>
+            <a:r>
+              <a:rPr kumimoji="1" lang="en-US" altLang="ko-KR" dirty="0"/>
+              <a:t>copy</a:t>
+            </a:r>
+            <a:r>
+              <a:rPr kumimoji="1" lang="ko-KR" altLang="en-US" dirty="0"/>
+              <a:t>되는 것이 아니라 </a:t>
+            </a:r>
+            <a:r>
+              <a:rPr kumimoji="1" lang="en-US" altLang="ko-KR" dirty="0"/>
               <a:t>index</a:t>
             </a:r>
             <a:r>
               <a:rPr kumimoji="1" lang="ko-KR" altLang="en-US" dirty="0"/>
-              <a:t>들로서 삼각형의 </a:t>
-            </a:r>
-            <a:r>
-              <a:rPr kumimoji="1" lang="en-US" altLang="ko-KR" dirty="0"/>
-              <a:t>vertex</a:t>
-            </a:r>
-            <a:r>
-              <a:rPr kumimoji="1" lang="ko-KR" altLang="en-US" dirty="0"/>
-              <a:t>들을 정의하였습니다</a:t>
+              <a:t>가 </a:t>
+            </a:r>
+            <a:r>
+              <a:rPr kumimoji="1" lang="en-US" altLang="ko-KR" dirty="0"/>
+              <a:t>copy</a:t>
+            </a:r>
+            <a:r>
+              <a:rPr kumimoji="1" lang="ko-KR" altLang="en-US" dirty="0"/>
+              <a:t>될 것이기 때문에 </a:t>
+            </a:r>
+            <a:r>
+              <a:rPr kumimoji="1" lang="en-US" altLang="ko-KR" dirty="0"/>
+              <a:t>VBO</a:t>
+            </a:r>
+            <a:r>
+              <a:rPr kumimoji="1" lang="ko-KR" altLang="en-US" dirty="0"/>
+              <a:t>와 구별하여 </a:t>
+            </a:r>
+            <a:r>
+              <a:rPr kumimoji="1" lang="en-US" altLang="ko-KR" dirty="0"/>
+              <a:t>EBO (Element Buffer Object)</a:t>
+            </a:r>
+            <a:r>
+              <a:rPr kumimoji="1" lang="ko-KR" altLang="en-US" dirty="0" err="1"/>
+              <a:t>라고</a:t>
+            </a:r>
+            <a:r>
+              <a:rPr kumimoji="1" lang="ko-KR" altLang="en-US" dirty="0"/>
+              <a:t> 부릅니다</a:t>
             </a:r>
             <a:r>
               <a:rPr kumimoji="1" lang="en-US" altLang="ko-KR" dirty="0"/>
@@ -1135,124 +1707,116 @@
             </a:r>
             <a:r>
               <a:rPr kumimoji="1" lang="ko-KR" altLang="en-US" dirty="0"/>
-              <a:t> 첫번째 삼각형을 나타내는 </a:t>
-            </a:r>
-            <a:r>
-              <a:rPr kumimoji="1" lang="en-US" altLang="ko-KR" dirty="0"/>
-              <a:t>vertex</a:t>
-            </a:r>
-            <a:r>
-              <a:rPr kumimoji="1" lang="ko-KR" altLang="en-US" dirty="0"/>
-              <a:t>들의 </a:t>
-            </a:r>
-            <a:r>
-              <a:rPr kumimoji="1" lang="en-US" altLang="ko-KR" dirty="0"/>
-              <a:t>index </a:t>
-            </a:r>
-            <a:r>
-              <a:rPr kumimoji="1" lang="ko-KR" altLang="en-US" dirty="0"/>
-              <a:t>순서는 </a:t>
-            </a:r>
-            <a:r>
-              <a:rPr kumimoji="1" lang="en-US" altLang="ko-KR" dirty="0"/>
-              <a:t>(0,</a:t>
+              <a:t> 생성된 </a:t>
+            </a:r>
+            <a:r>
+              <a:rPr kumimoji="1" lang="en-US" altLang="ko-KR" dirty="0"/>
+              <a:t>EBO</a:t>
+            </a:r>
+            <a:r>
+              <a:rPr kumimoji="1" lang="ko-KR" altLang="en-US" dirty="0"/>
+              <a:t>를 </a:t>
+            </a:r>
+            <a:r>
+              <a:rPr kumimoji="1" lang="en-US" altLang="ko-KR" dirty="0"/>
+              <a:t>binding</a:t>
+            </a:r>
+            <a:r>
+              <a:rPr kumimoji="1" lang="ko-KR" altLang="en-US" dirty="0"/>
+              <a:t>하고 </a:t>
+            </a:r>
+            <a:r>
+              <a:rPr kumimoji="1" lang="en-US" altLang="ko-KR" dirty="0"/>
+              <a:t>index array</a:t>
+            </a:r>
+            <a:r>
+              <a:rPr kumimoji="1" lang="ko-KR" altLang="en-US" dirty="0"/>
+              <a:t>인 </a:t>
+            </a:r>
+            <a:r>
+              <a:rPr kumimoji="1" lang="en-US" altLang="ko-KR" dirty="0"/>
+              <a:t>fillIndices</a:t>
+            </a:r>
+            <a:r>
+              <a:rPr kumimoji="1" lang="ko-KR" altLang="en-US" dirty="0"/>
+              <a:t>의 </a:t>
+            </a:r>
+            <a:r>
+              <a:rPr kumimoji="1" lang="en-US" altLang="ko-KR" dirty="0"/>
+              <a:t>index</a:t>
+            </a:r>
+            <a:r>
+              <a:rPr kumimoji="1" lang="ko-KR" altLang="en-US" dirty="0"/>
+              <a:t>들을 </a:t>
+            </a:r>
+            <a:r>
+              <a:rPr kumimoji="1" lang="en-US" altLang="ko-KR" dirty="0"/>
+              <a:t>EBO</a:t>
+            </a:r>
+            <a:r>
+              <a:rPr kumimoji="1" lang="ko-KR" altLang="en-US" dirty="0"/>
+              <a:t>에 </a:t>
+            </a:r>
+            <a:r>
+              <a:rPr kumimoji="1" lang="en-US" altLang="ko-KR" dirty="0"/>
+              <a:t>copy</a:t>
+            </a:r>
+            <a:r>
+              <a:rPr kumimoji="1" lang="ko-KR" altLang="en-US" dirty="0"/>
+              <a:t>합니다</a:t>
+            </a:r>
+            <a:r>
+              <a:rPr kumimoji="1" lang="en-US" altLang="ko-KR" dirty="0"/>
+              <a:t>.</a:t>
+            </a:r>
+            <a:r>
+              <a:rPr kumimoji="1" lang="ko-KR" altLang="en-US" dirty="0"/>
+              <a:t> 이 때 </a:t>
+            </a:r>
+            <a:r>
+              <a:rPr kumimoji="1" lang="en-US" altLang="ko-KR" dirty="0"/>
+              <a:t>gl.ELEMENT_ARRAY_BUFFER flag</a:t>
+            </a:r>
+            <a:r>
+              <a:rPr kumimoji="1" lang="ko-KR" altLang="en-US" dirty="0"/>
+              <a:t>가 쓰여서 현재 </a:t>
+            </a:r>
+            <a:r>
+              <a:rPr kumimoji="1" lang="en-US" altLang="ko-KR" dirty="0"/>
+              <a:t>binding</a:t>
+            </a:r>
+            <a:r>
+              <a:rPr kumimoji="1" lang="ko-KR" altLang="en-US" dirty="0"/>
+              <a:t>된 </a:t>
+            </a:r>
+            <a:r>
+              <a:rPr kumimoji="1" lang="en-US" altLang="ko-KR" dirty="0"/>
+              <a:t>buffer</a:t>
+            </a:r>
+            <a:r>
+              <a:rPr kumimoji="1" lang="ko-KR" altLang="en-US" dirty="0"/>
+              <a:t>의 내용이 </a:t>
+            </a:r>
+            <a:r>
+              <a:rPr kumimoji="1" lang="en-US" altLang="ko-KR" dirty="0"/>
+              <a:t>index</a:t>
+            </a:r>
+            <a:r>
+              <a:rPr kumimoji="1" lang="ko-KR" altLang="en-US" dirty="0"/>
+              <a:t>임을 나타내고 있습니다</a:t>
+            </a:r>
+            <a:r>
+              <a:rPr kumimoji="1" lang="en-US" altLang="ko-KR" dirty="0"/>
+              <a:t>.</a:t>
             </a:r>
             <a:r>
               <a:rPr kumimoji="1" lang="ko-KR" altLang="en-US" dirty="0"/>
               <a:t> </a:t>
             </a:r>
-            <a:r>
-              <a:rPr kumimoji="1" lang="en-US" altLang="ko-KR" dirty="0"/>
-              <a:t>1,</a:t>
-            </a:r>
-            <a:r>
-              <a:rPr kumimoji="1" lang="ko-KR" altLang="en-US" dirty="0"/>
-              <a:t> </a:t>
-            </a:r>
-            <a:r>
-              <a:rPr kumimoji="1" lang="en-US" altLang="ko-KR" dirty="0"/>
-              <a:t>2)</a:t>
-            </a:r>
-            <a:r>
-              <a:rPr kumimoji="1" lang="ko-KR" altLang="en-US" dirty="0"/>
-              <a:t> 이고</a:t>
-            </a:r>
-            <a:r>
-              <a:rPr kumimoji="1" lang="en-US" altLang="ko-KR" dirty="0"/>
-              <a:t>,</a:t>
-            </a:r>
-            <a:r>
-              <a:rPr kumimoji="1" lang="ko-KR" altLang="en-US" dirty="0"/>
-              <a:t> 두번째 삼각형은 </a:t>
-            </a:r>
-            <a:r>
-              <a:rPr kumimoji="1" lang="en-US" altLang="ko-KR" dirty="0"/>
-              <a:t>(2, 3, 0) </a:t>
-            </a:r>
-            <a:r>
-              <a:rPr kumimoji="1" lang="ko-KR" altLang="en-US" dirty="0"/>
-              <a:t>입니다</a:t>
-            </a:r>
-            <a:r>
-              <a:rPr kumimoji="1" lang="en-US" altLang="ko-KR" dirty="0"/>
-              <a:t>.</a:t>
-            </a:r>
-            <a:r>
-              <a:rPr kumimoji="1" lang="ko-KR" altLang="en-US" dirty="0"/>
-              <a:t> 이와 같이 하면 </a:t>
-            </a:r>
-            <a:r>
-              <a:rPr kumimoji="1" lang="en-US" altLang="ko-KR" dirty="0"/>
-              <a:t>index 0</a:t>
-            </a:r>
-            <a:r>
-              <a:rPr kumimoji="1" lang="ko-KR" altLang="en-US" dirty="0"/>
-              <a:t>과 </a:t>
-            </a:r>
-            <a:r>
-              <a:rPr kumimoji="1" lang="en-US" altLang="ko-KR" dirty="0"/>
-              <a:t>2</a:t>
-            </a:r>
-            <a:r>
-              <a:rPr kumimoji="1" lang="ko-KR" altLang="en-US" dirty="0"/>
-              <a:t>번의 </a:t>
-            </a:r>
-            <a:r>
-              <a:rPr kumimoji="1" lang="en-US" altLang="ko-KR" dirty="0"/>
-              <a:t>vertex</a:t>
-            </a:r>
-            <a:r>
-              <a:rPr kumimoji="1" lang="ko-KR" altLang="en-US" dirty="0"/>
-              <a:t>들의 </a:t>
-            </a:r>
-            <a:r>
-              <a:rPr kumimoji="1" lang="en-US" altLang="ko-KR" dirty="0"/>
-              <a:t>coordinates</a:t>
-            </a:r>
-            <a:r>
-              <a:rPr kumimoji="1" lang="ko-KR" altLang="en-US" dirty="0"/>
-              <a:t>를 두번씩 사용하지 않고도 두 개의 삼각형을 나타낼 수 있습니다</a:t>
-            </a:r>
-            <a:r>
-              <a:rPr kumimoji="1" lang="en-US" altLang="ko-KR" dirty="0"/>
-              <a:t>.</a:t>
-            </a:r>
-            <a:r>
-              <a:rPr kumimoji="1" lang="ko-KR" altLang="en-US" dirty="0"/>
-              <a:t> 지금의 예에서는 인덱스를 이용하는 방식의 장점이 두드러져 보이지 않으나</a:t>
-            </a:r>
-            <a:r>
-              <a:rPr kumimoji="1" lang="en-US" altLang="ko-KR" dirty="0"/>
-              <a:t>, </a:t>
-            </a:r>
-            <a:r>
-              <a:rPr kumimoji="1" lang="ko-KR" altLang="en-US" dirty="0"/>
-              <a:t>수 만개의 삼각형들로 복잡한 모델을 만드는 경우에 데이터 양이 줄어드는 효과는 매우 클 수 있을 것입니다</a:t>
-            </a:r>
-            <a:r>
-              <a:rPr kumimoji="1" lang="en-US" altLang="ko-KR" dirty="0"/>
-              <a:t>.</a:t>
-            </a:r>
+            <a:endParaRPr kumimoji="1" lang="en-US" altLang="ko-KR" dirty="0"/>
+          </a:p>
+          <a:p>
+            <a:endParaRPr kumimoji="1" lang="en-US" altLang="ko-KR" dirty="0"/>
           </a:p>
         </p:txBody>
       </p:sp>
@@ -1271,18 +1835,18 @@
           <a:bodyPr/>
           <a:lstStyle/>
           <a:p>
-            <a:fld id="{11E810AA-3F79-4A83-B6E2-5C05A72167ED}" type="slidenum">
-              <a:rPr lang="ko-KR" altLang="en-US" smtClean="0"/>
+            <a:fld id="{515CD10E-49FF-8C40-B7F3-CA6239B459A9}" type="slidenum">
+              <a:rPr kumimoji="1" lang="ko-KR" altLang="en-US" smtClean="0"/>
               <a:t>3</a:t>
             </a:fld>
-            <a:endParaRPr lang="ko-KR" altLang="en-US"/>
+            <a:endParaRPr kumimoji="1" lang="ko-KR" altLang="en-US"/>
           </a:p>
         </p:txBody>
       </p:sp>
     </p:spTree>
     <p:extLst>
       <p:ext uri="{BB962C8B-B14F-4D97-AF65-F5344CB8AC3E}">
-        <p14:creationId xmlns:p14="http://schemas.microsoft.com/office/powerpoint/2010/main" val="1714041131"/>
+        <p14:creationId xmlns:p14="http://schemas.microsoft.com/office/powerpoint/2010/main" val="1728328870"/>
       </p:ext>
     </p:extLst>
   </p:cSld>
@@ -1338,23 +1902,175 @@
           <a:p>
             <a:r>
               <a:rPr kumimoji="1" lang="en-US" altLang="ko-KR" dirty="0"/>
-              <a:t>Program 02_HelloTriangle</a:t>
-            </a:r>
-            <a:r>
-              <a:rPr kumimoji="1" lang="ko-KR" altLang="en-US" dirty="0"/>
-              <a:t>의 경우와 같이 </a:t>
-            </a:r>
-            <a:r>
-              <a:rPr kumimoji="1" lang="en-US" altLang="ko-KR" dirty="0"/>
-              <a:t>VAO</a:t>
-            </a:r>
-            <a:r>
-              <a:rPr kumimoji="1" lang="ko-KR" altLang="en-US" dirty="0"/>
-              <a:t>를 하나 생성하고 그 </a:t>
-            </a:r>
-            <a:r>
-              <a:rPr kumimoji="1" lang="en-US" altLang="ko-KR" dirty="0"/>
-              <a:t>VAO</a:t>
+              <a:t>Program 03</a:t>
+            </a:r>
+            <a:r>
+              <a:rPr kumimoji="1" lang="ko-KR" altLang="en-US" dirty="0"/>
+              <a:t>은 두 개의 </a:t>
+            </a:r>
+            <a:r>
+              <a:rPr kumimoji="1" lang="en-US" altLang="ko-KR" dirty="0"/>
+              <a:t>shader program</a:t>
+            </a:r>
+            <a:r>
+              <a:rPr kumimoji="1" lang="ko-KR" altLang="en-US" dirty="0"/>
+              <a:t>을 서로 다른 용도로 사용하고 있습니다</a:t>
+            </a:r>
+            <a:r>
+              <a:rPr kumimoji="1" lang="en-US" altLang="ko-KR" dirty="0"/>
+              <a:t>.</a:t>
+            </a:r>
+            <a:r>
+              <a:rPr kumimoji="1" lang="ko-KR" altLang="en-US" dirty="0"/>
+              <a:t> </a:t>
+            </a:r>
+            <a:endParaRPr kumimoji="1" lang="en-US" altLang="ko-KR" dirty="0"/>
+          </a:p>
+          <a:p>
+            <a:r>
+              <a:rPr kumimoji="1" lang="en-US" altLang="ko-KR" dirty="0"/>
+              <a:t>shader program1</a:t>
+            </a:r>
+            <a:r>
+              <a:rPr kumimoji="1" lang="ko-KR" altLang="en-US" dirty="0"/>
+              <a:t>은 삼각형을 </a:t>
+            </a:r>
+            <a:r>
+              <a:rPr kumimoji="1" lang="en-US" altLang="ko-KR" dirty="0"/>
+              <a:t>orange color</a:t>
+            </a:r>
+            <a:r>
+              <a:rPr kumimoji="1" lang="ko-KR" altLang="en-US" dirty="0"/>
+              <a:t>로 </a:t>
+            </a:r>
+            <a:r>
+              <a:rPr kumimoji="1" lang="en-US" altLang="ko-KR" dirty="0"/>
+              <a:t>fill</a:t>
+            </a:r>
+            <a:r>
+              <a:rPr kumimoji="1" lang="ko-KR" altLang="en-US" dirty="0"/>
+              <a:t>할 때 사용하며</a:t>
+            </a:r>
+            <a:r>
+              <a:rPr kumimoji="1" lang="en-US" altLang="ko-KR" dirty="0"/>
+              <a:t>,</a:t>
+            </a:r>
+            <a:r>
+              <a:rPr kumimoji="1" lang="ko-KR" altLang="en-US" dirty="0"/>
+              <a:t> </a:t>
+            </a:r>
+            <a:endParaRPr kumimoji="1" lang="en-US" altLang="ko-KR" dirty="0"/>
+          </a:p>
+          <a:p>
+            <a:r>
+              <a:rPr kumimoji="1" lang="en-US" altLang="ko-KR" dirty="0"/>
+              <a:t>shader program2</a:t>
+            </a:r>
+            <a:r>
+              <a:rPr kumimoji="1" lang="ko-KR" altLang="en-US" dirty="0"/>
+              <a:t>는 삼각형을 </a:t>
+            </a:r>
+            <a:r>
+              <a:rPr kumimoji="1" lang="en-US" altLang="ko-KR" dirty="0"/>
+              <a:t>gray color</a:t>
+            </a:r>
+            <a:r>
+              <a:rPr kumimoji="1" lang="ko-KR" altLang="en-US" dirty="0"/>
+              <a:t>로 </a:t>
+            </a:r>
+            <a:r>
+              <a:rPr kumimoji="1" lang="en-US" altLang="ko-KR" dirty="0"/>
+              <a:t>edge line</a:t>
+            </a:r>
+            <a:r>
+              <a:rPr kumimoji="1" lang="ko-KR" altLang="en-US" dirty="0"/>
+              <a:t>만을 그릴 때 사용하게 됩니다</a:t>
+            </a:r>
+            <a:r>
+              <a:rPr kumimoji="1" lang="en-US" altLang="ko-KR" dirty="0"/>
+              <a:t>.</a:t>
+            </a:r>
+            <a:r>
+              <a:rPr kumimoji="1" lang="ko-KR" altLang="en-US" dirty="0"/>
+              <a:t> </a:t>
+            </a:r>
+            <a:endParaRPr kumimoji="1" lang="en-US" altLang="ko-KR" dirty="0"/>
+          </a:p>
+          <a:p>
+            <a:pPr marL="228600" indent="-228600">
+              <a:buFont typeface="+mj-lt"/>
+              <a:buAutoNum type="arabicPeriod"/>
+            </a:pPr>
+            <a:r>
+              <a:rPr kumimoji="1" lang="ko-KR" altLang="en-US" dirty="0"/>
+              <a:t>두 개의 </a:t>
+            </a:r>
+            <a:r>
+              <a:rPr kumimoji="1" lang="en-US" altLang="ko-KR" dirty="0"/>
+              <a:t>shader program</a:t>
+            </a:r>
+            <a:r>
+              <a:rPr kumimoji="1" lang="ko-KR" altLang="en-US" dirty="0"/>
+              <a:t>들은 같은 </a:t>
+            </a:r>
+            <a:r>
+              <a:rPr kumimoji="1" lang="en-US" altLang="ko-KR" dirty="0"/>
+              <a:t>vertex coordinates</a:t>
+            </a:r>
+            <a:r>
+              <a:rPr kumimoji="1" lang="ko-KR" altLang="en-US" dirty="0"/>
+              <a:t>를 사용하고 있으므로</a:t>
+            </a:r>
+            <a:r>
+              <a:rPr kumimoji="1" lang="en-US" altLang="ko-KR" dirty="0"/>
+              <a:t>,</a:t>
+            </a:r>
+            <a:r>
+              <a:rPr kumimoji="1" lang="ko-KR" altLang="en-US" dirty="0"/>
+              <a:t> </a:t>
+            </a:r>
+            <a:r>
+              <a:rPr kumimoji="1" lang="en-US" altLang="ko-KR" dirty="0"/>
+              <a:t>vertex shader object</a:t>
+            </a:r>
+            <a:r>
+              <a:rPr kumimoji="1" lang="ko-KR" altLang="en-US" dirty="0"/>
+              <a:t>는 공유하고 있습니다</a:t>
+            </a:r>
+            <a:r>
+              <a:rPr kumimoji="1" lang="en-US" altLang="ko-KR" dirty="0"/>
+              <a:t>.</a:t>
+            </a:r>
+            <a:r>
+              <a:rPr kumimoji="1" lang="ko-KR" altLang="en-US" dirty="0"/>
+              <a:t> </a:t>
+            </a:r>
+            <a:endParaRPr kumimoji="1" lang="en-US" altLang="ko-KR" dirty="0"/>
+          </a:p>
+          <a:p>
+            <a:pPr marL="228600" indent="-228600">
+              <a:buFont typeface="+mj-lt"/>
+              <a:buAutoNum type="arabicPeriod"/>
+            </a:pPr>
+            <a:r>
+              <a:rPr kumimoji="1" lang="en-US" altLang="ko-KR" dirty="0"/>
+              <a:t>shader program1</a:t>
+            </a:r>
+            <a:r>
+              <a:rPr kumimoji="1" lang="ko-KR" altLang="en-US" dirty="0"/>
+              <a:t>은 </a:t>
+            </a:r>
+            <a:r>
+              <a:rPr kumimoji="1" lang="en-US" altLang="ko-KR" dirty="0"/>
+              <a:t>vertexShader</a:t>
+            </a:r>
+            <a:r>
+              <a:rPr kumimoji="1" lang="ko-KR" altLang="en-US" dirty="0"/>
+              <a:t>와 </a:t>
+            </a:r>
+            <a:r>
+              <a:rPr kumimoji="1" lang="en-US" altLang="ko-KR" dirty="0" err="1"/>
+              <a:t>fragmentShaderOrange</a:t>
             </a:r>
             <a:r>
               <a:rPr kumimoji="1" lang="ko-KR" altLang="en-US" dirty="0"/>
@@ -1362,11 +2078,51 @@
             </a:r>
             <a:r>
               <a:rPr kumimoji="1" lang="en-US" altLang="ko-KR" dirty="0"/>
-              <a:t>binding</a:t>
-            </a:r>
-            <a:r>
-              <a:rPr kumimoji="1" lang="ko-KR" altLang="en-US" dirty="0"/>
-              <a:t>합니다</a:t>
+              <a:t>link</a:t>
+            </a:r>
+            <a:r>
+              <a:rPr kumimoji="1" lang="ko-KR" altLang="en-US" dirty="0"/>
+              <a:t>하여 생성하며</a:t>
+            </a:r>
+            <a:r>
+              <a:rPr kumimoji="1" lang="en-US" altLang="ko-KR" dirty="0"/>
+              <a:t>,</a:t>
+            </a:r>
+            <a:r>
+              <a:rPr kumimoji="1" lang="ko-KR" altLang="en-US" dirty="0"/>
+              <a:t> </a:t>
+            </a:r>
+            <a:r>
+              <a:rPr kumimoji="1" lang="en-US" altLang="ko-KR" dirty="0"/>
+              <a:t>shader program2</a:t>
+            </a:r>
+            <a:r>
+              <a:rPr kumimoji="1" lang="ko-KR" altLang="en-US" dirty="0"/>
+              <a:t>는 </a:t>
+            </a:r>
+            <a:r>
+              <a:rPr kumimoji="1" lang="en-US" altLang="ko-KR" dirty="0"/>
+              <a:t>vertexShader</a:t>
+            </a:r>
+            <a:r>
+              <a:rPr kumimoji="1" lang="ko-KR" altLang="en-US" dirty="0"/>
+              <a:t>와 </a:t>
+            </a:r>
+            <a:r>
+              <a:rPr kumimoji="1" lang="en-US" altLang="ko-KR" dirty="0" err="1"/>
+              <a:t>fragmentShaderGray</a:t>
+            </a:r>
+            <a:r>
+              <a:rPr kumimoji="1" lang="ko-KR" altLang="en-US" dirty="0"/>
+              <a:t>를 </a:t>
+            </a:r>
+            <a:r>
+              <a:rPr kumimoji="1" lang="en-US" altLang="ko-KR" dirty="0"/>
+              <a:t>link</a:t>
+            </a:r>
+            <a:r>
+              <a:rPr kumimoji="1" lang="ko-KR" altLang="en-US" dirty="0"/>
+              <a:t>하여 생성하고 있습니다</a:t>
             </a:r>
             <a:r>
               <a:rPr kumimoji="1" lang="en-US" altLang="ko-KR" dirty="0"/>
@@ -1376,590 +2132,6 @@
               <a:rPr kumimoji="1" lang="ko-KR" altLang="en-US" dirty="0"/>
               <a:t> </a:t>
             </a:r>
-            <a:endParaRPr kumimoji="1" lang="en-US" altLang="ko-KR" dirty="0"/>
-          </a:p>
-          <a:p>
-            <a:r>
-              <a:rPr kumimoji="1" lang="ko-KR" altLang="en-US" dirty="0"/>
-              <a:t>두번째 </a:t>
-            </a:r>
-            <a:r>
-              <a:rPr kumimoji="1" lang="en-US" altLang="ko-KR" dirty="0"/>
-              <a:t>part</a:t>
-            </a:r>
-            <a:r>
-              <a:rPr kumimoji="1" lang="ko-KR" altLang="en-US" dirty="0"/>
-              <a:t>에서는 </a:t>
-            </a:r>
-            <a:r>
-              <a:rPr kumimoji="1" lang="en-US" altLang="ko-KR" dirty="0"/>
-              <a:t>vertex coordinates</a:t>
-            </a:r>
-            <a:r>
-              <a:rPr kumimoji="1" lang="ko-KR" altLang="en-US" dirty="0"/>
-              <a:t>를 담을 </a:t>
-            </a:r>
-            <a:r>
-              <a:rPr kumimoji="1" lang="en-US" altLang="ko-KR" dirty="0"/>
-              <a:t>VBO</a:t>
-            </a:r>
-            <a:r>
-              <a:rPr kumimoji="1" lang="ko-KR" altLang="en-US" dirty="0"/>
-              <a:t>인 </a:t>
-            </a:r>
-            <a:r>
-              <a:rPr kumimoji="1" lang="en-US" altLang="ko-KR" dirty="0"/>
-              <a:t>vertexBuffer</a:t>
-            </a:r>
-            <a:r>
-              <a:rPr kumimoji="1" lang="ko-KR" altLang="en-US" dirty="0"/>
-              <a:t>를 생성하고</a:t>
-            </a:r>
-            <a:r>
-              <a:rPr kumimoji="1" lang="en-US" altLang="ko-KR" dirty="0"/>
-              <a:t>,</a:t>
-            </a:r>
-            <a:r>
-              <a:rPr kumimoji="1" lang="ko-KR" altLang="en-US" dirty="0"/>
-              <a:t> </a:t>
-            </a:r>
-            <a:r>
-              <a:rPr kumimoji="1" lang="en-US" altLang="ko-KR" dirty="0"/>
-              <a:t>binding</a:t>
-            </a:r>
-            <a:r>
-              <a:rPr kumimoji="1" lang="ko-KR" altLang="en-US" dirty="0"/>
-              <a:t>한 후</a:t>
-            </a:r>
-            <a:r>
-              <a:rPr kumimoji="1" lang="en-US" altLang="ko-KR" dirty="0"/>
-              <a:t>,</a:t>
-            </a:r>
-            <a:r>
-              <a:rPr kumimoji="1" lang="ko-KR" altLang="en-US" dirty="0"/>
-              <a:t> </a:t>
-            </a:r>
-            <a:r>
-              <a:rPr kumimoji="1" lang="en-US" altLang="ko-KR" dirty="0"/>
-              <a:t>vertices</a:t>
-            </a:r>
-            <a:r>
-              <a:rPr kumimoji="1" lang="ko-KR" altLang="en-US" dirty="0"/>
-              <a:t> </a:t>
-            </a:r>
-            <a:r>
-              <a:rPr kumimoji="1" lang="en-US" altLang="ko-KR" dirty="0"/>
-              <a:t>array</a:t>
-            </a:r>
-            <a:r>
-              <a:rPr kumimoji="1" lang="ko-KR" altLang="en-US" dirty="0"/>
-              <a:t> 안의 </a:t>
-            </a:r>
-            <a:r>
-              <a:rPr kumimoji="1" lang="en-US" altLang="ko-KR" dirty="0"/>
-              <a:t>vertex coordinates data</a:t>
-            </a:r>
-            <a:r>
-              <a:rPr kumimoji="1" lang="ko-KR" altLang="en-US" dirty="0"/>
-              <a:t>를 </a:t>
-            </a:r>
-            <a:r>
-              <a:rPr kumimoji="1" lang="en-US" altLang="ko-KR" dirty="0"/>
-              <a:t>VBO</a:t>
-            </a:r>
-            <a:r>
-              <a:rPr kumimoji="1" lang="ko-KR" altLang="en-US" dirty="0"/>
-              <a:t>에 </a:t>
-            </a:r>
-            <a:r>
-              <a:rPr kumimoji="1" lang="en-US" altLang="ko-KR" dirty="0"/>
-              <a:t>copy</a:t>
-            </a:r>
-            <a:r>
-              <a:rPr kumimoji="1" lang="ko-KR" altLang="en-US" dirty="0"/>
-              <a:t>합니다</a:t>
-            </a:r>
-            <a:r>
-              <a:rPr kumimoji="1" lang="en-US" altLang="ko-KR" dirty="0"/>
-              <a:t>.</a:t>
-            </a:r>
-            <a:r>
-              <a:rPr kumimoji="1" lang="ko-KR" altLang="en-US" dirty="0"/>
-              <a:t> </a:t>
-            </a:r>
-            <a:r>
-              <a:rPr kumimoji="1" lang="en-US" altLang="ko-KR" dirty="0"/>
-              <a:t>gl.bindBuffer</a:t>
-            </a:r>
-            <a:r>
-              <a:rPr kumimoji="1" lang="ko-KR" altLang="en-US" dirty="0"/>
-              <a:t>와 </a:t>
-            </a:r>
-            <a:r>
-              <a:rPr kumimoji="1" lang="en-US" altLang="ko-KR" dirty="0"/>
-              <a:t>gl.bufferData </a:t>
-            </a:r>
-            <a:r>
-              <a:rPr kumimoji="1" lang="ko-KR" altLang="en-US" dirty="0"/>
-              <a:t>함수에서 </a:t>
-            </a:r>
-            <a:r>
-              <a:rPr kumimoji="1" lang="en-US" altLang="ko-KR" dirty="0"/>
-              <a:t>gl.ARRAY_BUFFER flag</a:t>
-            </a:r>
-            <a:r>
-              <a:rPr kumimoji="1" lang="ko-KR" altLang="en-US" dirty="0"/>
-              <a:t>가 쓰여서 </a:t>
-            </a:r>
-            <a:r>
-              <a:rPr kumimoji="1" lang="en-US" altLang="ko-KR" dirty="0"/>
-              <a:t>VBO</a:t>
-            </a:r>
-            <a:r>
-              <a:rPr kumimoji="1" lang="ko-KR" altLang="en-US" dirty="0"/>
-              <a:t>의 </a:t>
-            </a:r>
-            <a:r>
-              <a:rPr kumimoji="1" lang="en-US" altLang="ko-KR" dirty="0"/>
-              <a:t>data</a:t>
-            </a:r>
-            <a:r>
-              <a:rPr kumimoji="1" lang="ko-KR" altLang="en-US" dirty="0"/>
-              <a:t>가 </a:t>
-            </a:r>
-            <a:r>
-              <a:rPr kumimoji="1" lang="en-US" altLang="ko-KR" dirty="0"/>
-              <a:t>vertex coordinates</a:t>
-            </a:r>
-            <a:r>
-              <a:rPr kumimoji="1" lang="ko-KR" altLang="en-US" dirty="0"/>
-              <a:t>임을 나타내고 있음에 유의합니다</a:t>
-            </a:r>
-            <a:r>
-              <a:rPr kumimoji="1" lang="en-US" altLang="ko-KR" dirty="0"/>
-              <a:t>.</a:t>
-            </a:r>
-            <a:r>
-              <a:rPr kumimoji="1" lang="ko-KR" altLang="en-US" dirty="0"/>
-              <a:t> </a:t>
-            </a:r>
-            <a:endParaRPr kumimoji="1" lang="en-US" altLang="ko-KR" dirty="0"/>
-          </a:p>
-          <a:p>
-            <a:r>
-              <a:rPr kumimoji="1" lang="en-US" altLang="ko-KR" dirty="0"/>
-              <a:t>VBO data</a:t>
-            </a:r>
-            <a:r>
-              <a:rPr kumimoji="1" lang="ko-KR" altLang="en-US" dirty="0"/>
-              <a:t>를 </a:t>
-            </a:r>
-            <a:r>
-              <a:rPr kumimoji="1" lang="en-US" altLang="ko-KR" dirty="0"/>
-              <a:t>shader</a:t>
-            </a:r>
-            <a:r>
-              <a:rPr kumimoji="1" lang="ko-KR" altLang="en-US" dirty="0"/>
-              <a:t>의 </a:t>
-            </a:r>
-            <a:r>
-              <a:rPr kumimoji="1" lang="en-US" altLang="ko-KR" dirty="0"/>
-              <a:t>vertex attribute </a:t>
-            </a:r>
-            <a:r>
-              <a:rPr kumimoji="1" lang="ko-KR" altLang="en-US" dirty="0"/>
-              <a:t>변수에 </a:t>
-            </a:r>
-            <a:r>
-              <a:rPr kumimoji="1" lang="en-US" altLang="ko-KR" dirty="0"/>
-              <a:t>mapping</a:t>
-            </a:r>
-            <a:r>
-              <a:rPr kumimoji="1" lang="ko-KR" altLang="en-US" dirty="0"/>
-              <a:t>해 주는 </a:t>
-            </a:r>
-            <a:r>
-              <a:rPr kumimoji="1" lang="en-US" altLang="ko-KR" dirty="0"/>
-              <a:t>part</a:t>
-            </a:r>
-            <a:r>
-              <a:rPr kumimoji="1" lang="ko-KR" altLang="en-US" dirty="0"/>
-              <a:t>는 </a:t>
-            </a:r>
-            <a:r>
-              <a:rPr kumimoji="1" lang="en-US" altLang="ko-KR" dirty="0"/>
-              <a:t>Program02</a:t>
-            </a:r>
-            <a:r>
-              <a:rPr kumimoji="1" lang="ko-KR" altLang="en-US" dirty="0"/>
-              <a:t>와 정확히 같습니다</a:t>
-            </a:r>
-            <a:r>
-              <a:rPr kumimoji="1" lang="en-US" altLang="ko-KR" dirty="0"/>
-              <a:t>.</a:t>
-            </a:r>
-            <a:r>
-              <a:rPr kumimoji="1" lang="ko-KR" altLang="en-US" dirty="0"/>
-              <a:t> </a:t>
-            </a:r>
-            <a:r>
-              <a:rPr kumimoji="1" lang="en-US" altLang="ko-KR" dirty="0"/>
-              <a:t>vertex coordinates</a:t>
-            </a:r>
-            <a:r>
-              <a:rPr kumimoji="1" lang="ko-KR" altLang="en-US" dirty="0"/>
-              <a:t>인 </a:t>
-            </a:r>
-            <a:r>
-              <a:rPr kumimoji="1" lang="en-US" altLang="ko-KR" dirty="0"/>
-              <a:t>attribute</a:t>
-            </a:r>
-            <a:r>
-              <a:rPr kumimoji="1" lang="ko-KR" altLang="en-US" dirty="0"/>
-              <a:t>는 </a:t>
-            </a:r>
-            <a:r>
-              <a:rPr kumimoji="1" lang="en-US" altLang="ko-KR" dirty="0"/>
-              <a:t>shader</a:t>
-            </a:r>
-            <a:r>
-              <a:rPr kumimoji="1" lang="ko-KR" altLang="en-US" dirty="0"/>
-              <a:t> 내의 </a:t>
-            </a:r>
-            <a:r>
-              <a:rPr kumimoji="1" lang="en-US" altLang="ko-KR" dirty="0"/>
-              <a:t>0</a:t>
-            </a:r>
-            <a:r>
-              <a:rPr kumimoji="1" lang="ko-KR" altLang="en-US" dirty="0"/>
-              <a:t>번 </a:t>
-            </a:r>
-            <a:r>
-              <a:rPr kumimoji="1" lang="en-US" altLang="ko-KR" dirty="0"/>
-              <a:t>index</a:t>
-            </a:r>
-            <a:r>
-              <a:rPr kumimoji="1" lang="ko-KR" altLang="en-US" dirty="0"/>
-              <a:t>로 </a:t>
-            </a:r>
-            <a:r>
-              <a:rPr kumimoji="1" lang="en-US" altLang="ko-KR" dirty="0"/>
-              <a:t>mapping</a:t>
-            </a:r>
-            <a:r>
-              <a:rPr kumimoji="1" lang="ko-KR" altLang="en-US" dirty="0"/>
-              <a:t>됩니다</a:t>
-            </a:r>
-            <a:r>
-              <a:rPr kumimoji="1" lang="en-US" altLang="ko-KR" dirty="0"/>
-              <a:t>.</a:t>
-            </a:r>
-            <a:r>
-              <a:rPr kumimoji="1" lang="ko-KR" altLang="en-US" dirty="0"/>
-              <a:t> </a:t>
-            </a:r>
-            <a:endParaRPr kumimoji="1" lang="en-US" altLang="ko-KR" dirty="0"/>
-          </a:p>
-          <a:p>
-            <a:r>
-              <a:rPr kumimoji="1" lang="ko-KR" altLang="en-US" dirty="0"/>
-              <a:t>이후에 하나의 </a:t>
-            </a:r>
-            <a:r>
-              <a:rPr kumimoji="1" lang="en-US" altLang="ko-KR" dirty="0"/>
-              <a:t>step</a:t>
-            </a:r>
-            <a:r>
-              <a:rPr kumimoji="1" lang="ko-KR" altLang="en-US" dirty="0"/>
-              <a:t>이 더 필요하게 되는데</a:t>
-            </a:r>
-            <a:r>
-              <a:rPr kumimoji="1" lang="en-US" altLang="ko-KR" dirty="0"/>
-              <a:t>,</a:t>
-            </a:r>
-            <a:r>
-              <a:rPr kumimoji="1" lang="ko-KR" altLang="en-US" dirty="0"/>
-              <a:t> </a:t>
-            </a:r>
-            <a:r>
-              <a:rPr kumimoji="1" lang="en-US" altLang="ko-KR" dirty="0"/>
-              <a:t>index</a:t>
-            </a:r>
-            <a:r>
-              <a:rPr kumimoji="1" lang="ko-KR" altLang="en-US" dirty="0"/>
-              <a:t>를 </a:t>
-            </a:r>
-            <a:r>
-              <a:rPr kumimoji="1" lang="en-US" altLang="ko-KR" dirty="0"/>
-              <a:t>GPU</a:t>
-            </a:r>
-            <a:r>
-              <a:rPr kumimoji="1" lang="ko-KR" altLang="en-US" dirty="0"/>
-              <a:t>의 </a:t>
-            </a:r>
-            <a:r>
-              <a:rPr kumimoji="1" lang="en-US" altLang="ko-KR" dirty="0"/>
-              <a:t>buffer</a:t>
-            </a:r>
-            <a:r>
-              <a:rPr kumimoji="1" lang="ko-KR" altLang="en-US" dirty="0"/>
-              <a:t>에 </a:t>
-            </a:r>
-            <a:r>
-              <a:rPr kumimoji="1" lang="en-US" altLang="ko-KR" dirty="0"/>
-              <a:t>copy</a:t>
-            </a:r>
-            <a:r>
-              <a:rPr kumimoji="1" lang="ko-KR" altLang="en-US" dirty="0"/>
-              <a:t>해 주는 과정입니다</a:t>
-            </a:r>
-            <a:r>
-              <a:rPr kumimoji="1" lang="en-US" altLang="ko-KR" dirty="0"/>
-              <a:t>.</a:t>
-            </a:r>
-            <a:r>
-              <a:rPr kumimoji="1" lang="ko-KR" altLang="en-US" dirty="0"/>
-              <a:t> </a:t>
-            </a:r>
-            <a:r>
-              <a:rPr kumimoji="1" lang="en-US" altLang="ko-KR" dirty="0"/>
-              <a:t>fillIndexBuffer</a:t>
-            </a:r>
-            <a:r>
-              <a:rPr kumimoji="1" lang="ko-KR" altLang="en-US" dirty="0"/>
-              <a:t>라는 </a:t>
-            </a:r>
-            <a:r>
-              <a:rPr kumimoji="1" lang="en-US" altLang="ko-KR" dirty="0"/>
-              <a:t>GPU</a:t>
-            </a:r>
-            <a:r>
-              <a:rPr kumimoji="1" lang="ko-KR" altLang="en-US" dirty="0"/>
-              <a:t>내의 </a:t>
-            </a:r>
-            <a:r>
-              <a:rPr kumimoji="1" lang="en-US" altLang="ko-KR" dirty="0"/>
-              <a:t>buffer</a:t>
-            </a:r>
-            <a:r>
-              <a:rPr kumimoji="1" lang="ko-KR" altLang="en-US" dirty="0"/>
-              <a:t>를 하나 생성하는데</a:t>
-            </a:r>
-            <a:r>
-              <a:rPr kumimoji="1" lang="en-US" altLang="ko-KR" dirty="0"/>
-              <a:t>,</a:t>
-            </a:r>
-            <a:r>
-              <a:rPr kumimoji="1" lang="ko-KR" altLang="en-US" dirty="0"/>
-              <a:t> 이 때에는 </a:t>
-            </a:r>
-            <a:r>
-              <a:rPr kumimoji="1" lang="en-US" altLang="ko-KR" dirty="0"/>
-              <a:t>VBO</a:t>
-            </a:r>
-            <a:r>
-              <a:rPr kumimoji="1" lang="ko-KR" altLang="en-US" dirty="0"/>
-              <a:t>를 생성할 때 사용하였던  </a:t>
-            </a:r>
-            <a:r>
-              <a:rPr kumimoji="1" lang="en-US" altLang="ko-KR" dirty="0"/>
-              <a:t>gl.createBuffer() </a:t>
-            </a:r>
-            <a:r>
-              <a:rPr kumimoji="1" lang="ko-KR" altLang="en-US" dirty="0"/>
-              <a:t>함수를 다시 사용합니다</a:t>
-            </a:r>
-            <a:r>
-              <a:rPr kumimoji="1" lang="en-US" altLang="ko-KR" dirty="0"/>
-              <a:t>.</a:t>
-            </a:r>
-            <a:r>
-              <a:rPr kumimoji="1" lang="ko-KR" altLang="en-US" dirty="0"/>
-              <a:t> 그런데 이 </a:t>
-            </a:r>
-            <a:r>
-              <a:rPr kumimoji="1" lang="en-US" altLang="ko-KR" dirty="0"/>
-              <a:t>buffer</a:t>
-            </a:r>
-            <a:r>
-              <a:rPr kumimoji="1" lang="ko-KR" altLang="en-US" dirty="0"/>
-              <a:t>에는 </a:t>
-            </a:r>
-            <a:r>
-              <a:rPr kumimoji="1" lang="en-US" altLang="ko-KR" dirty="0"/>
-              <a:t>coordinates</a:t>
-            </a:r>
-            <a:r>
-              <a:rPr kumimoji="1" lang="ko-KR" altLang="en-US" dirty="0"/>
-              <a:t>나 </a:t>
-            </a:r>
-            <a:r>
-              <a:rPr kumimoji="1" lang="en-US" altLang="ko-KR" dirty="0"/>
-              <a:t>attribute </a:t>
-            </a:r>
-            <a:r>
-              <a:rPr kumimoji="1" lang="ko-KR" altLang="en-US" dirty="0"/>
-              <a:t>값이 직접 </a:t>
-            </a:r>
-            <a:r>
-              <a:rPr kumimoji="1" lang="en-US" altLang="ko-KR" dirty="0"/>
-              <a:t>copy</a:t>
-            </a:r>
-            <a:r>
-              <a:rPr kumimoji="1" lang="ko-KR" altLang="en-US" dirty="0"/>
-              <a:t>되는 것이 아니라 </a:t>
-            </a:r>
-            <a:r>
-              <a:rPr kumimoji="1" lang="en-US" altLang="ko-KR" dirty="0"/>
-              <a:t>index</a:t>
-            </a:r>
-            <a:r>
-              <a:rPr kumimoji="1" lang="ko-KR" altLang="en-US" dirty="0"/>
-              <a:t>가 </a:t>
-            </a:r>
-            <a:r>
-              <a:rPr kumimoji="1" lang="en-US" altLang="ko-KR" dirty="0"/>
-              <a:t>copy</a:t>
-            </a:r>
-            <a:r>
-              <a:rPr kumimoji="1" lang="ko-KR" altLang="en-US" dirty="0"/>
-              <a:t>될 것이기 때문에 </a:t>
-            </a:r>
-            <a:r>
-              <a:rPr kumimoji="1" lang="en-US" altLang="ko-KR" dirty="0"/>
-              <a:t>VBO</a:t>
-            </a:r>
-            <a:r>
-              <a:rPr kumimoji="1" lang="ko-KR" altLang="en-US" dirty="0"/>
-              <a:t>와 구별하여 </a:t>
-            </a:r>
-            <a:r>
-              <a:rPr kumimoji="1" lang="en-US" altLang="ko-KR" dirty="0"/>
-              <a:t>EBO (Element Buffer Object)</a:t>
-            </a:r>
-            <a:r>
-              <a:rPr kumimoji="1" lang="ko-KR" altLang="en-US" dirty="0" err="1"/>
-              <a:t>라고</a:t>
-            </a:r>
-            <a:r>
-              <a:rPr kumimoji="1" lang="ko-KR" altLang="en-US" dirty="0"/>
-              <a:t> 부릅니다</a:t>
-            </a:r>
-            <a:r>
-              <a:rPr kumimoji="1" lang="en-US" altLang="ko-KR" dirty="0"/>
-              <a:t>.</a:t>
-            </a:r>
-            <a:r>
-              <a:rPr kumimoji="1" lang="ko-KR" altLang="en-US" dirty="0"/>
-              <a:t> 생성된 </a:t>
-            </a:r>
-            <a:r>
-              <a:rPr kumimoji="1" lang="en-US" altLang="ko-KR" dirty="0"/>
-              <a:t>EBO</a:t>
-            </a:r>
-            <a:r>
-              <a:rPr kumimoji="1" lang="ko-KR" altLang="en-US" dirty="0"/>
-              <a:t>를 </a:t>
-            </a:r>
-            <a:r>
-              <a:rPr kumimoji="1" lang="en-US" altLang="ko-KR" dirty="0"/>
-              <a:t>binding</a:t>
-            </a:r>
-            <a:r>
-              <a:rPr kumimoji="1" lang="ko-KR" altLang="en-US" dirty="0"/>
-              <a:t>하고 </a:t>
-            </a:r>
-            <a:r>
-              <a:rPr kumimoji="1" lang="en-US" altLang="ko-KR" dirty="0"/>
-              <a:t>index array</a:t>
-            </a:r>
-            <a:r>
-              <a:rPr kumimoji="1" lang="ko-KR" altLang="en-US" dirty="0"/>
-              <a:t>인 </a:t>
-            </a:r>
-            <a:r>
-              <a:rPr kumimoji="1" lang="en-US" altLang="ko-KR" dirty="0"/>
-              <a:t>fillIndices</a:t>
-            </a:r>
-            <a:r>
-              <a:rPr kumimoji="1" lang="ko-KR" altLang="en-US" dirty="0"/>
-              <a:t>의 </a:t>
-            </a:r>
-            <a:r>
-              <a:rPr kumimoji="1" lang="en-US" altLang="ko-KR" dirty="0"/>
-              <a:t>index</a:t>
-            </a:r>
-            <a:r>
-              <a:rPr kumimoji="1" lang="ko-KR" altLang="en-US" dirty="0"/>
-              <a:t>들을 </a:t>
-            </a:r>
-            <a:r>
-              <a:rPr kumimoji="1" lang="en-US" altLang="ko-KR" dirty="0"/>
-              <a:t>EBO</a:t>
-            </a:r>
-            <a:r>
-              <a:rPr kumimoji="1" lang="ko-KR" altLang="en-US" dirty="0"/>
-              <a:t>에 </a:t>
-            </a:r>
-            <a:r>
-              <a:rPr kumimoji="1" lang="en-US" altLang="ko-KR" dirty="0"/>
-              <a:t>copy</a:t>
-            </a:r>
-            <a:r>
-              <a:rPr kumimoji="1" lang="ko-KR" altLang="en-US" dirty="0"/>
-              <a:t>합니다</a:t>
-            </a:r>
-            <a:r>
-              <a:rPr kumimoji="1" lang="en-US" altLang="ko-KR" dirty="0"/>
-              <a:t>.</a:t>
-            </a:r>
-            <a:r>
-              <a:rPr kumimoji="1" lang="ko-KR" altLang="en-US" dirty="0"/>
-              <a:t> 이 때 </a:t>
-            </a:r>
-            <a:r>
-              <a:rPr kumimoji="1" lang="en-US" altLang="ko-KR" dirty="0"/>
-              <a:t>gl.ELEMENT_ARRAY_BUFFER flag</a:t>
-            </a:r>
-            <a:r>
-              <a:rPr kumimoji="1" lang="ko-KR" altLang="en-US" dirty="0"/>
-              <a:t>가 쓰여서 현재 </a:t>
-            </a:r>
-            <a:r>
-              <a:rPr kumimoji="1" lang="en-US" altLang="ko-KR" dirty="0"/>
-              <a:t>binding</a:t>
-            </a:r>
-            <a:r>
-              <a:rPr kumimoji="1" lang="ko-KR" altLang="en-US" dirty="0"/>
-              <a:t>된 </a:t>
-            </a:r>
-            <a:r>
-              <a:rPr kumimoji="1" lang="en-US" altLang="ko-KR" dirty="0"/>
-              <a:t>buffer</a:t>
-            </a:r>
-            <a:r>
-              <a:rPr kumimoji="1" lang="ko-KR" altLang="en-US" dirty="0"/>
-              <a:t>의 내용이 </a:t>
-            </a:r>
-            <a:r>
-              <a:rPr kumimoji="1" lang="en-US" altLang="ko-KR" dirty="0"/>
-              <a:t>index</a:t>
-            </a:r>
-            <a:r>
-              <a:rPr kumimoji="1" lang="ko-KR" altLang="en-US" dirty="0"/>
-              <a:t>임을 나타내고 있습니다</a:t>
-            </a:r>
-            <a:r>
-              <a:rPr kumimoji="1" lang="en-US" altLang="ko-KR" dirty="0"/>
-              <a:t>.</a:t>
-            </a:r>
-            <a:r>
-              <a:rPr kumimoji="1" lang="ko-KR" altLang="en-US" dirty="0"/>
-              <a:t> </a:t>
-            </a:r>
-            <a:endParaRPr kumimoji="1" lang="en-US" altLang="ko-KR" dirty="0"/>
-          </a:p>
-          <a:p>
             <a:endParaRPr kumimoji="1" lang="en-US" altLang="ko-KR" dirty="0"/>
           </a:p>
         </p:txBody>
@@ -1990,7 +2162,7 @@
     </p:spTree>
     <p:extLst>
       <p:ext uri="{BB962C8B-B14F-4D97-AF65-F5344CB8AC3E}">
-        <p14:creationId xmlns:p14="http://schemas.microsoft.com/office/powerpoint/2010/main" val="1728328870"/>
+        <p14:creationId xmlns:p14="http://schemas.microsoft.com/office/powerpoint/2010/main" val="3698294092"/>
       </p:ext>
     </p:extLst>
   </p:cSld>
@@ -2001,318 +2173,6 @@
 </file>
 
 <file path=ppt/notesSlides/notesSlide5.xml><?xml version="1.0" encoding="utf-8"?>
-<p:notes xmlns:a="http://schemas.openxmlformats.org/drawingml/2006/main" xmlns:r="http://schemas.openxmlformats.org/officeDocument/2006/relationships" xmlns:p="http://schemas.openxmlformats.org/presentationml/2006/main">
-  <p:cSld>
-    <p:spTree>
-      <p:nvGrpSpPr>
-        <p:cNvPr id="1" name=""/>
-        <p:cNvGrpSpPr/>
-        <p:nvPr/>
-      </p:nvGrpSpPr>
-      <p:grpSpPr>
-        <a:xfrm>
-          <a:off x="0" y="0"/>
-          <a:ext cx="0" cy="0"/>
-          <a:chOff x="0" y="0"/>
-          <a:chExt cx="0" cy="0"/>
-        </a:xfrm>
-      </p:grpSpPr>
-      <p:sp>
-        <p:nvSpPr>
-          <p:cNvPr id="2" name="슬라이드 이미지 개체 틀 1"/>
-          <p:cNvSpPr>
-            <a:spLocks noGrp="1" noRot="1" noChangeAspect="1"/>
-          </p:cNvSpPr>
-          <p:nvPr>
-            <p:ph type="sldImg"/>
-          </p:nvPr>
-        </p:nvSpPr>
-        <p:spPr/>
-      </p:sp>
-      <p:sp>
-        <p:nvSpPr>
-          <p:cNvPr id="3" name="슬라이드 노트 개체 틀 2"/>
-          <p:cNvSpPr>
-            <a:spLocks noGrp="1"/>
-          </p:cNvSpPr>
-          <p:nvPr>
-            <p:ph type="body" idx="1"/>
-          </p:nvPr>
-        </p:nvSpPr>
-        <p:spPr/>
-        <p:txBody>
-          <a:bodyPr/>
-          <a:lstStyle/>
-          <a:p>
-            <a:r>
-              <a:rPr kumimoji="1" lang="ko-KR" altLang="en-US" dirty="0"/>
-              <a:t>이 프로그램에는 두 개의 </a:t>
-            </a:r>
-            <a:r>
-              <a:rPr kumimoji="1" lang="en-US" altLang="ko-KR" dirty="0"/>
-              <a:t>shader program</a:t>
-            </a:r>
-            <a:r>
-              <a:rPr kumimoji="1" lang="ko-KR" altLang="en-US" dirty="0"/>
-              <a:t>을 서로 다른 용도로 사용하고 있습니다</a:t>
-            </a:r>
-            <a:r>
-              <a:rPr kumimoji="1" lang="en-US" altLang="ko-KR" dirty="0"/>
-              <a:t>.</a:t>
-            </a:r>
-            <a:r>
-              <a:rPr kumimoji="1" lang="ko-KR" altLang="en-US" dirty="0"/>
-              <a:t> </a:t>
-            </a:r>
-            <a:endParaRPr kumimoji="1" lang="en-US" altLang="ko-KR" dirty="0"/>
-          </a:p>
-          <a:p>
-            <a:r>
-              <a:rPr kumimoji="1" lang="en-US" altLang="ko-KR" dirty="0"/>
-              <a:t>shader program1</a:t>
-            </a:r>
-            <a:r>
-              <a:rPr kumimoji="1" lang="ko-KR" altLang="en-US" dirty="0"/>
-              <a:t>은 삼각형을 </a:t>
-            </a:r>
-            <a:r>
-              <a:rPr kumimoji="1" lang="en-US" altLang="ko-KR" dirty="0"/>
-              <a:t>orange color</a:t>
-            </a:r>
-            <a:r>
-              <a:rPr kumimoji="1" lang="ko-KR" altLang="en-US" dirty="0"/>
-              <a:t>로 </a:t>
-            </a:r>
-            <a:r>
-              <a:rPr kumimoji="1" lang="en-US" altLang="ko-KR" dirty="0"/>
-              <a:t>fill</a:t>
-            </a:r>
-            <a:r>
-              <a:rPr kumimoji="1" lang="ko-KR" altLang="en-US" dirty="0"/>
-              <a:t>할 때 사용하며</a:t>
-            </a:r>
-            <a:r>
-              <a:rPr kumimoji="1" lang="en-US" altLang="ko-KR" dirty="0"/>
-              <a:t>,</a:t>
-            </a:r>
-            <a:r>
-              <a:rPr kumimoji="1" lang="ko-KR" altLang="en-US" dirty="0"/>
-              <a:t> </a:t>
-            </a:r>
-            <a:endParaRPr kumimoji="1" lang="en-US" altLang="ko-KR" dirty="0"/>
-          </a:p>
-          <a:p>
-            <a:r>
-              <a:rPr kumimoji="1" lang="en-US" altLang="ko-KR" dirty="0"/>
-              <a:t>shader program2</a:t>
-            </a:r>
-            <a:r>
-              <a:rPr kumimoji="1" lang="ko-KR" altLang="en-US" dirty="0"/>
-              <a:t>는 삼각형을 </a:t>
-            </a:r>
-            <a:r>
-              <a:rPr kumimoji="1" lang="en-US" altLang="ko-KR" dirty="0"/>
-              <a:t>gray color</a:t>
-            </a:r>
-            <a:r>
-              <a:rPr kumimoji="1" lang="ko-KR" altLang="en-US" dirty="0"/>
-              <a:t>로 </a:t>
-            </a:r>
-            <a:r>
-              <a:rPr kumimoji="1" lang="en-US" altLang="ko-KR" dirty="0"/>
-              <a:t>edge line</a:t>
-            </a:r>
-            <a:r>
-              <a:rPr kumimoji="1" lang="ko-KR" altLang="en-US" dirty="0"/>
-              <a:t>만을 그릴 때 사용하게 됩니다</a:t>
-            </a:r>
-            <a:r>
-              <a:rPr kumimoji="1" lang="en-US" altLang="ko-KR" dirty="0"/>
-              <a:t>.</a:t>
-            </a:r>
-            <a:r>
-              <a:rPr kumimoji="1" lang="ko-KR" altLang="en-US" dirty="0"/>
-              <a:t> </a:t>
-            </a:r>
-            <a:endParaRPr kumimoji="1" lang="en-US" altLang="ko-KR" dirty="0"/>
-          </a:p>
-          <a:p>
-            <a:pPr marL="228600" indent="-228600">
-              <a:buFont typeface="+mj-lt"/>
-              <a:buAutoNum type="arabicPeriod"/>
-            </a:pPr>
-            <a:r>
-              <a:rPr kumimoji="1" lang="ko-KR" altLang="en-US" dirty="0"/>
-              <a:t>두 개의 </a:t>
-            </a:r>
-            <a:r>
-              <a:rPr kumimoji="1" lang="en-US" altLang="ko-KR" dirty="0"/>
-              <a:t>shader program</a:t>
-            </a:r>
-            <a:r>
-              <a:rPr kumimoji="1" lang="ko-KR" altLang="en-US" dirty="0"/>
-              <a:t>들은 같은 </a:t>
-            </a:r>
-            <a:r>
-              <a:rPr kumimoji="1" lang="en-US" altLang="ko-KR" dirty="0"/>
-              <a:t>vertex coordinates</a:t>
-            </a:r>
-            <a:r>
-              <a:rPr kumimoji="1" lang="ko-KR" altLang="en-US" dirty="0"/>
-              <a:t>를 사용하고 있으므로</a:t>
-            </a:r>
-            <a:r>
-              <a:rPr kumimoji="1" lang="en-US" altLang="ko-KR" dirty="0"/>
-              <a:t>,</a:t>
-            </a:r>
-            <a:r>
-              <a:rPr kumimoji="1" lang="ko-KR" altLang="en-US" dirty="0"/>
-              <a:t> </a:t>
-            </a:r>
-            <a:r>
-              <a:rPr kumimoji="1" lang="en-US" altLang="ko-KR" dirty="0"/>
-              <a:t>vertex shader object</a:t>
-            </a:r>
-            <a:r>
-              <a:rPr kumimoji="1" lang="ko-KR" altLang="en-US" dirty="0"/>
-              <a:t>는 공유하고 있습니다</a:t>
-            </a:r>
-            <a:r>
-              <a:rPr kumimoji="1" lang="en-US" altLang="ko-KR" dirty="0"/>
-              <a:t>.</a:t>
-            </a:r>
-            <a:r>
-              <a:rPr kumimoji="1" lang="ko-KR" altLang="en-US" dirty="0"/>
-              <a:t> </a:t>
-            </a:r>
-            <a:endParaRPr kumimoji="1" lang="en-US" altLang="ko-KR" dirty="0"/>
-          </a:p>
-          <a:p>
-            <a:pPr marL="228600" indent="-228600">
-              <a:buFont typeface="+mj-lt"/>
-              <a:buAutoNum type="arabicPeriod"/>
-            </a:pPr>
-            <a:r>
-              <a:rPr kumimoji="1" lang="en-US" altLang="ko-KR" dirty="0"/>
-              <a:t>shader program1</a:t>
-            </a:r>
-            <a:r>
-              <a:rPr kumimoji="1" lang="ko-KR" altLang="en-US" dirty="0"/>
-              <a:t>은 </a:t>
-            </a:r>
-            <a:r>
-              <a:rPr kumimoji="1" lang="en-US" altLang="ko-KR" dirty="0"/>
-              <a:t>vertexShader</a:t>
-            </a:r>
-            <a:r>
-              <a:rPr kumimoji="1" lang="ko-KR" altLang="en-US" dirty="0"/>
-              <a:t>와 </a:t>
-            </a:r>
-            <a:r>
-              <a:rPr kumimoji="1" lang="en-US" altLang="ko-KR" dirty="0" err="1"/>
-              <a:t>fragmentShaderOrange</a:t>
-            </a:r>
-            <a:r>
-              <a:rPr kumimoji="1" lang="ko-KR" altLang="en-US" dirty="0"/>
-              <a:t>를 </a:t>
-            </a:r>
-            <a:r>
-              <a:rPr kumimoji="1" lang="en-US" altLang="ko-KR" dirty="0"/>
-              <a:t>link</a:t>
-            </a:r>
-            <a:r>
-              <a:rPr kumimoji="1" lang="ko-KR" altLang="en-US" dirty="0"/>
-              <a:t>하여 생성하며</a:t>
-            </a:r>
-            <a:r>
-              <a:rPr kumimoji="1" lang="en-US" altLang="ko-KR" dirty="0"/>
-              <a:t>,</a:t>
-            </a:r>
-            <a:r>
-              <a:rPr kumimoji="1" lang="ko-KR" altLang="en-US" dirty="0"/>
-              <a:t> </a:t>
-            </a:r>
-            <a:r>
-              <a:rPr kumimoji="1" lang="en-US" altLang="ko-KR" dirty="0"/>
-              <a:t>shader program2</a:t>
-            </a:r>
-            <a:r>
-              <a:rPr kumimoji="1" lang="ko-KR" altLang="en-US" dirty="0"/>
-              <a:t>는 </a:t>
-            </a:r>
-            <a:r>
-              <a:rPr kumimoji="1" lang="en-US" altLang="ko-KR" dirty="0"/>
-              <a:t>vertexShader</a:t>
-            </a:r>
-            <a:r>
-              <a:rPr kumimoji="1" lang="ko-KR" altLang="en-US" dirty="0"/>
-              <a:t>와 </a:t>
-            </a:r>
-            <a:r>
-              <a:rPr kumimoji="1" lang="en-US" altLang="ko-KR" dirty="0" err="1"/>
-              <a:t>fragmentShaderGray</a:t>
-            </a:r>
-            <a:r>
-              <a:rPr kumimoji="1" lang="ko-KR" altLang="en-US" dirty="0"/>
-              <a:t>를 </a:t>
-            </a:r>
-            <a:r>
-              <a:rPr kumimoji="1" lang="en-US" altLang="ko-KR" dirty="0"/>
-              <a:t>link</a:t>
-            </a:r>
-            <a:r>
-              <a:rPr kumimoji="1" lang="ko-KR" altLang="en-US" dirty="0"/>
-              <a:t>하여 생성하고 있습니다</a:t>
-            </a:r>
-            <a:r>
-              <a:rPr kumimoji="1" lang="en-US" altLang="ko-KR" dirty="0"/>
-              <a:t>.</a:t>
-            </a:r>
-            <a:r>
-              <a:rPr kumimoji="1" lang="ko-KR" altLang="en-US" dirty="0"/>
-              <a:t> </a:t>
-            </a:r>
-            <a:endParaRPr kumimoji="1" lang="en-US" altLang="ko-KR" dirty="0"/>
-          </a:p>
-        </p:txBody>
-      </p:sp>
-      <p:sp>
-        <p:nvSpPr>
-          <p:cNvPr id="4" name="슬라이드 번호 개체 틀 3"/>
-          <p:cNvSpPr>
-            <a:spLocks noGrp="1"/>
-          </p:cNvSpPr>
-          <p:nvPr>
-            <p:ph type="sldNum" sz="quarter" idx="5"/>
-          </p:nvPr>
-        </p:nvSpPr>
-        <p:spPr/>
-        <p:txBody>
-          <a:bodyPr/>
-          <a:lstStyle/>
-          <a:p>
-            <a:fld id="{515CD10E-49FF-8C40-B7F3-CA6239B459A9}" type="slidenum">
-              <a:rPr kumimoji="1" lang="ko-KR" altLang="en-US" smtClean="0"/>
-              <a:t>5</a:t>
-            </a:fld>
-            <a:endParaRPr kumimoji="1" lang="ko-KR" altLang="en-US"/>
-          </a:p>
-        </p:txBody>
-      </p:sp>
-    </p:spTree>
-    <p:extLst>
-      <p:ext uri="{BB962C8B-B14F-4D97-AF65-F5344CB8AC3E}">
-        <p14:creationId xmlns:p14="http://schemas.microsoft.com/office/powerpoint/2010/main" val="3698294092"/>
-      </p:ext>
-    </p:extLst>
-  </p:cSld>
-  <p:clrMapOvr>
-    <a:masterClrMapping/>
-  </p:clrMapOvr>
-</p:notes>
-</file>
-
-<file path=ppt/notesSlides/notesSlide6.xml><?xml version="1.0" encoding="utf-8"?>
 <p:notes xmlns:a="http://schemas.openxmlformats.org/drawingml/2006/main" xmlns:r="http://schemas.openxmlformats.org/officeDocument/2006/relationships" xmlns:p="http://schemas.openxmlformats.org/presentationml/2006/main">
   <p:cSld>
     <p:spTree>
@@ -2448,11 +2308,11 @@
             </a:r>
             <a:r>
               <a:rPr kumimoji="1" lang="ko-KR" altLang="en-US" dirty="0"/>
-              <a:t>를 사용하며</a:t>
-            </a:r>
-            <a:r>
-              <a:rPr kumimoji="1" lang="en-US" altLang="ko-KR" dirty="0"/>
-              <a:t>,</a:t>
+              <a:t>를 사용합니다</a:t>
+            </a:r>
+            <a:r>
+              <a:rPr kumimoji="1" lang="en-US" altLang="ko-KR" dirty="0"/>
+              <a:t>.</a:t>
             </a:r>
             <a:r>
               <a:rPr kumimoji="1" lang="ko-KR" altLang="en-US" dirty="0"/>
@@ -2467,6 +2327,117 @@
             </a:pPr>
             <a:r>
               <a:rPr kumimoji="1" lang="en-US" altLang="ko-KR" dirty="0"/>
+              <a:t>02</a:t>
+            </a:r>
+            <a:r>
+              <a:rPr kumimoji="1" lang="ko-KR" altLang="en-US" dirty="0"/>
+              <a:t>번 프로그램과 달리 이 프로그램은 </a:t>
+            </a:r>
+            <a:r>
+              <a:rPr kumimoji="1" lang="en-US" altLang="ko-KR" dirty="0"/>
+              <a:t>index</a:t>
+            </a:r>
+            <a:r>
+              <a:rPr kumimoji="1" lang="ko-KR" altLang="en-US" dirty="0"/>
+              <a:t>를 사용하므로 </a:t>
+            </a:r>
+            <a:r>
+              <a:rPr kumimoji="1" lang="en-US" altLang="ko-KR" dirty="0" err="1"/>
+              <a:t>gl.drawArrays</a:t>
+            </a:r>
+            <a:r>
+              <a:rPr kumimoji="1" lang="en-US" altLang="ko-KR" dirty="0"/>
+              <a:t> </a:t>
+            </a:r>
+            <a:r>
+              <a:rPr kumimoji="1" lang="ko-KR" altLang="en-US" dirty="0"/>
+              <a:t>대신 </a:t>
+            </a:r>
+            <a:r>
+              <a:rPr kumimoji="1" lang="en-US" altLang="ko-KR" dirty="0" err="1"/>
+              <a:t>gl.drawElements</a:t>
+            </a:r>
+            <a:r>
+              <a:rPr kumimoji="1" lang="en-US" altLang="ko-KR" dirty="0"/>
+              <a:t> </a:t>
+            </a:r>
+            <a:r>
+              <a:rPr kumimoji="1" lang="ko-KR" altLang="en-US" dirty="0"/>
+              <a:t>함수를 사용합니다</a:t>
+            </a:r>
+            <a:r>
+              <a:rPr kumimoji="1" lang="en-US" altLang="ko-KR" dirty="0"/>
+              <a:t>.</a:t>
+            </a:r>
+            <a:r>
+              <a:rPr kumimoji="1" lang="ko-KR" altLang="en-US" dirty="0"/>
+              <a:t> </a:t>
+            </a:r>
+            <a:r>
+              <a:rPr kumimoji="1" lang="en-US" altLang="ko-KR" dirty="0" err="1"/>
+              <a:t>fillIndicies.length</a:t>
+            </a:r>
+            <a:r>
+              <a:rPr kumimoji="1" lang="ko-KR" altLang="en-US" dirty="0"/>
+              <a:t>는 </a:t>
+            </a:r>
+            <a:r>
+              <a:rPr kumimoji="1" lang="en-US" altLang="ko-KR" dirty="0"/>
+              <a:t>index</a:t>
+            </a:r>
+            <a:r>
+              <a:rPr kumimoji="1" lang="ko-KR" altLang="en-US" dirty="0"/>
+              <a:t>의 </a:t>
+            </a:r>
+            <a:r>
+              <a:rPr kumimoji="1" lang="ko-KR" altLang="en-US" dirty="0" err="1"/>
+              <a:t>갯수를</a:t>
+            </a:r>
+            <a:r>
+              <a:rPr kumimoji="1" lang="ko-KR" altLang="en-US" dirty="0"/>
+              <a:t> 의미하며</a:t>
+            </a:r>
+            <a:r>
+              <a:rPr kumimoji="1" lang="en-US" altLang="ko-KR" dirty="0"/>
+              <a:t>,</a:t>
+            </a:r>
+            <a:r>
+              <a:rPr kumimoji="1" lang="ko-KR" altLang="en-US" dirty="0"/>
+              <a:t> 마지막 </a:t>
+            </a:r>
+            <a:r>
+              <a:rPr kumimoji="1" lang="en-US" altLang="ko-KR" dirty="0"/>
+              <a:t>0</a:t>
+            </a:r>
+            <a:r>
+              <a:rPr kumimoji="1" lang="ko-KR" altLang="en-US" dirty="0"/>
+              <a:t>은 </a:t>
+            </a:r>
+            <a:r>
+              <a:rPr kumimoji="1" lang="en-US" altLang="ko-KR" dirty="0"/>
+              <a:t>buffer</a:t>
+            </a:r>
+            <a:r>
+              <a:rPr kumimoji="1" lang="ko-KR" altLang="en-US" dirty="0"/>
+              <a:t>의</a:t>
+            </a:r>
+            <a:r>
+              <a:rPr kumimoji="1" lang="en-US" altLang="ko-KR" dirty="0"/>
+              <a:t> offset </a:t>
+            </a:r>
+            <a:r>
+              <a:rPr kumimoji="1" lang="ko-KR" altLang="en-US" dirty="0"/>
+              <a:t>입니다 </a:t>
+            </a:r>
+            <a:endParaRPr kumimoji="1" lang="en-US" altLang="ko-KR" dirty="0"/>
+          </a:p>
+          <a:p>
+            <a:pPr marL="228600" indent="-228600">
+              <a:buFont typeface="+mj-lt"/>
+              <a:buAutoNum type="arabicPeriod"/>
+            </a:pPr>
+            <a:r>
+              <a:rPr kumimoji="1" lang="en-US" altLang="ko-KR" dirty="0"/>
               <a:t>line mode</a:t>
             </a:r>
             <a:r>
@@ -2512,6 +2483,33 @@
             <a:r>
               <a:rPr kumimoji="1" lang="ko-KR" altLang="en-US" dirty="0"/>
               <a:t>를 사용하게 됩니다</a:t>
+            </a:r>
+            <a:r>
+              <a:rPr kumimoji="1" lang="en-US" altLang="ko-KR" dirty="0"/>
+              <a:t>.</a:t>
+            </a:r>
+            <a:r>
+              <a:rPr kumimoji="1" lang="ko-KR" altLang="en-US" dirty="0"/>
+              <a:t> </a:t>
+            </a:r>
+            <a:endParaRPr kumimoji="1" lang="en-US" altLang="ko-KR" dirty="0"/>
+          </a:p>
+          <a:p>
+            <a:pPr marL="228600" indent="-228600">
+              <a:buFont typeface="+mj-lt"/>
+              <a:buAutoNum type="arabicPeriod"/>
+            </a:pPr>
+            <a:r>
+              <a:rPr kumimoji="1" lang="ko-KR" altLang="en-US" dirty="0"/>
+              <a:t>역시 </a:t>
+            </a:r>
+            <a:r>
+              <a:rPr kumimoji="1" lang="en-US" altLang="ko-KR" dirty="0" err="1"/>
+              <a:t>gl.drawElements</a:t>
+            </a:r>
+            <a:r>
+              <a:rPr kumimoji="1" lang="ko-KR" altLang="en-US" dirty="0"/>
+              <a:t>를 이용하여 그립니다</a:t>
             </a:r>
             <a:r>
               <a:rPr kumimoji="1" lang="en-US" altLang="ko-KR" dirty="0"/>
@@ -2548,7 +2546,7 @@
           <a:p>
             <a:fld id="{515CD10E-49FF-8C40-B7F3-CA6239B459A9}" type="slidenum">
               <a:rPr kumimoji="1" lang="ko-KR" altLang="en-US" smtClean="0"/>
-              <a:t>6</a:t>
+              <a:t>5</a:t>
             </a:fld>
             <a:endParaRPr kumimoji="1" lang="ko-KR" altLang="en-US"/>
           </a:p>
@@ -2558,6 +2556,431 @@
     <p:extLst>
       <p:ext uri="{BB962C8B-B14F-4D97-AF65-F5344CB8AC3E}">
         <p14:creationId xmlns:p14="http://schemas.microsoft.com/office/powerpoint/2010/main" val="2869217392"/>
+      </p:ext>
+    </p:extLst>
+  </p:cSld>
+  <p:clrMapOvr>
+    <a:masterClrMapping/>
+  </p:clrMapOvr>
+</p:notes>
+</file>
+
+<file path=ppt/notesSlides/notesSlide6.xml><?xml version="1.0" encoding="utf-8"?>
+<p:notes xmlns:a="http://schemas.openxmlformats.org/drawingml/2006/main" xmlns:r="http://schemas.openxmlformats.org/officeDocument/2006/relationships" xmlns:p="http://schemas.openxmlformats.org/presentationml/2006/main">
+  <p:cSld>
+    <p:spTree>
+      <p:nvGrpSpPr>
+        <p:cNvPr id="1" name=""/>
+        <p:cNvGrpSpPr/>
+        <p:nvPr/>
+      </p:nvGrpSpPr>
+      <p:grpSpPr>
+        <a:xfrm>
+          <a:off x="0" y="0"/>
+          <a:ext cx="0" cy="0"/>
+          <a:chOff x="0" y="0"/>
+          <a:chExt cx="0" cy="0"/>
+        </a:xfrm>
+      </p:grpSpPr>
+      <p:sp>
+        <p:nvSpPr>
+          <p:cNvPr id="2" name="슬라이드 이미지 개체 틀 1"/>
+          <p:cNvSpPr>
+            <a:spLocks noGrp="1" noRot="1" noChangeAspect="1"/>
+          </p:cNvSpPr>
+          <p:nvPr>
+            <p:ph type="sldImg"/>
+          </p:nvPr>
+        </p:nvSpPr>
+        <p:spPr/>
+      </p:sp>
+      <p:sp>
+        <p:nvSpPr>
+          <p:cNvPr id="3" name="슬라이드 노트 개체 틀 2"/>
+          <p:cNvSpPr>
+            <a:spLocks noGrp="1"/>
+          </p:cNvSpPr>
+          <p:nvPr>
+            <p:ph type="body" idx="1"/>
+          </p:nvPr>
+        </p:nvSpPr>
+        <p:spPr/>
+        <p:txBody>
+          <a:bodyPr/>
+          <a:lstStyle/>
+          <a:p>
+            <a:pPr marL="228600" indent="-228600">
+              <a:buFont typeface="+mj-lt"/>
+              <a:buAutoNum type="arabicPeriod"/>
+            </a:pPr>
+            <a:r>
+              <a:rPr kumimoji="1" lang="ko-KR" altLang="en-US" dirty="0"/>
+              <a:t>이 프로그램은 이전 프로그램들과 달리 전체적인 </a:t>
+            </a:r>
+            <a:r>
+              <a:rPr kumimoji="1" lang="en-US" altLang="ko-KR" dirty="0"/>
+              <a:t>window size</a:t>
+            </a:r>
+            <a:r>
+              <a:rPr kumimoji="1" lang="ko-KR" altLang="en-US" dirty="0"/>
+              <a:t>를 변경하더라도 </a:t>
+            </a:r>
+            <a:r>
+              <a:rPr kumimoji="1" lang="en-US" altLang="ko-KR" dirty="0"/>
+              <a:t>canvas</a:t>
+            </a:r>
+            <a:r>
+              <a:rPr kumimoji="1" lang="ko-KR" altLang="en-US" dirty="0"/>
+              <a:t>의 가로와 세로의 비율을 원래의 </a:t>
+            </a:r>
+            <a:r>
+              <a:rPr kumimoji="1" lang="ko-KR" altLang="en-US" dirty="0" err="1"/>
+              <a:t>프로그램에서와</a:t>
+            </a:r>
+            <a:r>
+              <a:rPr kumimoji="1" lang="ko-KR" altLang="en-US" dirty="0"/>
+              <a:t> 같이 유지하도록 하고 있습니다</a:t>
+            </a:r>
+            <a:r>
+              <a:rPr kumimoji="1" lang="en-US" altLang="ko-KR" dirty="0"/>
+              <a:t>.</a:t>
+            </a:r>
+            <a:r>
+              <a:rPr kumimoji="1" lang="ko-KR" altLang="en-US" dirty="0"/>
+              <a:t> </a:t>
+            </a:r>
+            <a:r>
+              <a:rPr kumimoji="1" lang="en-US" altLang="ko-KR" dirty="0"/>
+              <a:t>‘resize’ event</a:t>
+            </a:r>
+            <a:r>
+              <a:rPr kumimoji="1" lang="ko-KR" altLang="en-US" dirty="0"/>
+              <a:t> </a:t>
+            </a:r>
+            <a:r>
+              <a:rPr kumimoji="1" lang="en-US" altLang="ko-KR" dirty="0"/>
+              <a:t>handler</a:t>
+            </a:r>
+            <a:r>
+              <a:rPr kumimoji="1" lang="ko-KR" altLang="en-US" dirty="0"/>
+              <a:t>에서 먼저 이 프로그램이 처음 실행되었을 때의 </a:t>
+            </a:r>
+            <a:r>
+              <a:rPr kumimoji="1" lang="en-US" altLang="ko-KR" dirty="0"/>
+              <a:t>CANVAS_WIDTH</a:t>
+            </a:r>
+            <a:r>
+              <a:rPr kumimoji="1" lang="ko-KR" altLang="en-US" dirty="0"/>
+              <a:t>와 </a:t>
+            </a:r>
+            <a:r>
+              <a:rPr kumimoji="1" lang="en-US" altLang="ko-KR" dirty="0"/>
+              <a:t>CANVAS_HEIGHT</a:t>
+            </a:r>
+            <a:r>
+              <a:rPr kumimoji="1" lang="ko-KR" altLang="en-US" dirty="0"/>
+              <a:t>의 비율을 </a:t>
+            </a:r>
+            <a:r>
+              <a:rPr kumimoji="1" lang="en-US" altLang="ko-KR" dirty="0"/>
+              <a:t>width/height</a:t>
+            </a:r>
+            <a:r>
+              <a:rPr kumimoji="1" lang="ko-KR" altLang="en-US" dirty="0"/>
+              <a:t>로 계산합니다</a:t>
+            </a:r>
+            <a:r>
+              <a:rPr kumimoji="1" lang="en-US" altLang="ko-KR" dirty="0"/>
+              <a:t>.</a:t>
+            </a:r>
+            <a:r>
+              <a:rPr kumimoji="1" lang="ko-KR" altLang="en-US" dirty="0"/>
+              <a:t> 이 비율을 </a:t>
+            </a:r>
+            <a:r>
+              <a:rPr kumimoji="1" lang="en-US" altLang="ko-KR" dirty="0"/>
+              <a:t>aspect ratio</a:t>
+            </a:r>
+            <a:r>
+              <a:rPr kumimoji="1" lang="ko-KR" altLang="en-US" dirty="0" err="1"/>
+              <a:t>라고</a:t>
+            </a:r>
+            <a:r>
+              <a:rPr kumimoji="1" lang="ko-KR" altLang="en-US" dirty="0"/>
+              <a:t> 부르는데</a:t>
+            </a:r>
+            <a:r>
+              <a:rPr kumimoji="1" lang="en-US" altLang="ko-KR" dirty="0"/>
+              <a:t>,</a:t>
+            </a:r>
+            <a:r>
+              <a:rPr kumimoji="1" lang="ko-KR" altLang="en-US" dirty="0"/>
+              <a:t> 전체적으로 창이 </a:t>
+            </a:r>
+            <a:r>
+              <a:rPr kumimoji="1" lang="en-US" altLang="ko-KR" dirty="0"/>
+              <a:t>resize</a:t>
+            </a:r>
+            <a:r>
+              <a:rPr kumimoji="1" lang="ko-KR" altLang="en-US" dirty="0"/>
+              <a:t>가 되더라도 우리 프로그램은 </a:t>
+            </a:r>
+            <a:r>
+              <a:rPr kumimoji="1" lang="en-US" altLang="ko-KR" dirty="0"/>
+              <a:t>aspect ratio</a:t>
+            </a:r>
+            <a:r>
+              <a:rPr kumimoji="1" lang="ko-KR" altLang="en-US" dirty="0"/>
+              <a:t>의 비율을 유지하도록 하고 있습니다</a:t>
+            </a:r>
+            <a:r>
+              <a:rPr kumimoji="1" lang="en-US" altLang="ko-KR" dirty="0"/>
+              <a:t>.</a:t>
+            </a:r>
+            <a:r>
+              <a:rPr kumimoji="1" lang="ko-KR" altLang="en-US" dirty="0"/>
+              <a:t> </a:t>
+            </a:r>
+            <a:endParaRPr kumimoji="1" lang="en-US" altLang="ko-KR" dirty="0"/>
+          </a:p>
+          <a:p>
+            <a:pPr marL="228600" indent="-228600">
+              <a:buFont typeface="+mj-lt"/>
+              <a:buAutoNum type="arabicPeriod"/>
+            </a:pPr>
+            <a:r>
+              <a:rPr kumimoji="1" lang="ko-KR" altLang="en-US" dirty="0"/>
+              <a:t>새로 </a:t>
+            </a:r>
+            <a:r>
+              <a:rPr kumimoji="1" lang="en-US" altLang="ko-KR" dirty="0"/>
+              <a:t>resize</a:t>
+            </a:r>
+            <a:r>
+              <a:rPr kumimoji="1" lang="ko-KR" altLang="en-US" dirty="0"/>
+              <a:t>된 </a:t>
+            </a:r>
+            <a:r>
+              <a:rPr kumimoji="1" lang="en-US" altLang="ko-KR" dirty="0" err="1"/>
+              <a:t>newWidth</a:t>
+            </a:r>
+            <a:r>
+              <a:rPr kumimoji="1" lang="en-US" altLang="ko-KR" dirty="0"/>
+              <a:t> / </a:t>
+            </a:r>
+            <a:r>
+              <a:rPr kumimoji="1" lang="en-US" altLang="ko-KR" dirty="0" err="1"/>
+              <a:t>newHeight</a:t>
+            </a:r>
+            <a:r>
+              <a:rPr kumimoji="1" lang="en-US" altLang="ko-KR" dirty="0"/>
+              <a:t> </a:t>
+            </a:r>
+            <a:r>
+              <a:rPr kumimoji="1" lang="ko-KR" altLang="en-US" dirty="0"/>
+              <a:t>값이 </a:t>
+            </a:r>
+            <a:r>
+              <a:rPr kumimoji="1" lang="en-US" altLang="ko-KR" dirty="0" err="1"/>
+              <a:t>aspectRatio</a:t>
+            </a:r>
+            <a:r>
+              <a:rPr kumimoji="1" lang="ko-KR" altLang="en-US" dirty="0"/>
+              <a:t>보다 큰 경우는 분자인 </a:t>
+            </a:r>
+            <a:r>
+              <a:rPr kumimoji="1" lang="en-US" altLang="ko-KR" dirty="0" err="1"/>
+              <a:t>newWidth</a:t>
+            </a:r>
+            <a:r>
+              <a:rPr kumimoji="1" lang="ko-KR" altLang="en-US" dirty="0"/>
+              <a:t>가 너무 큰 경우 입니다</a:t>
+            </a:r>
+            <a:r>
+              <a:rPr kumimoji="1" lang="en-US" altLang="ko-KR" dirty="0"/>
+              <a:t>.</a:t>
+            </a:r>
+            <a:r>
+              <a:rPr kumimoji="1" lang="ko-KR" altLang="en-US" dirty="0"/>
+              <a:t> 이 경우에는 </a:t>
+            </a:r>
+            <a:r>
+              <a:rPr kumimoji="1" lang="en-US" altLang="ko-KR" dirty="0" err="1"/>
+              <a:t>newWidth</a:t>
+            </a:r>
+            <a:r>
+              <a:rPr kumimoji="1" lang="en-US" altLang="ko-KR" dirty="0"/>
+              <a:t> / </a:t>
+            </a:r>
+            <a:r>
+              <a:rPr kumimoji="1" lang="en-US" altLang="ko-KR" dirty="0" err="1"/>
+              <a:t>newHeight</a:t>
+            </a:r>
+            <a:r>
+              <a:rPr kumimoji="1" lang="en-US" altLang="ko-KR" dirty="0"/>
+              <a:t> = </a:t>
+            </a:r>
+            <a:r>
+              <a:rPr kumimoji="1" lang="en-US" altLang="ko-KR" dirty="0" err="1"/>
+              <a:t>aspectRatio</a:t>
+            </a:r>
+            <a:r>
+              <a:rPr kumimoji="1" lang="en-US" altLang="ko-KR" dirty="0"/>
+              <a:t> </a:t>
+            </a:r>
+            <a:r>
+              <a:rPr kumimoji="1" lang="ko-KR" altLang="en-US" dirty="0"/>
+              <a:t>의 식에서 </a:t>
+            </a:r>
+            <a:r>
+              <a:rPr kumimoji="1" lang="en-US" altLang="ko-KR" dirty="0" err="1"/>
+              <a:t>newHeight</a:t>
+            </a:r>
+            <a:r>
+              <a:rPr kumimoji="1" lang="ko-KR" altLang="en-US" dirty="0"/>
+              <a:t>를 이항하여 </a:t>
+            </a:r>
+            <a:r>
+              <a:rPr kumimoji="1" lang="en-US" altLang="ko-KR" dirty="0" err="1"/>
+              <a:t>newWidth</a:t>
+            </a:r>
+            <a:r>
+              <a:rPr kumimoji="1" lang="en-US" altLang="ko-KR" dirty="0"/>
+              <a:t> = </a:t>
+            </a:r>
+            <a:r>
+              <a:rPr kumimoji="1" lang="en-US" altLang="ko-KR" dirty="0" err="1"/>
+              <a:t>newHeight</a:t>
+            </a:r>
+            <a:r>
+              <a:rPr kumimoji="1" lang="en-US" altLang="ko-KR" dirty="0"/>
+              <a:t> * </a:t>
+            </a:r>
+            <a:r>
+              <a:rPr kumimoji="1" lang="en-US" altLang="ko-KR" dirty="0" err="1"/>
+              <a:t>aspectRatio</a:t>
+            </a:r>
+            <a:r>
+              <a:rPr kumimoji="1" lang="en-US" altLang="ko-KR" dirty="0"/>
+              <a:t> </a:t>
+            </a:r>
+            <a:r>
+              <a:rPr kumimoji="1" lang="ko-KR" altLang="en-US" dirty="0"/>
+              <a:t>로 </a:t>
+            </a:r>
+            <a:r>
+              <a:rPr kumimoji="1" lang="en-US" altLang="ko-KR" dirty="0" err="1"/>
+              <a:t>newWidth</a:t>
+            </a:r>
+            <a:r>
+              <a:rPr kumimoji="1" lang="ko-KR" altLang="en-US" dirty="0"/>
+              <a:t>값을 조정해 줍니다</a:t>
+            </a:r>
+            <a:r>
+              <a:rPr kumimoji="1" lang="en-US" altLang="ko-KR" dirty="0"/>
+              <a:t>.</a:t>
+            </a:r>
+            <a:r>
+              <a:rPr kumimoji="1" lang="ko-KR" altLang="en-US" dirty="0"/>
+              <a:t> 이와 유사하게 </a:t>
+            </a:r>
+            <a:r>
+              <a:rPr kumimoji="1" lang="en-US" altLang="ko-KR" dirty="0" err="1"/>
+              <a:t>newHeight</a:t>
+            </a:r>
+            <a:r>
+              <a:rPr kumimoji="1" lang="ko-KR" altLang="en-US" dirty="0"/>
+              <a:t> 값을 조정해 줄 수도 있습니다</a:t>
+            </a:r>
+            <a:r>
+              <a:rPr kumimoji="1" lang="en-US" altLang="ko-KR" dirty="0"/>
+              <a:t>.</a:t>
+            </a:r>
+            <a:r>
+              <a:rPr kumimoji="1" lang="ko-KR" altLang="en-US" dirty="0"/>
+              <a:t> </a:t>
+            </a:r>
+            <a:endParaRPr kumimoji="1" lang="en-US" altLang="ko-KR" dirty="0"/>
+          </a:p>
+          <a:p>
+            <a:pPr marL="228600" indent="-228600">
+              <a:buFont typeface="+mj-lt"/>
+              <a:buAutoNum type="arabicPeriod"/>
+            </a:pPr>
+            <a:r>
+              <a:rPr kumimoji="1" lang="ko-KR" altLang="en-US" dirty="0"/>
+              <a:t>이제 새롭게 </a:t>
+            </a:r>
+            <a:r>
+              <a:rPr kumimoji="1" lang="en-US" altLang="ko-KR" dirty="0"/>
+              <a:t>resize</a:t>
+            </a:r>
+            <a:r>
+              <a:rPr kumimoji="1" lang="ko-KR" altLang="en-US" dirty="0"/>
+              <a:t>가 되더라도 </a:t>
+            </a:r>
+            <a:r>
+              <a:rPr kumimoji="1" lang="en-US" altLang="ko-KR" dirty="0" err="1"/>
+              <a:t>newWidth</a:t>
+            </a:r>
+            <a:r>
+              <a:rPr kumimoji="1" lang="ko-KR" altLang="en-US" dirty="0"/>
+              <a:t>와 </a:t>
+            </a:r>
+            <a:r>
+              <a:rPr kumimoji="1" lang="en-US" altLang="ko-KR" dirty="0" err="1"/>
+              <a:t>newHeight</a:t>
+            </a:r>
+            <a:r>
+              <a:rPr kumimoji="1" lang="ko-KR" altLang="en-US" dirty="0"/>
+              <a:t>값의 비율을 </a:t>
+            </a:r>
+            <a:r>
+              <a:rPr kumimoji="1" lang="en-US" altLang="ko-KR" dirty="0"/>
+              <a:t>original aspect ratio</a:t>
+            </a:r>
+            <a:r>
+              <a:rPr kumimoji="1" lang="ko-KR" altLang="en-US" dirty="0"/>
+              <a:t>와 같게 유지할 수 있습니다</a:t>
+            </a:r>
+            <a:r>
+              <a:rPr kumimoji="1" lang="en-US" altLang="ko-KR" dirty="0"/>
+              <a:t>.</a:t>
+            </a:r>
+            <a:r>
+              <a:rPr kumimoji="1" lang="ko-KR" altLang="en-US" dirty="0"/>
+              <a:t> </a:t>
+            </a:r>
+          </a:p>
+        </p:txBody>
+      </p:sp>
+      <p:sp>
+        <p:nvSpPr>
+          <p:cNvPr id="4" name="슬라이드 번호 개체 틀 3"/>
+          <p:cNvSpPr>
+            <a:spLocks noGrp="1"/>
+          </p:cNvSpPr>
+          <p:nvPr>
+            <p:ph type="sldNum" sz="quarter" idx="5"/>
+          </p:nvPr>
+        </p:nvSpPr>
+        <p:spPr/>
+        <p:txBody>
+          <a:bodyPr/>
+          <a:lstStyle/>
+          <a:p>
+            <a:fld id="{515CD10E-49FF-8C40-B7F3-CA6239B459A9}" type="slidenum">
+              <a:rPr kumimoji="1" lang="ko-KR" altLang="en-US" smtClean="0"/>
+              <a:t>6</a:t>
+            </a:fld>
+            <a:endParaRPr kumimoji="1" lang="ko-KR" altLang="en-US"/>
+          </a:p>
+        </p:txBody>
+      </p:sp>
+    </p:spTree>
+    <p:extLst>
+      <p:ext uri="{BB962C8B-B14F-4D97-AF65-F5344CB8AC3E}">
+        <p14:creationId xmlns:p14="http://schemas.microsoft.com/office/powerpoint/2010/main" val="1663055221"/>
       </p:ext>
     </p:extLst>
   </p:cSld>
@@ -2611,316 +3034,7 @@
           <a:bodyPr/>
           <a:lstStyle/>
           <a:p>
-            <a:r>
-              <a:rPr kumimoji="1" lang="ko-KR" altLang="en-US" dirty="0"/>
-              <a:t>이 프로그램은 이전 프로그램들과 달리 전체적인 </a:t>
-            </a:r>
-            <a:r>
-              <a:rPr kumimoji="1" lang="en-US" altLang="ko-KR" dirty="0"/>
-              <a:t>window size</a:t>
-            </a:r>
-            <a:r>
-              <a:rPr kumimoji="1" lang="ko-KR" altLang="en-US" dirty="0"/>
-              <a:t>를 변경하더라도 </a:t>
-            </a:r>
-            <a:r>
-              <a:rPr kumimoji="1" lang="en-US" altLang="ko-KR" dirty="0"/>
-              <a:t>canvas</a:t>
-            </a:r>
-            <a:r>
-              <a:rPr kumimoji="1" lang="ko-KR" altLang="en-US" dirty="0"/>
-              <a:t>의 가로와 세로의 비율을 원래의 </a:t>
-            </a:r>
-            <a:r>
-              <a:rPr kumimoji="1" lang="ko-KR" altLang="en-US" dirty="0" err="1"/>
-              <a:t>프로그램에서와</a:t>
-            </a:r>
-            <a:r>
-              <a:rPr kumimoji="1" lang="ko-KR" altLang="en-US" dirty="0"/>
-              <a:t> 같이 유지하도록 하고 있습니다</a:t>
-            </a:r>
-            <a:r>
-              <a:rPr kumimoji="1" lang="en-US" altLang="ko-KR" dirty="0"/>
-              <a:t>.</a:t>
-            </a:r>
-            <a:r>
-              <a:rPr kumimoji="1" lang="ko-KR" altLang="en-US" dirty="0"/>
-              <a:t> </a:t>
-            </a:r>
             <a:endParaRPr kumimoji="1" lang="en-US" altLang="ko-KR" dirty="0"/>
-          </a:p>
-          <a:p>
-            <a:r>
-              <a:rPr kumimoji="1" lang="en-US" altLang="ko-KR" dirty="0"/>
-              <a:t>‘resize’ event</a:t>
-            </a:r>
-            <a:r>
-              <a:rPr kumimoji="1" lang="ko-KR" altLang="en-US" dirty="0"/>
-              <a:t> </a:t>
-            </a:r>
-            <a:r>
-              <a:rPr kumimoji="1" lang="en-US" altLang="ko-KR" dirty="0"/>
-              <a:t>handler</a:t>
-            </a:r>
-            <a:r>
-              <a:rPr kumimoji="1" lang="ko-KR" altLang="en-US" dirty="0"/>
-              <a:t>에서 먼저 이 프로그램이 처음 실행되었을 때의 </a:t>
-            </a:r>
-            <a:r>
-              <a:rPr kumimoji="1" lang="en-US" altLang="ko-KR" dirty="0"/>
-              <a:t>CANVAS_WIDTH</a:t>
-            </a:r>
-            <a:r>
-              <a:rPr kumimoji="1" lang="ko-KR" altLang="en-US" dirty="0"/>
-              <a:t>와 </a:t>
-            </a:r>
-            <a:r>
-              <a:rPr kumimoji="1" lang="en-US" altLang="ko-KR" dirty="0"/>
-              <a:t>CANVAS_HEIGHT</a:t>
-            </a:r>
-            <a:r>
-              <a:rPr kumimoji="1" lang="ko-KR" altLang="en-US" dirty="0"/>
-              <a:t>의 비율을 </a:t>
-            </a:r>
-            <a:r>
-              <a:rPr kumimoji="1" lang="en-US" altLang="ko-KR" dirty="0"/>
-              <a:t>width/height</a:t>
-            </a:r>
-            <a:r>
-              <a:rPr kumimoji="1" lang="ko-KR" altLang="en-US" dirty="0"/>
-              <a:t>로 계산합니다</a:t>
-            </a:r>
-            <a:r>
-              <a:rPr kumimoji="1" lang="en-US" altLang="ko-KR" dirty="0"/>
-              <a:t>.</a:t>
-            </a:r>
-            <a:r>
-              <a:rPr kumimoji="1" lang="ko-KR" altLang="en-US" dirty="0"/>
-              <a:t> 이 비율을 </a:t>
-            </a:r>
-            <a:r>
-              <a:rPr kumimoji="1" lang="en-US" altLang="ko-KR" dirty="0"/>
-              <a:t>aspect ratio</a:t>
-            </a:r>
-            <a:r>
-              <a:rPr kumimoji="1" lang="ko-KR" altLang="en-US" dirty="0" err="1"/>
-              <a:t>라고</a:t>
-            </a:r>
-            <a:r>
-              <a:rPr kumimoji="1" lang="ko-KR" altLang="en-US" dirty="0"/>
-              <a:t> 부르는데</a:t>
-            </a:r>
-            <a:r>
-              <a:rPr kumimoji="1" lang="en-US" altLang="ko-KR" dirty="0"/>
-              <a:t>,</a:t>
-            </a:r>
-            <a:r>
-              <a:rPr kumimoji="1" lang="ko-KR" altLang="en-US" dirty="0"/>
-              <a:t> 전체적으로 창이 </a:t>
-            </a:r>
-            <a:r>
-              <a:rPr kumimoji="1" lang="en-US" altLang="ko-KR" dirty="0"/>
-              <a:t>resize</a:t>
-            </a:r>
-            <a:r>
-              <a:rPr kumimoji="1" lang="ko-KR" altLang="en-US" dirty="0"/>
-              <a:t>가 되더라도 우리 프로그램은 </a:t>
-            </a:r>
-            <a:r>
-              <a:rPr kumimoji="1" lang="en-US" altLang="ko-KR" dirty="0"/>
-              <a:t>aspect ratio</a:t>
-            </a:r>
-            <a:r>
-              <a:rPr kumimoji="1" lang="ko-KR" altLang="en-US" dirty="0"/>
-              <a:t>의 비율을 유지하도록 하고 있습니다</a:t>
-            </a:r>
-            <a:r>
-              <a:rPr kumimoji="1" lang="en-US" altLang="ko-KR" dirty="0"/>
-              <a:t>.</a:t>
-            </a:r>
-            <a:r>
-              <a:rPr kumimoji="1" lang="ko-KR" altLang="en-US" dirty="0"/>
-              <a:t> </a:t>
-            </a:r>
-            <a:endParaRPr kumimoji="1" lang="en-US" altLang="ko-KR" dirty="0"/>
-          </a:p>
-          <a:p>
-            <a:r>
-              <a:rPr kumimoji="1" lang="ko-KR" altLang="en-US" dirty="0"/>
-              <a:t>새로 </a:t>
-            </a:r>
-            <a:r>
-              <a:rPr kumimoji="1" lang="en-US" altLang="ko-KR" dirty="0"/>
-              <a:t>resize</a:t>
-            </a:r>
-            <a:r>
-              <a:rPr kumimoji="1" lang="ko-KR" altLang="en-US" dirty="0"/>
-              <a:t>된 </a:t>
-            </a:r>
-            <a:r>
-              <a:rPr kumimoji="1" lang="en-US" altLang="ko-KR" dirty="0" err="1"/>
-              <a:t>newWidth</a:t>
-            </a:r>
-            <a:r>
-              <a:rPr kumimoji="1" lang="en-US" altLang="ko-KR" dirty="0"/>
-              <a:t> / </a:t>
-            </a:r>
-            <a:r>
-              <a:rPr kumimoji="1" lang="en-US" altLang="ko-KR" dirty="0" err="1"/>
-              <a:t>newHeight</a:t>
-            </a:r>
-            <a:r>
-              <a:rPr kumimoji="1" lang="en-US" altLang="ko-KR" dirty="0"/>
-              <a:t> </a:t>
-            </a:r>
-            <a:r>
-              <a:rPr kumimoji="1" lang="ko-KR" altLang="en-US" dirty="0"/>
-              <a:t>값이 </a:t>
-            </a:r>
-            <a:r>
-              <a:rPr kumimoji="1" lang="en-US" altLang="ko-KR" dirty="0" err="1"/>
-              <a:t>aspectRatio</a:t>
-            </a:r>
-            <a:r>
-              <a:rPr kumimoji="1" lang="ko-KR" altLang="en-US" dirty="0"/>
-              <a:t>보다 큰 경우는 분자인 </a:t>
-            </a:r>
-            <a:r>
-              <a:rPr kumimoji="1" lang="en-US" altLang="ko-KR" dirty="0" err="1"/>
-              <a:t>newWidth</a:t>
-            </a:r>
-            <a:r>
-              <a:rPr kumimoji="1" lang="ko-KR" altLang="en-US" dirty="0"/>
-              <a:t>가 너무 큰 경우 입니다</a:t>
-            </a:r>
-            <a:r>
-              <a:rPr kumimoji="1" lang="en-US" altLang="ko-KR" dirty="0"/>
-              <a:t>.</a:t>
-            </a:r>
-            <a:r>
-              <a:rPr kumimoji="1" lang="ko-KR" altLang="en-US" dirty="0"/>
-              <a:t> 이 경우에는 </a:t>
-            </a:r>
-            <a:r>
-              <a:rPr kumimoji="1" lang="en-US" altLang="ko-KR" dirty="0" err="1"/>
-              <a:t>newWidth</a:t>
-            </a:r>
-            <a:r>
-              <a:rPr kumimoji="1" lang="en-US" altLang="ko-KR" dirty="0"/>
-              <a:t> / </a:t>
-            </a:r>
-            <a:r>
-              <a:rPr kumimoji="1" lang="en-US" altLang="ko-KR" dirty="0" err="1"/>
-              <a:t>newHeight</a:t>
-            </a:r>
-            <a:r>
-              <a:rPr kumimoji="1" lang="en-US" altLang="ko-KR" dirty="0"/>
-              <a:t> = </a:t>
-            </a:r>
-            <a:r>
-              <a:rPr kumimoji="1" lang="en-US" altLang="ko-KR" dirty="0" err="1"/>
-              <a:t>aspectRatio</a:t>
-            </a:r>
-            <a:r>
-              <a:rPr kumimoji="1" lang="en-US" altLang="ko-KR" dirty="0"/>
-              <a:t> </a:t>
-            </a:r>
-            <a:r>
-              <a:rPr kumimoji="1" lang="ko-KR" altLang="en-US" dirty="0"/>
-              <a:t>의 식에서 </a:t>
-            </a:r>
-            <a:r>
-              <a:rPr kumimoji="1" lang="en-US" altLang="ko-KR" dirty="0" err="1"/>
-              <a:t>newHeight</a:t>
-            </a:r>
-            <a:r>
-              <a:rPr kumimoji="1" lang="ko-KR" altLang="en-US" dirty="0"/>
-              <a:t>를 이항하여 </a:t>
-            </a:r>
-            <a:r>
-              <a:rPr kumimoji="1" lang="en-US" altLang="ko-KR" dirty="0" err="1"/>
-              <a:t>newWidth</a:t>
-            </a:r>
-            <a:r>
-              <a:rPr kumimoji="1" lang="en-US" altLang="ko-KR" dirty="0"/>
-              <a:t> = </a:t>
-            </a:r>
-            <a:r>
-              <a:rPr kumimoji="1" lang="en-US" altLang="ko-KR" dirty="0" err="1"/>
-              <a:t>newHeight</a:t>
-            </a:r>
-            <a:r>
-              <a:rPr kumimoji="1" lang="en-US" altLang="ko-KR" dirty="0"/>
-              <a:t> * </a:t>
-            </a:r>
-            <a:r>
-              <a:rPr kumimoji="1" lang="en-US" altLang="ko-KR" dirty="0" err="1"/>
-              <a:t>aspectRatio</a:t>
-            </a:r>
-            <a:r>
-              <a:rPr kumimoji="1" lang="en-US" altLang="ko-KR" dirty="0"/>
-              <a:t> </a:t>
-            </a:r>
-            <a:r>
-              <a:rPr kumimoji="1" lang="ko-KR" altLang="en-US" dirty="0"/>
-              <a:t>로 </a:t>
-            </a:r>
-            <a:r>
-              <a:rPr kumimoji="1" lang="en-US" altLang="ko-KR" dirty="0" err="1"/>
-              <a:t>newWidth</a:t>
-            </a:r>
-            <a:r>
-              <a:rPr kumimoji="1" lang="ko-KR" altLang="en-US" dirty="0"/>
-              <a:t>값을 조정해 줍니다</a:t>
-            </a:r>
-            <a:r>
-              <a:rPr kumimoji="1" lang="en-US" altLang="ko-KR" dirty="0"/>
-              <a:t>.</a:t>
-            </a:r>
-            <a:r>
-              <a:rPr kumimoji="1" lang="ko-KR" altLang="en-US" dirty="0"/>
-              <a:t> 이와 유사하게 </a:t>
-            </a:r>
-            <a:r>
-              <a:rPr kumimoji="1" lang="en-US" altLang="ko-KR" dirty="0" err="1"/>
-              <a:t>newHeight</a:t>
-            </a:r>
-            <a:r>
-              <a:rPr kumimoji="1" lang="ko-KR" altLang="en-US" dirty="0"/>
-              <a:t> 값을 조정해 줄 수도 있습니다</a:t>
-            </a:r>
-            <a:r>
-              <a:rPr kumimoji="1" lang="en-US" altLang="ko-KR" dirty="0"/>
-              <a:t>.</a:t>
-            </a:r>
-            <a:r>
-              <a:rPr kumimoji="1" lang="ko-KR" altLang="en-US" dirty="0"/>
-              <a:t> </a:t>
-            </a:r>
-            <a:endParaRPr kumimoji="1" lang="en-US" altLang="ko-KR" dirty="0"/>
-          </a:p>
-          <a:p>
-            <a:r>
-              <a:rPr kumimoji="1" lang="ko-KR" altLang="en-US" dirty="0"/>
-              <a:t>이제 새롭게 </a:t>
-            </a:r>
-            <a:r>
-              <a:rPr kumimoji="1" lang="en-US" altLang="ko-KR" dirty="0"/>
-              <a:t>resize</a:t>
-            </a:r>
-            <a:r>
-              <a:rPr kumimoji="1" lang="ko-KR" altLang="en-US" dirty="0"/>
-              <a:t>가 되더라도 </a:t>
-            </a:r>
-            <a:r>
-              <a:rPr kumimoji="1" lang="en-US" altLang="ko-KR" dirty="0" err="1"/>
-              <a:t>newWidth</a:t>
-            </a:r>
-            <a:r>
-              <a:rPr kumimoji="1" lang="ko-KR" altLang="en-US"/>
-              <a:t>값을 </a:t>
-            </a:r>
-            <a:endParaRPr kumimoji="1" lang="ko-KR" altLang="en-US" dirty="0"/>
           </a:p>
         </p:txBody>
       </p:sp>
@@ -2939,217 +3053,18 @@
           <a:bodyPr/>
           <a:lstStyle/>
           <a:p>
-            <a:fld id="{515CD10E-49FF-8C40-B7F3-CA6239B459A9}" type="slidenum">
-              <a:rPr kumimoji="1" lang="ko-KR" altLang="en-US" smtClean="0"/>
+            <a:fld id="{11E810AA-3F79-4A83-B6E2-5C05A72167ED}" type="slidenum">
+              <a:rPr lang="ko-KR" altLang="en-US" smtClean="0"/>
               <a:t>7</a:t>
             </a:fld>
-            <a:endParaRPr kumimoji="1" lang="ko-KR" altLang="en-US"/>
+            <a:endParaRPr lang="ko-KR" altLang="en-US"/>
           </a:p>
         </p:txBody>
       </p:sp>
     </p:spTree>
     <p:extLst>
       <p:ext uri="{BB962C8B-B14F-4D97-AF65-F5344CB8AC3E}">
-        <p14:creationId xmlns:p14="http://schemas.microsoft.com/office/powerpoint/2010/main" val="1663055221"/>
-      </p:ext>
-    </p:extLst>
-  </p:cSld>
-  <p:clrMapOvr>
-    <a:masterClrMapping/>
-  </p:clrMapOvr>
-</p:notes>
-</file>
-
-<file path=ppt/notesSlides/notesSlide8.xml><?xml version="1.0" encoding="utf-8"?>
-<p:notes xmlns:a="http://schemas.openxmlformats.org/drawingml/2006/main" xmlns:r="http://schemas.openxmlformats.org/officeDocument/2006/relationships" xmlns:p="http://schemas.openxmlformats.org/presentationml/2006/main">
-  <p:cSld>
-    <p:spTree>
-      <p:nvGrpSpPr>
-        <p:cNvPr id="1" name=""/>
-        <p:cNvGrpSpPr/>
-        <p:nvPr/>
-      </p:nvGrpSpPr>
-      <p:grpSpPr>
-        <a:xfrm>
-          <a:off x="0" y="0"/>
-          <a:ext cx="0" cy="0"/>
-          <a:chOff x="0" y="0"/>
-          <a:chExt cx="0" cy="0"/>
-        </a:xfrm>
-      </p:grpSpPr>
-      <p:sp>
-        <p:nvSpPr>
-          <p:cNvPr id="2" name="슬라이드 이미지 개체 틀 1"/>
-          <p:cNvSpPr>
-            <a:spLocks noGrp="1" noRot="1" noChangeAspect="1"/>
-          </p:cNvSpPr>
-          <p:nvPr>
-            <p:ph type="sldImg"/>
-          </p:nvPr>
-        </p:nvSpPr>
-        <p:spPr/>
-      </p:sp>
-      <p:sp>
-        <p:nvSpPr>
-          <p:cNvPr id="3" name="슬라이드 노트 개체 틀 2"/>
-          <p:cNvSpPr>
-            <a:spLocks noGrp="1"/>
-          </p:cNvSpPr>
-          <p:nvPr>
-            <p:ph type="body" idx="1"/>
-          </p:nvPr>
-        </p:nvSpPr>
-        <p:spPr/>
-        <p:txBody>
-          <a:bodyPr/>
-          <a:lstStyle/>
-          <a:p>
-            <a:r>
-              <a:rPr kumimoji="1" lang="en-US" altLang="ko-KR" dirty="0"/>
-              <a:t>Index</a:t>
-            </a:r>
-            <a:r>
-              <a:rPr kumimoji="1" lang="ko-KR" altLang="en-US" dirty="0"/>
-              <a:t>를 사용하여 </a:t>
-            </a:r>
-            <a:r>
-              <a:rPr kumimoji="1" lang="en-US" altLang="ko-KR" dirty="0"/>
-              <a:t>rendering </a:t>
-            </a:r>
-            <a:r>
-              <a:rPr kumimoji="1" lang="ko-KR" altLang="en-US" dirty="0"/>
-              <a:t>할 때에는 </a:t>
-            </a:r>
-            <a:r>
-              <a:rPr kumimoji="1" lang="en-US" altLang="ko-KR" dirty="0"/>
-              <a:t>gl.drawArrays</a:t>
-            </a:r>
-            <a:r>
-              <a:rPr kumimoji="1" lang="ko-KR" altLang="en-US" dirty="0"/>
-              <a:t>가 아니라 </a:t>
-            </a:r>
-            <a:r>
-              <a:rPr kumimoji="1" lang="en-US" altLang="ko-KR" dirty="0"/>
-              <a:t>gl.drawElements</a:t>
-            </a:r>
-            <a:r>
-              <a:rPr kumimoji="1" lang="ko-KR" altLang="en-US" dirty="0"/>
-              <a:t> 함수를 사용합니다</a:t>
-            </a:r>
-            <a:r>
-              <a:rPr kumimoji="1" lang="en-US" altLang="ko-KR" dirty="0"/>
-              <a:t>.</a:t>
-            </a:r>
-            <a:r>
-              <a:rPr kumimoji="1" lang="ko-KR" altLang="en-US" dirty="0"/>
-              <a:t> </a:t>
-            </a:r>
-            <a:endParaRPr kumimoji="1" lang="en-US" altLang="ko-KR" dirty="0"/>
-          </a:p>
-          <a:p>
-            <a:r>
-              <a:rPr kumimoji="1" lang="en-US" altLang="ko-KR" dirty="0"/>
-              <a:t>Parameter</a:t>
-            </a:r>
-            <a:r>
-              <a:rPr kumimoji="1" lang="ko-KR" altLang="en-US" dirty="0"/>
-              <a:t>들로는 </a:t>
-            </a:r>
-            <a:r>
-              <a:rPr kumimoji="1" lang="en-US" altLang="ko-KR" dirty="0"/>
-              <a:t>primitive (gl.TRIANGLES </a:t>
-            </a:r>
-            <a:r>
-              <a:rPr kumimoji="1" lang="ko-KR" altLang="en-US" dirty="0"/>
-              <a:t>등</a:t>
-            </a:r>
-            <a:r>
-              <a:rPr kumimoji="1" lang="en-US" altLang="ko-KR" dirty="0"/>
-              <a:t>),</a:t>
-            </a:r>
-            <a:r>
-              <a:rPr kumimoji="1" lang="ko-KR" altLang="en-US" dirty="0"/>
-              <a:t> </a:t>
-            </a:r>
-            <a:r>
-              <a:rPr kumimoji="1" lang="en-US" altLang="ko-KR" dirty="0"/>
-              <a:t>index buffer</a:t>
-            </a:r>
-            <a:r>
-              <a:rPr kumimoji="1" lang="ko-KR" altLang="en-US" dirty="0"/>
-              <a:t>의 </a:t>
-            </a:r>
-            <a:r>
-              <a:rPr kumimoji="1" lang="en-US" altLang="ko-KR" dirty="0"/>
-              <a:t>length, data type (index </a:t>
-            </a:r>
-            <a:r>
-              <a:rPr kumimoji="1" lang="ko-KR" altLang="en-US" dirty="0"/>
-              <a:t>이므로 </a:t>
-            </a:r>
-            <a:r>
-              <a:rPr kumimoji="1" lang="en-US" altLang="ko-KR" dirty="0"/>
-              <a:t>gl.UNSIGNED_SHORT</a:t>
-            </a:r>
-            <a:r>
-              <a:rPr kumimoji="1" lang="ko-KR" altLang="en-US" dirty="0"/>
-              <a:t>를 사용</a:t>
-            </a:r>
-            <a:r>
-              <a:rPr kumimoji="1" lang="en-US" altLang="ko-KR" dirty="0"/>
-              <a:t>),</a:t>
-            </a:r>
-            <a:r>
-              <a:rPr kumimoji="1" lang="ko-KR" altLang="en-US" dirty="0"/>
-              <a:t> </a:t>
-            </a:r>
-            <a:r>
-              <a:rPr kumimoji="1" lang="en-US" altLang="ko-KR" dirty="0"/>
-              <a:t>index array</a:t>
-            </a:r>
-            <a:r>
-              <a:rPr kumimoji="1" lang="ko-KR" altLang="en-US" dirty="0"/>
-              <a:t>의 시작 주소를 사용하고 있습니다</a:t>
-            </a:r>
-            <a:r>
-              <a:rPr kumimoji="1" lang="en-US" altLang="ko-KR" dirty="0"/>
-              <a:t>.</a:t>
-            </a:r>
-            <a:r>
-              <a:rPr kumimoji="1" lang="ko-KR" altLang="en-US" dirty="0"/>
-              <a:t> </a:t>
-            </a:r>
-            <a:endParaRPr kumimoji="1" lang="en-US" altLang="ko-KR" dirty="0"/>
-          </a:p>
-        </p:txBody>
-      </p:sp>
-      <p:sp>
-        <p:nvSpPr>
-          <p:cNvPr id="4" name="슬라이드 번호 개체 틀 3"/>
-          <p:cNvSpPr>
-            <a:spLocks noGrp="1"/>
-          </p:cNvSpPr>
-          <p:nvPr>
-            <p:ph type="sldNum" sz="quarter" idx="5"/>
-          </p:nvPr>
-        </p:nvSpPr>
-        <p:spPr/>
-        <p:txBody>
-          <a:bodyPr/>
-          <a:lstStyle/>
-          <a:p>
-            <a:fld id="{515CD10E-49FF-8C40-B7F3-CA6239B459A9}" type="slidenum">
-              <a:rPr kumimoji="1" lang="ko-KR" altLang="en-US" smtClean="0"/>
-              <a:t>8</a:t>
-            </a:fld>
-            <a:endParaRPr kumimoji="1" lang="ko-KR" altLang="en-US"/>
-          </a:p>
-        </p:txBody>
-      </p:sp>
-    </p:spTree>
-    <p:extLst>
-      <p:ext uri="{BB962C8B-B14F-4D97-AF65-F5344CB8AC3E}">
-        <p14:creationId xmlns:p14="http://schemas.microsoft.com/office/powerpoint/2010/main" val="4276806291"/>
+        <p14:creationId xmlns:p14="http://schemas.microsoft.com/office/powerpoint/2010/main" val="3762366649"/>
       </p:ext>
     </p:extLst>
   </p:cSld>
@@ -4368,229 +4283,6 @@
       </p:grpSpPr>
       <p:sp>
         <p:nvSpPr>
-          <p:cNvPr id="5" name="제목 4">
-            <a:extLst>
-              <a:ext uri="{FF2B5EF4-FFF2-40B4-BE49-F238E27FC236}">
-                <a16:creationId xmlns:a16="http://schemas.microsoft.com/office/drawing/2014/main" id="{65F4FFD1-075D-6F42-9A9E-4AC76AAAE147}"/>
-              </a:ext>
-            </a:extLst>
-          </p:cNvPr>
-          <p:cNvSpPr>
-            <a:spLocks noGrp="1"/>
-          </p:cNvSpPr>
-          <p:nvPr>
-            <p:ph type="ctrTitle"/>
-          </p:nvPr>
-        </p:nvSpPr>
-        <p:spPr>
-          <a:xfrm>
-            <a:off x="914400" y="1143839"/>
-            <a:ext cx="10363200" cy="1470025"/>
-          </a:xfrm>
-        </p:spPr>
-        <p:txBody>
-          <a:bodyPr/>
-          <a:lstStyle/>
-          <a:p>
-            <a:r>
-              <a:rPr kumimoji="1" lang="en-US" altLang="ko-KR" dirty="0"/>
-              <a:t>Program 03_HelloTriangleIndexed </a:t>
-            </a:r>
-            <a:endParaRPr kumimoji="1" lang="ko-KR" altLang="en-US" dirty="0"/>
-          </a:p>
-        </p:txBody>
-      </p:sp>
-      <p:sp>
-        <p:nvSpPr>
-          <p:cNvPr id="4" name="슬라이드 번호 개체 틀 3">
-            <a:extLst>
-              <a:ext uri="{FF2B5EF4-FFF2-40B4-BE49-F238E27FC236}">
-                <a16:creationId xmlns:a16="http://schemas.microsoft.com/office/drawing/2014/main" id="{6AABAE67-C7A8-BF43-A703-02B786336931}"/>
-              </a:ext>
-            </a:extLst>
-          </p:cNvPr>
-          <p:cNvSpPr>
-            <a:spLocks noGrp="1"/>
-          </p:cNvSpPr>
-          <p:nvPr>
-            <p:ph type="sldNum" sz="quarter" idx="12"/>
-          </p:nvPr>
-        </p:nvSpPr>
-        <p:spPr>
-          <a:xfrm>
-            <a:off x="11674475" y="6396038"/>
-            <a:ext cx="517525" cy="323850"/>
-          </a:xfrm>
-        </p:spPr>
-        <p:txBody>
-          <a:bodyPr/>
-          <a:lstStyle/>
-          <a:p>
-            <a:fld id="{B81C3356-60A9-4391-B4BA-980644DD2ECD}" type="slidenum">
-              <a:rPr lang="ko-KR" altLang="en-US" smtClean="0"/>
-              <a:t>2</a:t>
-            </a:fld>
-            <a:endParaRPr lang="ko-KR" altLang="en-US" dirty="0"/>
-          </a:p>
-        </p:txBody>
-      </p:sp>
-      <p:sp>
-        <p:nvSpPr>
-          <p:cNvPr id="8" name="TextBox 7">
-            <a:extLst>
-              <a:ext uri="{FF2B5EF4-FFF2-40B4-BE49-F238E27FC236}">
-                <a16:creationId xmlns:a16="http://schemas.microsoft.com/office/drawing/2014/main" id="{7E23FBBE-DC5A-3F4C-B39A-D0A710220958}"/>
-              </a:ext>
-            </a:extLst>
-          </p:cNvPr>
-          <p:cNvSpPr txBox="1"/>
-          <p:nvPr/>
-        </p:nvSpPr>
-        <p:spPr>
-          <a:xfrm>
-            <a:off x="6576489" y="3318574"/>
-            <a:ext cx="4937732" cy="1323439"/>
-          </a:xfrm>
-          <a:prstGeom prst="rect">
-            <a:avLst/>
-          </a:prstGeom>
-          <a:noFill/>
-        </p:spPr>
-        <p:txBody>
-          <a:bodyPr wrap="square" rtlCol="0">
-            <a:spAutoFit/>
-          </a:bodyPr>
-          <a:lstStyle/>
-          <a:p>
-            <a:pPr marL="285750" indent="-285750">
-              <a:buFont typeface="Arial" panose="020B0604020202020204" pitchFamily="34" charset="0"/>
-              <a:buChar char="•"/>
-            </a:pPr>
-            <a:r>
-              <a:rPr kumimoji="1" lang="en-US" altLang="ko-KR" sz="2000" dirty="0"/>
-              <a:t>Draw a Rectangle (using two triangles)</a:t>
-            </a:r>
-          </a:p>
-          <a:p>
-            <a:pPr marL="342900" indent="-342900">
-              <a:buFont typeface="Arial" panose="020B0604020202020204" pitchFamily="34" charset="0"/>
-              <a:buChar char="•"/>
-            </a:pPr>
-            <a:r>
-              <a:rPr kumimoji="1" lang="en-US" altLang="ko-KR" sz="2000" dirty="0"/>
-              <a:t>Use Element (Index) array</a:t>
-            </a:r>
-          </a:p>
-          <a:p>
-            <a:pPr marL="342900" indent="-342900">
-              <a:buFont typeface="Arial" panose="020B0604020202020204" pitchFamily="34" charset="0"/>
-              <a:buChar char="•"/>
-            </a:pPr>
-            <a:r>
-              <a:rPr kumimoji="1" lang="en-US" altLang="ko-KR" sz="2000" dirty="0"/>
-              <a:t>‘f’ key to toggle the rendering</a:t>
-            </a:r>
-          </a:p>
-          <a:p>
-            <a:r>
-              <a:rPr kumimoji="1" lang="en-US" altLang="ko-KR" sz="2000" dirty="0"/>
-              <a:t>    mode (fill and line)</a:t>
-            </a:r>
-          </a:p>
-        </p:txBody>
-      </p:sp>
-      <p:pic>
-        <p:nvPicPr>
-          <p:cNvPr id="3" name="그림 2">
-            <a:extLst>
-              <a:ext uri="{FF2B5EF4-FFF2-40B4-BE49-F238E27FC236}">
-                <a16:creationId xmlns:a16="http://schemas.microsoft.com/office/drawing/2014/main" id="{6A38DFEA-C636-1386-1EAF-D8D6091D6F3C}"/>
-              </a:ext>
-            </a:extLst>
-          </p:cNvPr>
-          <p:cNvPicPr>
-            <a:picLocks noChangeAspect="1"/>
-          </p:cNvPicPr>
-          <p:nvPr/>
-        </p:nvPicPr>
-        <p:blipFill>
-          <a:blip r:embed="rId3"/>
-          <a:stretch>
-            <a:fillRect/>
-          </a:stretch>
-        </p:blipFill>
-        <p:spPr>
-          <a:xfrm>
-            <a:off x="914400" y="2960587"/>
-            <a:ext cx="2573641" cy="2567100"/>
-          </a:xfrm>
-          <a:prstGeom prst="rect">
-            <a:avLst/>
-          </a:prstGeom>
-        </p:spPr>
-      </p:pic>
-      <p:pic>
-        <p:nvPicPr>
-          <p:cNvPr id="6" name="그림 5">
-            <a:extLst>
-              <a:ext uri="{FF2B5EF4-FFF2-40B4-BE49-F238E27FC236}">
-                <a16:creationId xmlns:a16="http://schemas.microsoft.com/office/drawing/2014/main" id="{82A25EDE-010A-3C53-5024-1FDF80A39EC1}"/>
-              </a:ext>
-            </a:extLst>
-          </p:cNvPr>
-          <p:cNvPicPr>
-            <a:picLocks noChangeAspect="1"/>
-          </p:cNvPicPr>
-          <p:nvPr/>
-        </p:nvPicPr>
-        <p:blipFill>
-          <a:blip r:embed="rId4"/>
-          <a:stretch>
-            <a:fillRect/>
-          </a:stretch>
-        </p:blipFill>
-        <p:spPr>
-          <a:xfrm>
-            <a:off x="3619241" y="2960587"/>
-            <a:ext cx="2573642" cy="2567102"/>
-          </a:xfrm>
-          <a:prstGeom prst="rect">
-            <a:avLst/>
-          </a:prstGeom>
-        </p:spPr>
-      </p:pic>
-    </p:spTree>
-    <p:extLst>
-      <p:ext uri="{BB962C8B-B14F-4D97-AF65-F5344CB8AC3E}">
-        <p14:creationId xmlns:p14="http://schemas.microsoft.com/office/powerpoint/2010/main" val="3013915619"/>
-      </p:ext>
-    </p:extLst>
-  </p:cSld>
-  <p:clrMapOvr>
-    <a:masterClrMapping/>
-  </p:clrMapOvr>
-</p:sld>
-</file>
-
-<file path=ppt/slides/slide3.xml><?xml version="1.0" encoding="utf-8"?>
-<p:sld xmlns:a="http://schemas.openxmlformats.org/drawingml/2006/main" xmlns:r="http://schemas.openxmlformats.org/officeDocument/2006/relationships" xmlns:p="http://schemas.openxmlformats.org/presentationml/2006/main">
-  <p:cSld>
-    <p:spTree>
-      <p:nvGrpSpPr>
-        <p:cNvPr id="1" name=""/>
-        <p:cNvGrpSpPr/>
-        <p:nvPr/>
-      </p:nvGrpSpPr>
-      <p:grpSpPr>
-        <a:xfrm>
-          <a:off x="0" y="0"/>
-          <a:ext cx="0" cy="0"/>
-          <a:chOff x="0" y="0"/>
-          <a:chExt cx="0" cy="0"/>
-        </a:xfrm>
-      </p:grpSpPr>
-      <p:sp>
-        <p:nvSpPr>
           <p:cNvPr id="2" name="제목 1">
             <a:extLst>
               <a:ext uri="{FF2B5EF4-FFF2-40B4-BE49-F238E27FC236}">
@@ -4641,7 +4333,7 @@
           <a:p>
             <a:fld id="{B81C3356-60A9-4391-B4BA-980644DD2ECD}" type="slidenum">
               <a:rPr lang="ko-KR" altLang="en-US" smtClean="0"/>
-              <a:t>3</a:t>
+              <a:t>2</a:t>
             </a:fld>
             <a:endParaRPr lang="ko-KR" altLang="en-US" dirty="0"/>
           </a:p>
@@ -5778,7 +5470,7 @@
 </p:sld>
 </file>
 
-<file path=ppt/slides/slide4.xml><?xml version="1.0" encoding="utf-8"?>
+<file path=ppt/slides/slide3.xml><?xml version="1.0" encoding="utf-8"?>
 <p:sld xmlns:a="http://schemas.openxmlformats.org/drawingml/2006/main" xmlns:r="http://schemas.openxmlformats.org/officeDocument/2006/relationships" xmlns:p="http://schemas.openxmlformats.org/presentationml/2006/main">
   <p:cSld>
     <p:spTree>
@@ -5847,7 +5539,7 @@
           <a:p>
             <a:fld id="{4BEDD84E-25D4-4983-8AA1-2863C96F08D9}" type="slidenum">
               <a:rPr lang="ko-KR" altLang="en-US" smtClean="0"/>
-              <a:t>4</a:t>
+              <a:t>3</a:t>
             </a:fld>
             <a:endParaRPr lang="ko-KR" altLang="en-US"/>
           </a:p>
@@ -6210,7 +5902,46 @@
                 <a:effectLst/>
                 <a:latin typeface="Menlo" panose="020B0609030804020204" pitchFamily="49" charset="0"/>
               </a:rPr>
-              <a:t>// Create element buffer for FILL</a:t>
+              <a:t>// Create element buffer</a:t>
+            </a:r>
+            <a:r>
+              <a:rPr lang="ko-KR" altLang="en-US" sz="1600" dirty="0">
+                <a:solidFill>
+                  <a:srgbClr val="267507"/>
+                </a:solidFill>
+                <a:effectLst/>
+                <a:latin typeface="Menlo" panose="020B0609030804020204" pitchFamily="49" charset="0"/>
+              </a:rPr>
+              <a:t> </a:t>
+            </a:r>
+            <a:r>
+              <a:rPr lang="en-US" altLang="ko-KR" sz="1600" dirty="0">
+                <a:solidFill>
+                  <a:srgbClr val="267507"/>
+                </a:solidFill>
+                <a:effectLst/>
+                <a:latin typeface="Menlo" panose="020B0609030804020204" pitchFamily="49" charset="0"/>
+              </a:rPr>
+              <a:t>(</a:t>
+            </a:r>
+            <a:r>
+              <a:rPr lang="en-US" altLang="ko-KR" sz="1600" dirty="0">
+                <a:solidFill>
+                  <a:srgbClr val="267507"/>
+                </a:solidFill>
+                <a:latin typeface="Menlo" panose="020B0609030804020204" pitchFamily="49" charset="0"/>
+              </a:rPr>
+              <a:t>EBO)</a:t>
+            </a:r>
+            <a:r>
+              <a:rPr lang="en-US" altLang="ko-KR" sz="1600" dirty="0">
+                <a:solidFill>
+                  <a:srgbClr val="267507"/>
+                </a:solidFill>
+                <a:effectLst/>
+                <a:latin typeface="Menlo" panose="020B0609030804020204" pitchFamily="49" charset="0"/>
+              </a:rPr>
+              <a:t> for FILL</a:t>
             </a:r>
           </a:p>
           <a:p>
@@ -6842,7 +6573,7 @@
 </p:sld>
 </file>
 
-<file path=ppt/slides/slide5.xml><?xml version="1.0" encoding="utf-8"?>
+<file path=ppt/slides/slide4.xml><?xml version="1.0" encoding="utf-8"?>
 <p:sld xmlns:a="http://schemas.openxmlformats.org/drawingml/2006/main" xmlns:r="http://schemas.openxmlformats.org/officeDocument/2006/relationships" xmlns:p="http://schemas.openxmlformats.org/presentationml/2006/main">
   <p:cSld>
     <p:spTree>
@@ -7052,7 +6783,7 @@
           <a:p>
             <a:fld id="{4BEDD84E-25D4-4983-8AA1-2863C96F08D9}" type="slidenum">
               <a:rPr lang="ko-KR" altLang="en-US" smtClean="0"/>
-              <a:t>5</a:t>
+              <a:t>4</a:t>
             </a:fld>
             <a:endParaRPr lang="ko-KR" altLang="en-US"/>
           </a:p>
@@ -7354,7 +7085,7 @@
 </p:sld>
 </file>
 
-<file path=ppt/slides/slide6.xml><?xml version="1.0" encoding="utf-8"?>
+<file path=ppt/slides/slide5.xml><?xml version="1.0" encoding="utf-8"?>
 <p:sld xmlns:a="http://schemas.openxmlformats.org/drawingml/2006/main" xmlns:r="http://schemas.openxmlformats.org/officeDocument/2006/relationships" xmlns:p="http://schemas.openxmlformats.org/presentationml/2006/main">
   <p:cSld>
     <p:spTree>
@@ -7429,7 +7160,7 @@
           <a:p>
             <a:fld id="{4BEDD84E-25D4-4983-8AA1-2863C96F08D9}" type="slidenum">
               <a:rPr lang="ko-KR" altLang="en-US" smtClean="0"/>
-              <a:t>6</a:t>
+              <a:t>5</a:t>
             </a:fld>
             <a:endParaRPr lang="ko-KR" altLang="en-US"/>
           </a:p>
@@ -7611,11 +7342,31 @@
                 <a:effectLst/>
                 <a:latin typeface="Menlo" panose="020B0609030804020204" pitchFamily="49" charset="0"/>
               </a:rPr>
-              <a:t>        gl.drawElements(gl.TRIANGLES, fillIndices.length, gl.UNSIGNED_SHORT, </a:t>
+              <a:t>        </a:t>
             </a:r>
             <a:r>
               <a:rPr lang="en-US" altLang="ko-KR" dirty="0">
                 <a:solidFill>
+                  <a:srgbClr val="0070C0"/>
+                </a:solidFill>
+                <a:effectLst/>
+                <a:latin typeface="Menlo" panose="020B0609030804020204" pitchFamily="49" charset="0"/>
+              </a:rPr>
+              <a:t>gl.drawElements</a:t>
+            </a:r>
+            <a:r>
+              <a:rPr lang="en-US" altLang="ko-KR" dirty="0">
+                <a:solidFill>
+                  <a:srgbClr val="000000"/>
+                </a:solidFill>
+                <a:effectLst/>
+                <a:latin typeface="Menlo" panose="020B0609030804020204" pitchFamily="49" charset="0"/>
+              </a:rPr>
+              <a:t>(gl.TRIANGLES, fillIndices.length, gl.UNSIGNED_SHORT, </a:t>
+            </a:r>
+            <a:r>
+              <a:rPr lang="en-US" altLang="ko-KR" dirty="0">
+                <a:solidFill>
                   <a:srgbClr val="1C00CF"/>
                 </a:solidFill>
                 <a:effectLst/>
@@ -7721,7 +7472,27 @@
                 <a:effectLst/>
                 <a:latin typeface="Menlo" panose="020B0609030804020204" pitchFamily="49" charset="0"/>
               </a:rPr>
-              <a:t>        gl.drawElements(gl.LINES, lineIndices.length, gl.UNSIGNED_SHORT, </a:t>
+              <a:t>        </a:t>
+            </a:r>
+            <a:r>
+              <a:rPr lang="en-US" altLang="ko-KR" dirty="0">
+                <a:solidFill>
+                  <a:srgbClr val="0070C0"/>
+                </a:solidFill>
+                <a:effectLst/>
+                <a:latin typeface="Menlo" panose="020B0609030804020204" pitchFamily="49" charset="0"/>
+              </a:rPr>
+              <a:t>gl.drawElements</a:t>
+            </a:r>
+            <a:r>
+              <a:rPr lang="en-US" altLang="ko-KR" dirty="0">
+                <a:solidFill>
+                  <a:srgbClr val="000000"/>
+                </a:solidFill>
+                <a:effectLst/>
+                <a:latin typeface="Menlo" panose="020B0609030804020204" pitchFamily="49" charset="0"/>
+              </a:rPr>
+              <a:t>(gl.LINES, lineIndices.length, gl.UNSIGNED_SHORT, </a:t>
             </a:r>
             <a:r>
               <a:rPr lang="en-US" altLang="ko-KR" dirty="0">
@@ -7832,7 +7603,7 @@
                                 </p:cTn>
                               </p:par>
                               <p:par>
-                                <p:cTn id="7" presetID="1" presetClass="entr" presetSubtype="0" fill="hold" nodeType="withEffect">
+                                <p:cTn id="7" presetID="1" presetClass="entr" presetSubtype="0" fill="hold" grpId="0" nodeType="withEffect">
                                   <p:stCondLst>
                                     <p:cond delay="0"/>
                                   </p:stCondLst>
@@ -7846,9 +7617,7 @@
                                         </p:cTn>
                                         <p:tgtEl>
                                           <p:spTgt spid="7">
-                                            <p:txEl>
-                                              <p:pRg st="2" end="2"/>
-                                            </p:txEl>
+                                            <p:bg/>
                                           </p:spTgt>
                                         </p:tgtEl>
                                         <p:attrNameLst>
@@ -7878,7 +7647,7 @@
                                         <p:tgtEl>
                                           <p:spTgt spid="7">
                                             <p:txEl>
-                                              <p:pRg st="3" end="3"/>
+                                              <p:pRg st="2" end="2"/>
                                             </p:txEl>
                                           </p:spTgt>
                                         </p:tgtEl>
@@ -7909,7 +7678,7 @@
                                         <p:tgtEl>
                                           <p:spTgt spid="7">
                                             <p:txEl>
-                                              <p:pRg st="4" end="4"/>
+                                              <p:pRg st="3" end="3"/>
                                             </p:txEl>
                                           </p:spTgt>
                                         </p:tgtEl>
@@ -7940,7 +7709,7 @@
                                         <p:tgtEl>
                                           <p:spTgt spid="7">
                                             <p:txEl>
-                                              <p:pRg st="5" end="5"/>
+                                              <p:pRg st="4" end="4"/>
                                             </p:txEl>
                                           </p:spTgt>
                                         </p:tgtEl>
@@ -7971,7 +7740,7 @@
                                         <p:tgtEl>
                                           <p:spTgt spid="7">
                                             <p:txEl>
-                                              <p:pRg st="6" end="6"/>
+                                              <p:pRg st="5" end="5"/>
                                             </p:txEl>
                                           </p:spTgt>
                                         </p:tgtEl>
@@ -8002,7 +7771,7 @@
                                         <p:tgtEl>
                                           <p:spTgt spid="7">
                                             <p:txEl>
-                                              <p:pRg st="7" end="7"/>
+                                              <p:pRg st="6" end="6"/>
                                             </p:txEl>
                                           </p:spTgt>
                                         </p:tgtEl>
@@ -8033,37 +7802,8 @@
                                         <p:tgtEl>
                                           <p:spTgt spid="7">
                                             <p:txEl>
-                                              <p:pRg st="8" end="8"/>
+                                              <p:pRg st="7" end="7"/>
                                             </p:txEl>
-                                          </p:spTgt>
-                                        </p:tgtEl>
-                                        <p:attrNameLst>
-                                          <p:attrName>style.visibility</p:attrName>
-                                        </p:attrNameLst>
-                                      </p:cBhvr>
-                                      <p:to>
-                                        <p:strVal val="visible"/>
-                                      </p:to>
-                                    </p:set>
-                                  </p:childTnLst>
-                                </p:cTn>
-                              </p:par>
-                              <p:par>
-                                <p:cTn id="21" presetID="1" presetClass="entr" presetSubtype="0" fill="hold" grpId="0" nodeType="withEffect">
-                                  <p:stCondLst>
-                                    <p:cond delay="0"/>
-                                  </p:stCondLst>
-                                  <p:childTnLst>
-                                    <p:set>
-                                      <p:cBhvr>
-                                        <p:cTn id="22" dur="1" fill="hold">
-                                          <p:stCondLst>
-                                            <p:cond delay="0"/>
-                                          </p:stCondLst>
-                                        </p:cTn>
-                                        <p:tgtEl>
-                                          <p:spTgt spid="7">
-                                            <p:bg/>
                                           </p:spTgt>
                                         </p:tgtEl>
                                         <p:attrNameLst>
@@ -8084,26 +7824,26 @@
                     </p:cTn>
                   </p:par>
                   <p:par>
-                    <p:cTn id="23" fill="hold">
+                    <p:cTn id="21" fill="hold">
                       <p:stCondLst>
                         <p:cond delay="indefinite"/>
                       </p:stCondLst>
                       <p:childTnLst>
                         <p:par>
-                          <p:cTn id="24" fill="hold">
+                          <p:cTn id="22" fill="hold">
                             <p:stCondLst>
                               <p:cond delay="0"/>
                             </p:stCondLst>
                             <p:childTnLst>
                               <p:par>
-                                <p:cTn id="25" presetID="1" presetClass="entr" presetSubtype="0" fill="hold" nodeType="clickEffect">
+                                <p:cTn id="23" presetID="1" presetClass="entr" presetSubtype="0" fill="hold" nodeType="clickEffect">
                                   <p:stCondLst>
                                     <p:cond delay="0"/>
                                   </p:stCondLst>
                                   <p:childTnLst>
                                     <p:set>
                                       <p:cBhvr>
-                                        <p:cTn id="26" dur="1" fill="hold">
+                                        <p:cTn id="24" dur="1" fill="hold">
                                           <p:stCondLst>
                                             <p:cond delay="0"/>
                                           </p:stCondLst>
@@ -8111,7 +7851,7 @@
                                         <p:tgtEl>
                                           <p:spTgt spid="7">
                                             <p:txEl>
-                                              <p:pRg st="9" end="9"/>
+                                              <p:pRg st="8" end="8"/>
                                             </p:txEl>
                                           </p:spTgt>
                                         </p:tgtEl>
@@ -8126,8 +7866,26 @@
                                   </p:childTnLst>
                                 </p:cTn>
                               </p:par>
+                            </p:childTnLst>
+                          </p:cTn>
+                        </p:par>
+                      </p:childTnLst>
+                    </p:cTn>
+                  </p:par>
+                  <p:par>
+                    <p:cTn id="25" fill="hold">
+                      <p:stCondLst>
+                        <p:cond delay="indefinite"/>
+                      </p:stCondLst>
+                      <p:childTnLst>
+                        <p:par>
+                          <p:cTn id="26" fill="hold">
+                            <p:stCondLst>
+                              <p:cond delay="0"/>
+                            </p:stCondLst>
+                            <p:childTnLst>
                               <p:par>
-                                <p:cTn id="27" presetID="1" presetClass="entr" presetSubtype="0" fill="hold" nodeType="withEffect">
+                                <p:cTn id="27" presetID="1" presetClass="entr" presetSubtype="0" fill="hold" nodeType="clickEffect">
                                   <p:stCondLst>
                                     <p:cond delay="0"/>
                                   </p:stCondLst>
@@ -8142,7 +7900,7 @@
                                         <p:tgtEl>
                                           <p:spTgt spid="7">
                                             <p:txEl>
-                                              <p:pRg st="10" end="10"/>
+                                              <p:pRg st="9" end="9"/>
                                             </p:txEl>
                                           </p:spTgt>
                                         </p:tgtEl>
@@ -8173,7 +7931,7 @@
                                         <p:tgtEl>
                                           <p:spTgt spid="7">
                                             <p:txEl>
-                                              <p:pRg st="11" end="11"/>
+                                              <p:pRg st="10" end="10"/>
                                             </p:txEl>
                                           </p:spTgt>
                                         </p:tgtEl>
@@ -8204,7 +7962,7 @@
                                         <p:tgtEl>
                                           <p:spTgt spid="7">
                                             <p:txEl>
-                                              <p:pRg st="12" end="12"/>
+                                              <p:pRg st="11" end="11"/>
                                             </p:txEl>
                                           </p:spTgt>
                                         </p:tgtEl>
@@ -8235,6 +7993,55 @@
                                         <p:tgtEl>
                                           <p:spTgt spid="7">
                                             <p:txEl>
+                                              <p:pRg st="12" end="12"/>
+                                            </p:txEl>
+                                          </p:spTgt>
+                                        </p:tgtEl>
+                                        <p:attrNameLst>
+                                          <p:attrName>style.visibility</p:attrName>
+                                        </p:attrNameLst>
+                                      </p:cBhvr>
+                                      <p:to>
+                                        <p:strVal val="visible"/>
+                                      </p:to>
+                                    </p:set>
+                                  </p:childTnLst>
+                                </p:cTn>
+                              </p:par>
+                            </p:childTnLst>
+                          </p:cTn>
+                        </p:par>
+                      </p:childTnLst>
+                    </p:cTn>
+                  </p:par>
+                  <p:par>
+                    <p:cTn id="35" fill="hold">
+                      <p:stCondLst>
+                        <p:cond delay="indefinite"/>
+                      </p:stCondLst>
+                      <p:childTnLst>
+                        <p:par>
+                          <p:cTn id="36" fill="hold">
+                            <p:stCondLst>
+                              <p:cond delay="0"/>
+                            </p:stCondLst>
+                            <p:childTnLst>
+                              <p:par>
+                                <p:cTn id="37" presetID="1" presetClass="entr" presetSubtype="0" fill="hold" nodeType="clickEffect">
+                                  <p:stCondLst>
+                                    <p:cond delay="0"/>
+                                  </p:stCondLst>
+                                  <p:childTnLst>
+                                    <p:set>
+                                      <p:cBhvr>
+                                        <p:cTn id="38" dur="1" fill="hold">
+                                          <p:stCondLst>
+                                            <p:cond delay="0"/>
+                                          </p:stCondLst>
+                                        </p:cTn>
+                                        <p:tgtEl>
+                                          <p:spTgt spid="7">
+                                            <p:txEl>
                                               <p:pRg st="13" end="13"/>
                                             </p:txEl>
                                           </p:spTgt>
@@ -8251,14 +8058,14 @@
                                 </p:cTn>
                               </p:par>
                               <p:par>
-                                <p:cTn id="35" presetID="1" presetClass="entr" presetSubtype="0" fill="hold" nodeType="withEffect">
+                                <p:cTn id="39" presetID="1" presetClass="entr" presetSubtype="0" fill="hold" nodeType="withEffect">
                                   <p:stCondLst>
                                     <p:cond delay="0"/>
                                   </p:stCondLst>
                                   <p:childTnLst>
                                     <p:set>
                                       <p:cBhvr>
-                                        <p:cTn id="36" dur="1" fill="hold">
+                                        <p:cTn id="40" dur="1" fill="hold">
                                           <p:stCondLst>
                                             <p:cond delay="0"/>
                                           </p:stCondLst>
@@ -8282,14 +8089,14 @@
                                 </p:cTn>
                               </p:par>
                               <p:par>
-                                <p:cTn id="37" presetID="1" presetClass="entr" presetSubtype="0" fill="hold" nodeType="withEffect">
+                                <p:cTn id="41" presetID="1" presetClass="entr" presetSubtype="0" fill="hold" nodeType="withEffect">
                                   <p:stCondLst>
                                     <p:cond delay="0"/>
                                   </p:stCondLst>
                                   <p:childTnLst>
                                     <p:set>
                                       <p:cBhvr>
-                                        <p:cTn id="38" dur="1" fill="hold">
+                                        <p:cTn id="42" dur="1" fill="hold">
                                           <p:stCondLst>
                                             <p:cond delay="0"/>
                                           </p:stCondLst>
@@ -8346,7 +8153,7 @@
 </p:sld>
 </file>
 
-<file path=ppt/slides/slide7.xml><?xml version="1.0" encoding="utf-8"?>
+<file path=ppt/slides/slide6.xml><?xml version="1.0" encoding="utf-8"?>
 <p:sld xmlns:a="http://schemas.openxmlformats.org/drawingml/2006/main" xmlns:r="http://schemas.openxmlformats.org/officeDocument/2006/relationships" xmlns:p="http://schemas.openxmlformats.org/presentationml/2006/main">
   <p:cSld>
     <p:spTree>
@@ -8415,7 +8222,7 @@
           <a:p>
             <a:fld id="{4BEDD84E-25D4-4983-8AA1-2863C96F08D9}" type="slidenum">
               <a:rPr lang="ko-KR" altLang="en-US" smtClean="0"/>
-              <a:t>7</a:t>
+              <a:t>6</a:t>
             </a:fld>
             <a:endParaRPr lang="ko-KR" altLang="en-US"/>
           </a:p>
@@ -9971,7 +9778,7 @@
 </p:sld>
 </file>
 
-<file path=ppt/slides/slide8.xml><?xml version="1.0" encoding="utf-8"?>
+<file path=ppt/slides/slide7.xml><?xml version="1.0" encoding="utf-8"?>
 <p:sld xmlns:a="http://schemas.openxmlformats.org/drawingml/2006/main" xmlns:r="http://schemas.openxmlformats.org/officeDocument/2006/relationships" xmlns:p="http://schemas.openxmlformats.org/presentationml/2006/main">
   <p:cSld>
     <p:spTree>
@@ -9990,10 +9797,10 @@
       </p:grpSpPr>
       <p:sp>
         <p:nvSpPr>
-          <p:cNvPr id="2" name="제목 1">
+          <p:cNvPr id="5" name="제목 4">
             <a:extLst>
               <a:ext uri="{FF2B5EF4-FFF2-40B4-BE49-F238E27FC236}">
-                <a16:creationId xmlns:a16="http://schemas.microsoft.com/office/drawing/2014/main" id="{2C23D734-5ADA-5242-ADFB-237134CF22C1}"/>
+                <a16:creationId xmlns:a16="http://schemas.microsoft.com/office/drawing/2014/main" id="{65F4FFD1-075D-6F42-9A9E-4AC76AAAE147}"/>
               </a:ext>
             </a:extLst>
           </p:cNvPr>
@@ -10001,17 +9808,22 @@
             <a:spLocks noGrp="1"/>
           </p:cNvSpPr>
           <p:nvPr>
-            <p:ph type="title"/>
+            <p:ph type="ctrTitle"/>
           </p:nvPr>
         </p:nvSpPr>
-        <p:spPr/>
+        <p:spPr>
+          <a:xfrm>
+            <a:off x="914400" y="1143839"/>
+            <a:ext cx="10363200" cy="1470025"/>
+          </a:xfrm>
+        </p:spPr>
         <p:txBody>
           <a:bodyPr/>
           <a:lstStyle/>
           <a:p>
             <a:r>
               <a:rPr kumimoji="1" lang="en-US" altLang="ko-KR" dirty="0"/>
-              <a:t>Rendering</a:t>
+              <a:t>Program 03_HelloTriangleIndexed </a:t>
             </a:r>
             <a:endParaRPr kumimoji="1" lang="ko-KR" altLang="en-US" dirty="0"/>
           </a:p>
@@ -10022,7 +9834,7 @@
           <p:cNvPr id="4" name="슬라이드 번호 개체 틀 3">
             <a:extLst>
               <a:ext uri="{FF2B5EF4-FFF2-40B4-BE49-F238E27FC236}">
-                <a16:creationId xmlns:a16="http://schemas.microsoft.com/office/drawing/2014/main" id="{174D75A8-8696-69C7-A751-02F4FECBD72F}"/>
+                <a16:creationId xmlns:a16="http://schemas.microsoft.com/office/drawing/2014/main" id="{6AABAE67-C7A8-BF43-A703-02B786336931}"/>
               </a:ext>
             </a:extLst>
           </p:cNvPr>
@@ -10033,25 +9845,30 @@
             <p:ph type="sldNum" sz="quarter" idx="12"/>
           </p:nvPr>
         </p:nvSpPr>
-        <p:spPr/>
+        <p:spPr>
+          <a:xfrm>
+            <a:off x="11674475" y="6396038"/>
+            <a:ext cx="517525" cy="323850"/>
+          </a:xfrm>
+        </p:spPr>
         <p:txBody>
           <a:bodyPr/>
           <a:lstStyle/>
           <a:p>
-            <a:fld id="{4BEDD84E-25D4-4983-8AA1-2863C96F08D9}" type="slidenum">
+            <a:fld id="{B81C3356-60A9-4391-B4BA-980644DD2ECD}" type="slidenum">
               <a:rPr lang="ko-KR" altLang="en-US" smtClean="0"/>
-              <a:t>8</a:t>
+              <a:t>7</a:t>
             </a:fld>
-            <a:endParaRPr lang="ko-KR" altLang="en-US"/>
+            <a:endParaRPr lang="ko-KR" altLang="en-US" dirty="0"/>
           </a:p>
         </p:txBody>
       </p:sp>
       <p:sp>
         <p:nvSpPr>
-          <p:cNvPr id="6" name="TextBox 5">
+          <p:cNvPr id="8" name="TextBox 7">
             <a:extLst>
               <a:ext uri="{FF2B5EF4-FFF2-40B4-BE49-F238E27FC236}">
-                <a16:creationId xmlns:a16="http://schemas.microsoft.com/office/drawing/2014/main" id="{036C657A-0609-4906-242A-76EF72278841}"/>
+                <a16:creationId xmlns:a16="http://schemas.microsoft.com/office/drawing/2014/main" id="{7E23FBBE-DC5A-3F4C-B39A-D0A710220958}"/>
               </a:ext>
             </a:extLst>
           </p:cNvPr>
@@ -10060,284 +9877,121 @@
         </p:nvSpPr>
         <p:spPr>
           <a:xfrm>
-            <a:off x="436183" y="1196752"/>
-            <a:ext cx="11319633" cy="3139321"/>
+            <a:off x="6576489" y="3318574"/>
+            <a:ext cx="4937732" cy="1323439"/>
           </a:xfrm>
           <a:prstGeom prst="rect">
             <a:avLst/>
           </a:prstGeom>
           <a:noFill/>
-          <a:ln>
-            <a:solidFill>
-              <a:schemeClr val="bg1">
-                <a:lumMod val="75000"/>
-              </a:schemeClr>
-            </a:solidFill>
-          </a:ln>
         </p:spPr>
         <p:txBody>
-          <a:bodyPr wrap="square">
+          <a:bodyPr wrap="square" rtlCol="0">
             <a:spAutoFit/>
           </a:bodyPr>
           <a:lstStyle/>
           <a:p>
-            <a:r>
-              <a:rPr lang="en-US" altLang="ko-KR" dirty="0">
-                <a:solidFill>
-                  <a:srgbClr val="000000"/>
-                </a:solidFill>
-                <a:effectLst/>
-                <a:latin typeface="Menlo" panose="020B0609030804020204" pitchFamily="49" charset="0"/>
-              </a:rPr>
-              <a:t>    </a:t>
-            </a:r>
-            <a:r>
-              <a:rPr lang="en-US" altLang="ko-KR" b="1" dirty="0">
-                <a:solidFill>
-                  <a:srgbClr val="9B2393"/>
-                </a:solidFill>
-                <a:effectLst/>
-                <a:latin typeface="Menlo" panose="020B0609030804020204" pitchFamily="49" charset="0"/>
-              </a:rPr>
-              <a:t>if</a:t>
-            </a:r>
-            <a:r>
-              <a:rPr lang="en-US" altLang="ko-KR" dirty="0">
-                <a:solidFill>
-                  <a:srgbClr val="000000"/>
-                </a:solidFill>
-                <a:effectLst/>
-                <a:latin typeface="Menlo" panose="020B0609030804020204" pitchFamily="49" charset="0"/>
-              </a:rPr>
-              <a:t> (isFillMode) { </a:t>
-            </a:r>
-          </a:p>
-          <a:p>
-            <a:r>
-              <a:rPr lang="en-US" altLang="ko-KR" dirty="0">
-                <a:solidFill>
-                  <a:srgbClr val="267507"/>
-                </a:solidFill>
-                <a:effectLst/>
-                <a:latin typeface="Menlo" panose="020B0609030804020204" pitchFamily="49" charset="0"/>
-              </a:rPr>
-              <a:t>        // Fill the two triangles using shader program1 (orange)</a:t>
-            </a:r>
-          </a:p>
-          <a:p>
-            <a:r>
-              <a:rPr lang="en-US" altLang="ko-KR" dirty="0">
-                <a:solidFill>
-                  <a:srgbClr val="000000"/>
-                </a:solidFill>
-                <a:effectLst/>
-                <a:latin typeface="Menlo" panose="020B0609030804020204" pitchFamily="49" charset="0"/>
-              </a:rPr>
-              <a:t>        gl.useProgram(program1);</a:t>
-            </a:r>
-          </a:p>
-          <a:p>
-            <a:r>
-              <a:rPr lang="en-US" altLang="ko-KR" dirty="0">
-                <a:solidFill>
-                  <a:srgbClr val="000000"/>
-                </a:solidFill>
-                <a:effectLst/>
-                <a:latin typeface="Menlo" panose="020B0609030804020204" pitchFamily="49" charset="0"/>
-              </a:rPr>
-              <a:t>        gl.bindBuffer(gl.ELEMENT_ARRAY_BUFFER, fillIndexBuffer);</a:t>
-            </a:r>
-          </a:p>
-          <a:p>
-            <a:r>
-              <a:rPr lang="en-US" altLang="ko-KR" dirty="0">
-                <a:solidFill>
-                  <a:srgbClr val="000000"/>
-                </a:solidFill>
-                <a:effectLst/>
-                <a:latin typeface="Menlo" panose="020B0609030804020204" pitchFamily="49" charset="0"/>
-              </a:rPr>
-              <a:t>        </a:t>
-            </a:r>
-            <a:r>
-              <a:rPr lang="en-US" altLang="ko-KR" dirty="0">
-                <a:solidFill>
-                  <a:srgbClr val="FF0000"/>
-                </a:solidFill>
-                <a:effectLst/>
-                <a:latin typeface="Menlo" panose="020B0609030804020204" pitchFamily="49" charset="0"/>
-              </a:rPr>
-              <a:t>gl.drawElements</a:t>
-            </a:r>
-            <a:r>
-              <a:rPr lang="en-US" altLang="ko-KR" dirty="0">
-                <a:solidFill>
-                  <a:srgbClr val="000000"/>
-                </a:solidFill>
-                <a:effectLst/>
-                <a:latin typeface="Menlo" panose="020B0609030804020204" pitchFamily="49" charset="0"/>
-              </a:rPr>
-              <a:t>(gl.TRIANGLES, fillIndices.length, gl.UNSIGNED_SHORT, </a:t>
-            </a:r>
-            <a:r>
-              <a:rPr lang="en-US" altLang="ko-KR" dirty="0">
-                <a:solidFill>
-                  <a:srgbClr val="1C00CF"/>
-                </a:solidFill>
-                <a:effectLst/>
-                <a:latin typeface="Menlo" panose="020B0609030804020204" pitchFamily="49" charset="0"/>
-              </a:rPr>
-              <a:t>0</a:t>
-            </a:r>
-            <a:r>
-              <a:rPr lang="en-US" altLang="ko-KR" dirty="0">
-                <a:solidFill>
-                  <a:srgbClr val="000000"/>
-                </a:solidFill>
-                <a:effectLst/>
-                <a:latin typeface="Menlo" panose="020B0609030804020204" pitchFamily="49" charset="0"/>
-              </a:rPr>
-              <a:t>);</a:t>
-            </a:r>
-          </a:p>
-          <a:p>
-            <a:r>
-              <a:rPr lang="en-US" altLang="ko-KR" dirty="0">
-                <a:solidFill>
-                  <a:srgbClr val="000000"/>
-                </a:solidFill>
-                <a:effectLst/>
-                <a:latin typeface="Menlo" panose="020B0609030804020204" pitchFamily="49" charset="0"/>
-              </a:rPr>
-              <a:t>    } </a:t>
-            </a:r>
-            <a:r>
-              <a:rPr lang="en-US" altLang="ko-KR" b="1" dirty="0">
-                <a:solidFill>
-                  <a:srgbClr val="9B2393"/>
-                </a:solidFill>
-                <a:effectLst/>
-                <a:latin typeface="Menlo" panose="020B0609030804020204" pitchFamily="49" charset="0"/>
-              </a:rPr>
-              <a:t>else</a:t>
-            </a:r>
-            <a:r>
-              <a:rPr lang="en-US" altLang="ko-KR" dirty="0">
-                <a:solidFill>
-                  <a:srgbClr val="000000"/>
-                </a:solidFill>
-                <a:effectLst/>
-                <a:latin typeface="Menlo" panose="020B0609030804020204" pitchFamily="49" charset="0"/>
-              </a:rPr>
-              <a:t> { </a:t>
-            </a:r>
-          </a:p>
-          <a:p>
-            <a:r>
-              <a:rPr lang="en-US" altLang="ko-KR" dirty="0">
-                <a:solidFill>
-                  <a:srgbClr val="267507"/>
-                </a:solidFill>
-                <a:effectLst/>
-                <a:latin typeface="Menlo" panose="020B0609030804020204" pitchFamily="49" charset="0"/>
-              </a:rPr>
-              <a:t>        // Draw the edges of the two triangles using shader program2 (grey)</a:t>
-            </a:r>
-          </a:p>
-          <a:p>
-            <a:r>
-              <a:rPr lang="en-US" altLang="ko-KR" dirty="0">
-                <a:solidFill>
-                  <a:srgbClr val="000000"/>
-                </a:solidFill>
-                <a:effectLst/>
-                <a:latin typeface="Menlo" panose="020B0609030804020204" pitchFamily="49" charset="0"/>
-              </a:rPr>
-              <a:t>        gl.useProgram(program2); </a:t>
-            </a:r>
-          </a:p>
-          <a:p>
-            <a:r>
-              <a:rPr lang="en-US" altLang="ko-KR" dirty="0">
-                <a:solidFill>
-                  <a:srgbClr val="000000"/>
-                </a:solidFill>
-                <a:effectLst/>
-                <a:latin typeface="Menlo" panose="020B0609030804020204" pitchFamily="49" charset="0"/>
-              </a:rPr>
-              <a:t>        gl.bindBuffer(gl.ELEMENT_ARRAY_BUFFER, lineIndexBuffer);</a:t>
-            </a:r>
-          </a:p>
-          <a:p>
-            <a:r>
-              <a:rPr lang="en-US" altLang="ko-KR" dirty="0">
-                <a:solidFill>
-                  <a:srgbClr val="000000"/>
-                </a:solidFill>
-                <a:effectLst/>
-                <a:latin typeface="Menlo" panose="020B0609030804020204" pitchFamily="49" charset="0"/>
-              </a:rPr>
-              <a:t>        </a:t>
-            </a:r>
-            <a:r>
-              <a:rPr lang="en-US" altLang="ko-KR" dirty="0">
-                <a:solidFill>
-                  <a:srgbClr val="FF0000"/>
-                </a:solidFill>
-                <a:effectLst/>
-                <a:latin typeface="Menlo" panose="020B0609030804020204" pitchFamily="49" charset="0"/>
-              </a:rPr>
-              <a:t>gl.drawElements</a:t>
-            </a:r>
-            <a:r>
-              <a:rPr lang="en-US" altLang="ko-KR" dirty="0">
-                <a:solidFill>
-                  <a:srgbClr val="000000"/>
-                </a:solidFill>
-                <a:effectLst/>
-                <a:latin typeface="Menlo" panose="020B0609030804020204" pitchFamily="49" charset="0"/>
-              </a:rPr>
-              <a:t>(gl.LINES, lineIndices.length, gl.UNSIGNED_SHORT, </a:t>
-            </a:r>
-            <a:r>
-              <a:rPr lang="en-US" altLang="ko-KR" dirty="0">
-                <a:solidFill>
-                  <a:srgbClr val="1C00CF"/>
-                </a:solidFill>
-                <a:effectLst/>
-                <a:latin typeface="Menlo" panose="020B0609030804020204" pitchFamily="49" charset="0"/>
-              </a:rPr>
-              <a:t>0</a:t>
-            </a:r>
-            <a:r>
-              <a:rPr lang="en-US" altLang="ko-KR" dirty="0">
-                <a:solidFill>
-                  <a:srgbClr val="000000"/>
-                </a:solidFill>
-                <a:effectLst/>
-                <a:latin typeface="Menlo" panose="020B0609030804020204" pitchFamily="49" charset="0"/>
-              </a:rPr>
-              <a:t>);</a:t>
-            </a:r>
-          </a:p>
-          <a:p>
-            <a:r>
-              <a:rPr lang="en-US" altLang="ko-KR" dirty="0">
-                <a:solidFill>
-                  <a:srgbClr val="000000"/>
-                </a:solidFill>
-                <a:effectLst/>
-                <a:latin typeface="Menlo" panose="020B0609030804020204" pitchFamily="49" charset="0"/>
-              </a:rPr>
-              <a:t>    }</a:t>
+            <a:pPr marL="285750" indent="-285750">
+              <a:buFont typeface="Arial" panose="020B0604020202020204" pitchFamily="34" charset="0"/>
+              <a:buChar char="•"/>
+            </a:pPr>
+            <a:r>
+              <a:rPr kumimoji="1" lang="en-US" altLang="ko-KR" sz="2000" dirty="0"/>
+              <a:t>Draw a Rectangle (using two triangles)</a:t>
+            </a:r>
+          </a:p>
+          <a:p>
+            <a:pPr marL="342900" indent="-342900">
+              <a:buFont typeface="Arial" panose="020B0604020202020204" pitchFamily="34" charset="0"/>
+              <a:buChar char="•"/>
+            </a:pPr>
+            <a:r>
+              <a:rPr kumimoji="1" lang="en-US" altLang="ko-KR" sz="2000" dirty="0"/>
+              <a:t>Use Element (Index) array</a:t>
+            </a:r>
+          </a:p>
+          <a:p>
+            <a:pPr marL="342900" indent="-342900">
+              <a:buFont typeface="Arial" panose="020B0604020202020204" pitchFamily="34" charset="0"/>
+              <a:buChar char="•"/>
+            </a:pPr>
+            <a:r>
+              <a:rPr kumimoji="1" lang="en-US" altLang="ko-KR" sz="2000" dirty="0"/>
+              <a:t>‘f’ key to toggle the rendering</a:t>
+            </a:r>
+          </a:p>
+          <a:p>
+            <a:r>
+              <a:rPr kumimoji="1" lang="en-US" altLang="ko-KR" sz="2000" dirty="0"/>
+              <a:t>    mode (fill and line)</a:t>
             </a:r>
           </a:p>
         </p:txBody>
       </p:sp>
+      <p:pic>
+        <p:nvPicPr>
+          <p:cNvPr id="3" name="그림 2">
+            <a:extLst>
+              <a:ext uri="{FF2B5EF4-FFF2-40B4-BE49-F238E27FC236}">
+                <a16:creationId xmlns:a16="http://schemas.microsoft.com/office/drawing/2014/main" id="{6A38DFEA-C636-1386-1EAF-D8D6091D6F3C}"/>
+              </a:ext>
+            </a:extLst>
+          </p:cNvPr>
+          <p:cNvPicPr>
+            <a:picLocks noChangeAspect="1"/>
+          </p:cNvPicPr>
+          <p:nvPr/>
+        </p:nvPicPr>
+        <p:blipFill>
+          <a:blip r:embed="rId3"/>
+          <a:stretch>
+            <a:fillRect/>
+          </a:stretch>
+        </p:blipFill>
+        <p:spPr>
+          <a:xfrm>
+            <a:off x="914400" y="2960587"/>
+            <a:ext cx="2573641" cy="2567100"/>
+          </a:xfrm>
+          <a:prstGeom prst="rect">
+            <a:avLst/>
+          </a:prstGeom>
+        </p:spPr>
+      </p:pic>
+      <p:pic>
+        <p:nvPicPr>
+          <p:cNvPr id="6" name="그림 5">
+            <a:extLst>
+              <a:ext uri="{FF2B5EF4-FFF2-40B4-BE49-F238E27FC236}">
+                <a16:creationId xmlns:a16="http://schemas.microsoft.com/office/drawing/2014/main" id="{82A25EDE-010A-3C53-5024-1FDF80A39EC1}"/>
+              </a:ext>
+            </a:extLst>
+          </p:cNvPr>
+          <p:cNvPicPr>
+            <a:picLocks noChangeAspect="1"/>
+          </p:cNvPicPr>
+          <p:nvPr/>
+        </p:nvPicPr>
+        <p:blipFill>
+          <a:blip r:embed="rId4"/>
+          <a:stretch>
+            <a:fillRect/>
+          </a:stretch>
+        </p:blipFill>
+        <p:spPr>
+          <a:xfrm>
+            <a:off x="3619241" y="2960587"/>
+            <a:ext cx="2573642" cy="2567102"/>
+          </a:xfrm>
+          <a:prstGeom prst="rect">
+            <a:avLst/>
+          </a:prstGeom>
+        </p:spPr>
+      </p:pic>
     </p:spTree>
     <p:extLst>
       <p:ext uri="{BB962C8B-B14F-4D97-AF65-F5344CB8AC3E}">
-        <p14:creationId xmlns:p14="http://schemas.microsoft.com/office/powerpoint/2010/main" val="2209928023"/>
+        <p14:creationId xmlns:p14="http://schemas.microsoft.com/office/powerpoint/2010/main" val="1911837907"/>
       </p:ext>
     </p:extLst>
   </p:cSld>
